--- a/02.需求分析/4.甲方提供资料/清算中心监控技术服务架构.pptx
+++ b/02.需求分析/4.甲方提供资料/清算中心监控技术服务架构.pptx
@@ -1909,13 +1909,6 @@
         </dgm:presLayoutVars>
       </dgm:prSet>
       <dgm:spPr/>
-      <dgm:t>
-        <a:bodyPr/>
-        <a:lstStyle/>
-        <a:p>
-          <a:endParaRPr lang="zh-CN" altLang="en-US"/>
-        </a:p>
-      </dgm:t>
     </dgm:pt>
     <dgm:pt modelId="{9CB1A13F-996B-4A07-8EFF-66F4A4C2C7C8}" type="pres">
       <dgm:prSet presAssocID="{6E13FF14-F83A-4535-AA8F-A36D825B0FBF}" presName="radial" presStyleCnt="0">
@@ -1928,13 +1921,6 @@
     <dgm:pt modelId="{8CCEECF3-65A5-4DBF-86AD-329689465E98}" type="pres">
       <dgm:prSet presAssocID="{3DE39DA1-9EF8-4447-B808-F7400343DB75}" presName="centerShape" presStyleLbl="vennNode1" presStyleIdx="0" presStyleCnt="5"/>
       <dgm:spPr/>
-      <dgm:t>
-        <a:bodyPr/>
-        <a:lstStyle/>
-        <a:p>
-          <a:endParaRPr lang="zh-CN" altLang="en-US"/>
-        </a:p>
-      </dgm:t>
     </dgm:pt>
     <dgm:pt modelId="{5888873D-FEF6-4480-B982-6677D32CDA9B}" type="pres">
       <dgm:prSet presAssocID="{88560CF4-581E-46DA-B3F5-0474319DC782}" presName="node" presStyleLbl="vennNode1" presStyleIdx="1" presStyleCnt="5">
@@ -1943,13 +1929,6 @@
         </dgm:presLayoutVars>
       </dgm:prSet>
       <dgm:spPr/>
-      <dgm:t>
-        <a:bodyPr/>
-        <a:lstStyle/>
-        <a:p>
-          <a:endParaRPr lang="zh-CN" altLang="en-US"/>
-        </a:p>
-      </dgm:t>
     </dgm:pt>
     <dgm:pt modelId="{0DCF58F0-226F-4356-8BA6-07E75298942A}" type="pres">
       <dgm:prSet presAssocID="{07700E17-5548-466F-BB9E-15EFF3BF83F9}" presName="node" presStyleLbl="vennNode1" presStyleIdx="2" presStyleCnt="5">
@@ -1958,13 +1937,6 @@
         </dgm:presLayoutVars>
       </dgm:prSet>
       <dgm:spPr/>
-      <dgm:t>
-        <a:bodyPr/>
-        <a:lstStyle/>
-        <a:p>
-          <a:endParaRPr lang="zh-CN" altLang="en-US"/>
-        </a:p>
-      </dgm:t>
     </dgm:pt>
     <dgm:pt modelId="{DC5CFB51-817F-4C7D-AD88-EFF49328E20D}" type="pres">
       <dgm:prSet presAssocID="{B4253734-8419-455D-9895-DAA30D496AC1}" presName="node" presStyleLbl="vennNode1" presStyleIdx="3" presStyleCnt="5">
@@ -1973,13 +1945,6 @@
         </dgm:presLayoutVars>
       </dgm:prSet>
       <dgm:spPr/>
-      <dgm:t>
-        <a:bodyPr/>
-        <a:lstStyle/>
-        <a:p>
-          <a:endParaRPr lang="zh-CN" altLang="en-US"/>
-        </a:p>
-      </dgm:t>
     </dgm:pt>
     <dgm:pt modelId="{DB7B1ABD-D4E5-4274-BE73-EFE77F2C0907}" type="pres">
       <dgm:prSet presAssocID="{3B9F4865-7FCB-4B6C-9FD4-A26E297F2952}" presName="node" presStyleLbl="vennNode1" presStyleIdx="4" presStyleCnt="5">
@@ -1988,26 +1953,19 @@
         </dgm:presLayoutVars>
       </dgm:prSet>
       <dgm:spPr/>
-      <dgm:t>
-        <a:bodyPr/>
-        <a:lstStyle/>
-        <a:p>
-          <a:endParaRPr lang="zh-CN" altLang="en-US"/>
-        </a:p>
-      </dgm:t>
     </dgm:pt>
   </dgm:ptLst>
   <dgm:cxnLst>
+    <dgm:cxn modelId="{7490F720-D62B-4657-A3BC-AC36D4149A0C}" type="presOf" srcId="{88560CF4-581E-46DA-B3F5-0474319DC782}" destId="{5888873D-FEF6-4480-B982-6677D32CDA9B}" srcOrd="0" destOrd="0" presId="urn:microsoft.com/office/officeart/2005/8/layout/radial3"/>
+    <dgm:cxn modelId="{06B9CC3D-8302-492B-A16F-3BF82F5C3994}" srcId="{3DE39DA1-9EF8-4447-B808-F7400343DB75}" destId="{07700E17-5548-466F-BB9E-15EFF3BF83F9}" srcOrd="1" destOrd="0" parTransId="{24B369B0-EE76-4CA4-970C-DA63EB023E76}" sibTransId="{6CF9A182-0C01-49A9-B92E-5431552D01D7}"/>
     <dgm:cxn modelId="{23E52D5D-E2D1-4367-A87A-D6F6CC5AD5E6}" type="presOf" srcId="{3B9F4865-7FCB-4B6C-9FD4-A26E297F2952}" destId="{DB7B1ABD-D4E5-4274-BE73-EFE77F2C0907}" srcOrd="0" destOrd="0" presId="urn:microsoft.com/office/officeart/2005/8/layout/radial3"/>
     <dgm:cxn modelId="{1DB0AC5A-9F09-4602-8398-56BE735005FE}" type="presOf" srcId="{3DE39DA1-9EF8-4447-B808-F7400343DB75}" destId="{8CCEECF3-65A5-4DBF-86AD-329689465E98}" srcOrd="0" destOrd="0" presId="urn:microsoft.com/office/officeart/2005/8/layout/radial3"/>
+    <dgm:cxn modelId="{31B76585-3B3B-4BA2-BEEE-FF57F51D4E57}" srcId="{3DE39DA1-9EF8-4447-B808-F7400343DB75}" destId="{B4253734-8419-455D-9895-DAA30D496AC1}" srcOrd="2" destOrd="0" parTransId="{6F363240-2E76-4751-9475-3127EBCC9995}" sibTransId="{4FD0D517-46E7-4392-967A-320B5FA28BA3}"/>
+    <dgm:cxn modelId="{EF4E0F96-BA4C-4E6B-A253-2AE893A13F7A}" type="presOf" srcId="{6E13FF14-F83A-4535-AA8F-A36D825B0FBF}" destId="{5397084A-4089-402B-805E-628E665C017A}" srcOrd="0" destOrd="0" presId="urn:microsoft.com/office/officeart/2005/8/layout/radial3"/>
+    <dgm:cxn modelId="{82EA75C1-094B-4B30-8652-1BB7BF573A10}" type="presOf" srcId="{B4253734-8419-455D-9895-DAA30D496AC1}" destId="{DC5CFB51-817F-4C7D-AD88-EFF49328E20D}" srcOrd="0" destOrd="0" presId="urn:microsoft.com/office/officeart/2005/8/layout/radial3"/>
+    <dgm:cxn modelId="{5A2F46CE-30D9-41C6-A871-13DC2EA5A990}" srcId="{3DE39DA1-9EF8-4447-B808-F7400343DB75}" destId="{88560CF4-581E-46DA-B3F5-0474319DC782}" srcOrd="0" destOrd="0" parTransId="{85D475D8-601B-40B9-A918-2234EDF52D71}" sibTransId="{8AF8885C-297B-4CE0-8068-3156D8417F81}"/>
+    <dgm:cxn modelId="{3460C0D0-4698-4D86-82B6-4712567FC56D}" type="presOf" srcId="{07700E17-5548-466F-BB9E-15EFF3BF83F9}" destId="{0DCF58F0-226F-4356-8BA6-07E75298942A}" srcOrd="0" destOrd="0" presId="urn:microsoft.com/office/officeart/2005/8/layout/radial3"/>
     <dgm:cxn modelId="{F45509D8-EEEF-4D37-B05B-82ACB720C4FA}" srcId="{3DE39DA1-9EF8-4447-B808-F7400343DB75}" destId="{3B9F4865-7FCB-4B6C-9FD4-A26E297F2952}" srcOrd="3" destOrd="0" parTransId="{8C685912-C7DD-41D7-B113-AAEF953EC7A7}" sibTransId="{84599F0F-F2EA-4F6B-92FB-2ED71F255764}"/>
-    <dgm:cxn modelId="{06B9CC3D-8302-492B-A16F-3BF82F5C3994}" srcId="{3DE39DA1-9EF8-4447-B808-F7400343DB75}" destId="{07700E17-5548-466F-BB9E-15EFF3BF83F9}" srcOrd="1" destOrd="0" parTransId="{24B369B0-EE76-4CA4-970C-DA63EB023E76}" sibTransId="{6CF9A182-0C01-49A9-B92E-5431552D01D7}"/>
-    <dgm:cxn modelId="{5A2F46CE-30D9-41C6-A871-13DC2EA5A990}" srcId="{3DE39DA1-9EF8-4447-B808-F7400343DB75}" destId="{88560CF4-581E-46DA-B3F5-0474319DC782}" srcOrd="0" destOrd="0" parTransId="{85D475D8-601B-40B9-A918-2234EDF52D71}" sibTransId="{8AF8885C-297B-4CE0-8068-3156D8417F81}"/>
-    <dgm:cxn modelId="{7490F720-D62B-4657-A3BC-AC36D4149A0C}" type="presOf" srcId="{88560CF4-581E-46DA-B3F5-0474319DC782}" destId="{5888873D-FEF6-4480-B982-6677D32CDA9B}" srcOrd="0" destOrd="0" presId="urn:microsoft.com/office/officeart/2005/8/layout/radial3"/>
-    <dgm:cxn modelId="{EF4E0F96-BA4C-4E6B-A253-2AE893A13F7A}" type="presOf" srcId="{6E13FF14-F83A-4535-AA8F-A36D825B0FBF}" destId="{5397084A-4089-402B-805E-628E665C017A}" srcOrd="0" destOrd="0" presId="urn:microsoft.com/office/officeart/2005/8/layout/radial3"/>
-    <dgm:cxn modelId="{3460C0D0-4698-4D86-82B6-4712567FC56D}" type="presOf" srcId="{07700E17-5548-466F-BB9E-15EFF3BF83F9}" destId="{0DCF58F0-226F-4356-8BA6-07E75298942A}" srcOrd="0" destOrd="0" presId="urn:microsoft.com/office/officeart/2005/8/layout/radial3"/>
-    <dgm:cxn modelId="{31B76585-3B3B-4BA2-BEEE-FF57F51D4E57}" srcId="{3DE39DA1-9EF8-4447-B808-F7400343DB75}" destId="{B4253734-8419-455D-9895-DAA30D496AC1}" srcOrd="2" destOrd="0" parTransId="{6F363240-2E76-4751-9475-3127EBCC9995}" sibTransId="{4FD0D517-46E7-4392-967A-320B5FA28BA3}"/>
-    <dgm:cxn modelId="{82EA75C1-094B-4B30-8652-1BB7BF573A10}" type="presOf" srcId="{B4253734-8419-455D-9895-DAA30D496AC1}" destId="{DC5CFB51-817F-4C7D-AD88-EFF49328E20D}" srcOrd="0" destOrd="0" presId="urn:microsoft.com/office/officeart/2005/8/layout/radial3"/>
     <dgm:cxn modelId="{6756EDDD-23A2-445D-B7AF-331E14BE74F1}" srcId="{6E13FF14-F83A-4535-AA8F-A36D825B0FBF}" destId="{3DE39DA1-9EF8-4447-B808-F7400343DB75}" srcOrd="0" destOrd="0" parTransId="{06C084C8-CA95-42C3-8A24-AD25AB72024C}" sibTransId="{A1B38FD5-B1F3-41E9-AD09-E68A7630E2DE}"/>
     <dgm:cxn modelId="{54AA1CB9-B7C0-4F75-9EE3-90A50CEA9DF0}" type="presParOf" srcId="{5397084A-4089-402B-805E-628E665C017A}" destId="{9CB1A13F-996B-4A07-8EFF-66F4A4C2C7C8}" srcOrd="0" destOrd="0" presId="urn:microsoft.com/office/officeart/2005/8/layout/radial3"/>
     <dgm:cxn modelId="{5C90AA39-B921-4B02-873E-4DDB15A77EA5}" type="presParOf" srcId="{9CB1A13F-996B-4A07-8EFF-66F4A4C2C7C8}" destId="{8CCEECF3-65A5-4DBF-86AD-329689465E98}" srcOrd="0" destOrd="0" presId="urn:microsoft.com/office/officeart/2005/8/layout/radial3"/>
@@ -2308,13 +2266,6 @@
         </dgm:presLayoutVars>
       </dgm:prSet>
       <dgm:spPr/>
-      <dgm:t>
-        <a:bodyPr/>
-        <a:lstStyle/>
-        <a:p>
-          <a:endParaRPr lang="zh-CN" altLang="en-US"/>
-        </a:p>
-      </dgm:t>
     </dgm:pt>
     <dgm:pt modelId="{60749ED0-9A90-446F-9FBE-8653B9D869F4}" type="pres">
       <dgm:prSet presAssocID="{B5157247-4732-4B27-AAB8-5BDF9DCC77D8}" presName="composite" presStyleCnt="0"/>
@@ -2337,13 +2288,6 @@
         </dgm:presLayoutVars>
       </dgm:prSet>
       <dgm:spPr/>
-      <dgm:t>
-        <a:bodyPr/>
-        <a:lstStyle/>
-        <a:p>
-          <a:endParaRPr lang="zh-CN" altLang="en-US"/>
-        </a:p>
-      </dgm:t>
     </dgm:pt>
     <dgm:pt modelId="{2632141E-EAB4-431D-AA14-1732E2D71F2E}" type="pres">
       <dgm:prSet presAssocID="{B5157247-4732-4B27-AAB8-5BDF9DCC77D8}" presName="Triangle" presStyleLbl="alignNode1" presStyleIdx="1" presStyleCnt="5" custLinFactX="196973" custLinFactNeighborX="200000"/>
@@ -2398,13 +2342,6 @@
         </dgm:presLayoutVars>
       </dgm:prSet>
       <dgm:spPr/>
-      <dgm:t>
-        <a:bodyPr/>
-        <a:lstStyle/>
-        <a:p>
-          <a:endParaRPr lang="zh-CN" altLang="en-US"/>
-        </a:p>
-      </dgm:t>
     </dgm:pt>
     <dgm:pt modelId="{6FB89C12-527C-447C-AD06-BDC2BA842010}" type="pres">
       <dgm:prSet presAssocID="{1C24BD67-4B10-42CF-A65A-265FB9D52CCF}" presName="Triangle" presStyleLbl="alignNode1" presStyleIdx="3" presStyleCnt="5" custLinFactX="200000" custLinFactNeighborX="209190"/>
@@ -2459,23 +2396,16 @@
         </dgm:presLayoutVars>
       </dgm:prSet>
       <dgm:spPr/>
-      <dgm:t>
-        <a:bodyPr/>
-        <a:lstStyle/>
-        <a:p>
-          <a:endParaRPr lang="zh-CN" altLang="en-US"/>
-        </a:p>
-      </dgm:t>
     </dgm:pt>
   </dgm:ptLst>
   <dgm:cxnLst>
+    <dgm:cxn modelId="{FF3EF709-6E24-449F-8BC6-C46B48067E75}" type="presOf" srcId="{B5157247-4732-4B27-AAB8-5BDF9DCC77D8}" destId="{13F90FC7-1DD5-4990-873E-959E8486D152}" srcOrd="0" destOrd="0" presId="urn:microsoft.com/office/officeart/2009/3/layout/StepUpProcess"/>
+    <dgm:cxn modelId="{9FC03626-8351-4229-AC10-564C0D4C3414}" type="presOf" srcId="{61B1081A-AD6E-46DF-8AFD-9B1882CEE21C}" destId="{6577D0EE-2B5A-47D8-9F53-BD7C00C0F553}" srcOrd="0" destOrd="0" presId="urn:microsoft.com/office/officeart/2009/3/layout/StepUpProcess"/>
+    <dgm:cxn modelId="{4FCFCE37-9FD4-4658-8408-834D813F6DB8}" srcId="{61B1081A-AD6E-46DF-8AFD-9B1882CEE21C}" destId="{B5157247-4732-4B27-AAB8-5BDF9DCC77D8}" srcOrd="0" destOrd="0" parTransId="{355172F8-D8D4-4DEE-97E5-71DBB4C7A809}" sibTransId="{1F5BF9F9-91F0-4061-AAC0-EC3EE041DA91}"/>
     <dgm:cxn modelId="{8D648B3C-6B88-4437-97C4-0CE08A9997E5}" srcId="{61B1081A-AD6E-46DF-8AFD-9B1882CEE21C}" destId="{EA508739-3356-49DC-A8C9-5F6D05E7987B}" srcOrd="2" destOrd="0" parTransId="{AFB56A53-F528-4DEA-8484-7B5D158CB065}" sibTransId="{A621E055-BFBE-4785-A1BD-DC3DDB4A8B0C}"/>
-    <dgm:cxn modelId="{FF3EF709-6E24-449F-8BC6-C46B48067E75}" type="presOf" srcId="{B5157247-4732-4B27-AAB8-5BDF9DCC77D8}" destId="{13F90FC7-1DD5-4990-873E-959E8486D152}" srcOrd="0" destOrd="0" presId="urn:microsoft.com/office/officeart/2009/3/layout/StepUpProcess"/>
-    <dgm:cxn modelId="{4FCFCE37-9FD4-4658-8408-834D813F6DB8}" srcId="{61B1081A-AD6E-46DF-8AFD-9B1882CEE21C}" destId="{B5157247-4732-4B27-AAB8-5BDF9DCC77D8}" srcOrd="0" destOrd="0" parTransId="{355172F8-D8D4-4DEE-97E5-71DBB4C7A809}" sibTransId="{1F5BF9F9-91F0-4061-AAC0-EC3EE041DA91}"/>
+    <dgm:cxn modelId="{F07EE356-A342-4E8F-9D00-90A452B0B4BA}" srcId="{61B1081A-AD6E-46DF-8AFD-9B1882CEE21C}" destId="{1C24BD67-4B10-42CF-A65A-265FB9D52CCF}" srcOrd="1" destOrd="0" parTransId="{AB49C9EE-5B0D-4290-A154-320B9CE03225}" sibTransId="{0FD7029A-31E1-4C9C-A551-D4FDEE253C50}"/>
     <dgm:cxn modelId="{42EB94C5-7462-414B-A7B6-EF04B5AA3D94}" type="presOf" srcId="{EA508739-3356-49DC-A8C9-5F6D05E7987B}" destId="{8DFBAC73-1A00-4F1A-B2C6-578E5A7B7421}" srcOrd="0" destOrd="0" presId="urn:microsoft.com/office/officeart/2009/3/layout/StepUpProcess"/>
     <dgm:cxn modelId="{E43EBBCD-53D1-4D15-B89F-ACB14C26DD7A}" type="presOf" srcId="{1C24BD67-4B10-42CF-A65A-265FB9D52CCF}" destId="{CF744682-922B-4B27-9D63-AA49F938334D}" srcOrd="0" destOrd="0" presId="urn:microsoft.com/office/officeart/2009/3/layout/StepUpProcess"/>
-    <dgm:cxn modelId="{F07EE356-A342-4E8F-9D00-90A452B0B4BA}" srcId="{61B1081A-AD6E-46DF-8AFD-9B1882CEE21C}" destId="{1C24BD67-4B10-42CF-A65A-265FB9D52CCF}" srcOrd="1" destOrd="0" parTransId="{AB49C9EE-5B0D-4290-A154-320B9CE03225}" sibTransId="{0FD7029A-31E1-4C9C-A551-D4FDEE253C50}"/>
-    <dgm:cxn modelId="{9FC03626-8351-4229-AC10-564C0D4C3414}" type="presOf" srcId="{61B1081A-AD6E-46DF-8AFD-9B1882CEE21C}" destId="{6577D0EE-2B5A-47D8-9F53-BD7C00C0F553}" srcOrd="0" destOrd="0" presId="urn:microsoft.com/office/officeart/2009/3/layout/StepUpProcess"/>
     <dgm:cxn modelId="{F1EE4874-E7A4-459D-AC58-2436E0EF3AE1}" type="presParOf" srcId="{6577D0EE-2B5A-47D8-9F53-BD7C00C0F553}" destId="{60749ED0-9A90-446F-9FBE-8653B9D869F4}" srcOrd="0" destOrd="0" presId="urn:microsoft.com/office/officeart/2009/3/layout/StepUpProcess"/>
     <dgm:cxn modelId="{B381D4A3-D598-4337-A4D8-49EDF0A5E36A}" type="presParOf" srcId="{60749ED0-9A90-446F-9FBE-8653B9D869F4}" destId="{423A43D0-9FD3-49F1-B4B8-B88F4A077F2D}" srcOrd="0" destOrd="0" presId="urn:microsoft.com/office/officeart/2009/3/layout/StepUpProcess"/>
     <dgm:cxn modelId="{A61A2857-64CD-420B-B3BD-30CAAB4D386D}" type="presParOf" srcId="{60749ED0-9A90-446F-9FBE-8653B9D869F4}" destId="{13F90FC7-1DD5-4990-873E-959E8486D152}" srcOrd="1" destOrd="0" presId="urn:microsoft.com/office/officeart/2009/3/layout/StepUpProcess"/>
@@ -2555,7 +2485,7 @@
         </a:bodyPr>
         <a:lstStyle/>
         <a:p>
-          <a:pPr lvl="0" algn="ctr" defTabSz="711200">
+          <a:pPr marL="0" lvl="0" indent="0" algn="ctr" defTabSz="711200">
             <a:lnSpc>
               <a:spcPct val="90000"/>
             </a:lnSpc>
@@ -2565,6 +2495,7 @@
             <a:spcAft>
               <a:spcPct val="35000"/>
             </a:spcAft>
+            <a:buNone/>
           </a:pPr>
           <a:r>
             <a:rPr lang="zh-CN" altLang="en-US" sz="1600" b="1" kern="1200" dirty="0">
@@ -2638,7 +2569,7 @@
         </a:bodyPr>
         <a:lstStyle/>
         <a:p>
-          <a:pPr lvl="0" algn="ctr" defTabSz="533400">
+          <a:pPr marL="0" lvl="0" indent="0" algn="ctr" defTabSz="533400">
             <a:lnSpc>
               <a:spcPct val="90000"/>
             </a:lnSpc>
@@ -2648,6 +2579,7 @@
             <a:spcAft>
               <a:spcPct val="35000"/>
             </a:spcAft>
+            <a:buNone/>
           </a:pPr>
           <a:r>
             <a:rPr lang="zh-CN" altLang="en-US" sz="1200" b="1" kern="1200" dirty="0">
@@ -2717,7 +2649,7 @@
         </a:bodyPr>
         <a:lstStyle/>
         <a:p>
-          <a:pPr lvl="0" algn="ctr" defTabSz="533400">
+          <a:pPr marL="0" lvl="0" indent="0" algn="ctr" defTabSz="533400">
             <a:lnSpc>
               <a:spcPct val="90000"/>
             </a:lnSpc>
@@ -2727,6 +2659,7 @@
             <a:spcAft>
               <a:spcPct val="35000"/>
             </a:spcAft>
+            <a:buNone/>
           </a:pPr>
           <a:r>
             <a:rPr lang="zh-CN" altLang="en-US" sz="1200" b="1" kern="1200" dirty="0">
@@ -2796,7 +2729,7 @@
         </a:bodyPr>
         <a:lstStyle/>
         <a:p>
-          <a:pPr lvl="0" algn="ctr" defTabSz="533400">
+          <a:pPr marL="0" lvl="0" indent="0" algn="ctr" defTabSz="533400">
             <a:lnSpc>
               <a:spcPct val="90000"/>
             </a:lnSpc>
@@ -2806,6 +2739,7 @@
             <a:spcAft>
               <a:spcPct val="35000"/>
             </a:spcAft>
+            <a:buNone/>
           </a:pPr>
           <a:r>
             <a:rPr lang="zh-CN" altLang="en-US" sz="1200" b="1" kern="1200" dirty="0">
@@ -2875,7 +2809,7 @@
         </a:bodyPr>
         <a:lstStyle/>
         <a:p>
-          <a:pPr lvl="0" algn="ctr" defTabSz="533400">
+          <a:pPr marL="0" lvl="0" indent="0" algn="ctr" defTabSz="533400">
             <a:lnSpc>
               <a:spcPct val="90000"/>
             </a:lnSpc>
@@ -2885,6 +2819,7 @@
             <a:spcAft>
               <a:spcPct val="35000"/>
             </a:spcAft>
+            <a:buNone/>
           </a:pPr>
           <a:r>
             <a:rPr lang="zh-CN" altLang="en-US" sz="1200" b="1" kern="1200" dirty="0">
@@ -3000,7 +2935,7 @@
         </a:bodyPr>
         <a:lstStyle/>
         <a:p>
-          <a:pPr lvl="0" algn="l" defTabSz="622300">
+          <a:pPr marL="0" lvl="0" indent="0" algn="l" defTabSz="622300">
             <a:lnSpc>
               <a:spcPct val="90000"/>
             </a:lnSpc>
@@ -3011,7 +2946,7 @@
               <a:spcPct val="35000"/>
             </a:spcAft>
             <a:buFont typeface="Wingdings" panose="05000000000000000000" pitchFamily="2" charset="2"/>
-            <a:buChar char="ü"/>
+            <a:buNone/>
           </a:pPr>
           <a:r>
             <a:rPr lang="zh-CN" altLang="en-US" sz="1400" b="1" kern="1200">
@@ -3036,7 +2971,7 @@
           </a:endParaRPr>
         </a:p>
         <a:p>
-          <a:pPr lvl="0" algn="l" defTabSz="622300">
+          <a:pPr marL="0" lvl="0" indent="0" algn="l" defTabSz="622300">
             <a:lnSpc>
               <a:spcPct val="90000"/>
             </a:lnSpc>
@@ -3047,7 +2982,7 @@
               <a:spcPct val="35000"/>
             </a:spcAft>
             <a:buFont typeface="Wingdings" panose="05000000000000000000" pitchFamily="2" charset="2"/>
-            <a:buChar char="ü"/>
+            <a:buNone/>
           </a:pPr>
           <a:r>
             <a:rPr lang="zh-CN" altLang="en-US" sz="1100" kern="1200">
@@ -3202,7 +3137,7 @@
         </a:bodyPr>
         <a:lstStyle/>
         <a:p>
-          <a:pPr lvl="0" algn="l" defTabSz="622300">
+          <a:pPr marL="0" lvl="0" indent="0" algn="l" defTabSz="622300">
             <a:lnSpc>
               <a:spcPct val="90000"/>
             </a:lnSpc>
@@ -3213,7 +3148,7 @@
               <a:spcPct val="35000"/>
             </a:spcAft>
             <a:buFont typeface="Wingdings" panose="05000000000000000000" pitchFamily="2" charset="2"/>
-            <a:buChar char="ü"/>
+            <a:buNone/>
           </a:pPr>
           <a:r>
             <a:rPr lang="zh-CN" altLang="en-US" sz="1400" b="1" kern="1200">
@@ -3238,7 +3173,7 @@
           </a:endParaRPr>
         </a:p>
         <a:p>
-          <a:pPr lvl="0" algn="l" defTabSz="622300">
+          <a:pPr marL="0" lvl="0" indent="0" algn="l" defTabSz="622300">
             <a:lnSpc>
               <a:spcPct val="90000"/>
             </a:lnSpc>
@@ -3249,7 +3184,7 @@
               <a:spcPct val="35000"/>
             </a:spcAft>
             <a:buFont typeface="Wingdings" panose="05000000000000000000" pitchFamily="2" charset="2"/>
-            <a:buChar char="ü"/>
+            <a:buNone/>
           </a:pPr>
           <a:r>
             <a:rPr lang="zh-CN" altLang="en-US" sz="1100" kern="1200">
@@ -3274,7 +3209,7 @@
           </a:endParaRPr>
         </a:p>
         <a:p>
-          <a:pPr lvl="0" algn="l" defTabSz="622300">
+          <a:pPr marL="0" lvl="0" indent="0" algn="l" defTabSz="622300">
             <a:lnSpc>
               <a:spcPct val="90000"/>
             </a:lnSpc>
@@ -3285,7 +3220,7 @@
               <a:spcPct val="35000"/>
             </a:spcAft>
             <a:buFont typeface="Wingdings" panose="05000000000000000000" pitchFamily="2" charset="2"/>
-            <a:buChar char="ü"/>
+            <a:buNone/>
           </a:pPr>
           <a:endParaRPr lang="zh-CN" altLang="en-US" sz="1400" kern="1200" dirty="0"/>
         </a:p>
@@ -3428,7 +3363,7 @@
         </a:bodyPr>
         <a:lstStyle/>
         <a:p>
-          <a:pPr lvl="0" algn="l" defTabSz="622300">
+          <a:pPr marL="0" lvl="0" indent="0" algn="l" defTabSz="622300">
             <a:lnSpc>
               <a:spcPct val="90000"/>
             </a:lnSpc>
@@ -3439,7 +3374,7 @@
               <a:spcPct val="35000"/>
             </a:spcAft>
             <a:buFont typeface="Wingdings" panose="05000000000000000000" pitchFamily="2" charset="2"/>
-            <a:buChar char="ü"/>
+            <a:buNone/>
           </a:pPr>
           <a:r>
             <a:rPr lang="zh-CN" altLang="en-US" sz="1400" b="1" kern="1200">
@@ -3464,7 +3399,7 @@
           </a:endParaRPr>
         </a:p>
         <a:p>
-          <a:pPr lvl="0" algn="l" defTabSz="622300">
+          <a:pPr marL="0" lvl="0" indent="0" algn="l" defTabSz="622300">
             <a:lnSpc>
               <a:spcPct val="90000"/>
             </a:lnSpc>
@@ -3475,7 +3410,7 @@
               <a:spcPct val="35000"/>
             </a:spcAft>
             <a:buFont typeface="Wingdings" panose="05000000000000000000" pitchFamily="2" charset="2"/>
-            <a:buChar char="ü"/>
+            <a:buNone/>
           </a:pPr>
           <a:r>
             <a:rPr lang="zh-CN" altLang="en-US" sz="1100" kern="1200">
@@ -3500,7 +3435,7 @@
           </a:endParaRPr>
         </a:p>
         <a:p>
-          <a:pPr lvl="0" algn="l" defTabSz="622300">
+          <a:pPr marL="0" lvl="0" indent="0" algn="l" defTabSz="622300">
             <a:lnSpc>
               <a:spcPct val="90000"/>
             </a:lnSpc>
@@ -3511,7 +3446,7 @@
               <a:spcPct val="35000"/>
             </a:spcAft>
             <a:buFont typeface="Wingdings" panose="05000000000000000000" pitchFamily="2" charset="2"/>
-            <a:buChar char="ü"/>
+            <a:buNone/>
           </a:pPr>
           <a:endParaRPr lang="zh-CN" altLang="en-US" sz="1400" kern="1200" dirty="0"/>
         </a:p>
@@ -6118,7 +6053,7 @@
           <a:p>
             <a:fld id="{BF258E52-4226-4ED4-B59F-CAFB62D28779}" type="datetimeFigureOut">
               <a:rPr lang="zh-CN" altLang="en-US" smtClean="0"/>
-              <a:t>2017/9/18</a:t>
+              <a:t>2017/11/6</a:t>
             </a:fld>
             <a:endParaRPr lang="zh-CN" altLang="en-US"/>
           </a:p>
@@ -7837,7 +7772,7 @@
           <p:cNvPr id="3" name="组合 2">
             <a:extLst>
               <a:ext uri="{FF2B5EF4-FFF2-40B4-BE49-F238E27FC236}">
-                <a16:creationId xmlns:a16="http://schemas.microsoft.com/office/drawing/2014/main" xmlns="" id="{0562103C-A8F0-441E-B271-ABCEDEEA7CF6}"/>
+                <a16:creationId xmlns:a16="http://schemas.microsoft.com/office/drawing/2014/main" id="{0562103C-A8F0-441E-B271-ABCEDEEA7CF6}"/>
               </a:ext>
             </a:extLst>
           </p:cNvPr>
@@ -10195,7 +10130,7 @@
           <p:cNvPr id="2" name="组合 1">
             <a:extLst>
               <a:ext uri="{FF2B5EF4-FFF2-40B4-BE49-F238E27FC236}">
-                <a16:creationId xmlns:a16="http://schemas.microsoft.com/office/drawing/2014/main" xmlns="" id="{A00C2F82-2934-42B6-9F7E-359D19B4E8B8}"/>
+                <a16:creationId xmlns:a16="http://schemas.microsoft.com/office/drawing/2014/main" id="{A00C2F82-2934-42B6-9F7E-359D19B4E8B8}"/>
               </a:ext>
             </a:extLst>
           </p:cNvPr>
@@ -11678,13 +11613,6 @@
   <p:clrMapOvr>
     <a:masterClrMapping/>
   </p:clrMapOvr>
-  <p:timing>
-    <p:tnLst>
-      <p:par>
-        <p:cTn id="1" dur="indefinite" restart="never" nodeType="tmRoot"/>
-      </p:par>
-    </p:tnLst>
-  </p:timing>
 </p:sld>
 </file>
 
@@ -11710,7 +11638,7 @@
           <p:cNvPr id="2" name="组合 1">
             <a:extLst>
               <a:ext uri="{FF2B5EF4-FFF2-40B4-BE49-F238E27FC236}">
-                <a16:creationId xmlns:a16="http://schemas.microsoft.com/office/drawing/2014/main" xmlns="" id="{B7B94653-A8CF-41C9-BDD8-4C3EE6A41672}"/>
+                <a16:creationId xmlns:a16="http://schemas.microsoft.com/office/drawing/2014/main" id="{B7B94653-A8CF-41C9-BDD8-4C3EE6A41672}"/>
               </a:ext>
             </a:extLst>
           </p:cNvPr>
@@ -11730,7 +11658,7 @@
             <p:cNvPr id="5" name="Rectangle 821">
               <a:extLst>
                 <a:ext uri="{FF2B5EF4-FFF2-40B4-BE49-F238E27FC236}">
-                  <a16:creationId xmlns:a16="http://schemas.microsoft.com/office/drawing/2014/main" xmlns="" id="{0FA32CA0-7051-4003-B67D-79ECF27512B6}"/>
+                  <a16:creationId xmlns:a16="http://schemas.microsoft.com/office/drawing/2014/main" id="{0FA32CA0-7051-4003-B67D-79ECF27512B6}"/>
                 </a:ext>
               </a:extLst>
             </p:cNvPr>
@@ -11909,7 +11837,7 @@
             <p:cNvPr id="6" name="AutoShape 822">
               <a:extLst>
                 <a:ext uri="{FF2B5EF4-FFF2-40B4-BE49-F238E27FC236}">
-                  <a16:creationId xmlns:a16="http://schemas.microsoft.com/office/drawing/2014/main" xmlns="" id="{382B6399-DD48-4316-9C9E-E5EAD0933A4E}"/>
+                  <a16:creationId xmlns:a16="http://schemas.microsoft.com/office/drawing/2014/main" id="{382B6399-DD48-4316-9C9E-E5EAD0933A4E}"/>
                 </a:ext>
               </a:extLst>
             </p:cNvPr>
@@ -11975,7 +11903,7 @@
             <p:cNvPr id="7" name="AutoShape 825">
               <a:extLst>
                 <a:ext uri="{FF2B5EF4-FFF2-40B4-BE49-F238E27FC236}">
-                  <a16:creationId xmlns:a16="http://schemas.microsoft.com/office/drawing/2014/main" xmlns="" id="{7CCADBB0-B960-4BCC-BCA8-7C42E18F1EA2}"/>
+                  <a16:creationId xmlns:a16="http://schemas.microsoft.com/office/drawing/2014/main" id="{7CCADBB0-B960-4BCC-BCA8-7C42E18F1EA2}"/>
                 </a:ext>
               </a:extLst>
             </p:cNvPr>
@@ -12165,7 +12093,7 @@
             <p:cNvPr id="8" name="AutoShape 826">
               <a:extLst>
                 <a:ext uri="{FF2B5EF4-FFF2-40B4-BE49-F238E27FC236}">
-                  <a16:creationId xmlns:a16="http://schemas.microsoft.com/office/drawing/2014/main" xmlns="" id="{2542C1ED-D707-46A6-AB36-5A6B72FCAD8A}"/>
+                  <a16:creationId xmlns:a16="http://schemas.microsoft.com/office/drawing/2014/main" id="{2542C1ED-D707-46A6-AB36-5A6B72FCAD8A}"/>
                 </a:ext>
               </a:extLst>
             </p:cNvPr>
@@ -12355,7 +12283,7 @@
             <p:cNvPr id="9" name="Text Box 829">
               <a:extLst>
                 <a:ext uri="{FF2B5EF4-FFF2-40B4-BE49-F238E27FC236}">
-                  <a16:creationId xmlns:a16="http://schemas.microsoft.com/office/drawing/2014/main" xmlns="" id="{07DD6B08-5FFE-4901-9DA1-76BE49A60188}"/>
+                  <a16:creationId xmlns:a16="http://schemas.microsoft.com/office/drawing/2014/main" id="{07DD6B08-5FFE-4901-9DA1-76BE49A60188}"/>
                 </a:ext>
               </a:extLst>
             </p:cNvPr>
@@ -12569,7 +12497,7 @@
             <p:cNvPr id="10" name="Text Box 830">
               <a:extLst>
                 <a:ext uri="{FF2B5EF4-FFF2-40B4-BE49-F238E27FC236}">
-                  <a16:creationId xmlns:a16="http://schemas.microsoft.com/office/drawing/2014/main" xmlns="" id="{E7EDCBCC-8604-4C43-BDA8-DAB8CDAFCEB1}"/>
+                  <a16:creationId xmlns:a16="http://schemas.microsoft.com/office/drawing/2014/main" id="{E7EDCBCC-8604-4C43-BDA8-DAB8CDAFCEB1}"/>
                 </a:ext>
               </a:extLst>
             </p:cNvPr>
@@ -12783,7 +12711,7 @@
             <p:cNvPr id="11" name="AutoShape 831">
               <a:extLst>
                 <a:ext uri="{FF2B5EF4-FFF2-40B4-BE49-F238E27FC236}">
-                  <a16:creationId xmlns:a16="http://schemas.microsoft.com/office/drawing/2014/main" xmlns="" id="{43EAEEB2-AE0E-4839-AD6F-163C909F78FA}"/>
+                  <a16:creationId xmlns:a16="http://schemas.microsoft.com/office/drawing/2014/main" id="{43EAEEB2-AE0E-4839-AD6F-163C909F78FA}"/>
                 </a:ext>
               </a:extLst>
             </p:cNvPr>
@@ -12976,7 +12904,7 @@
             <p:cNvPr id="12" name="AutoShape 832">
               <a:extLst>
                 <a:ext uri="{FF2B5EF4-FFF2-40B4-BE49-F238E27FC236}">
-                  <a16:creationId xmlns:a16="http://schemas.microsoft.com/office/drawing/2014/main" xmlns="" id="{5F961C9D-8E69-4C7C-98E3-823CC99805AF}"/>
+                  <a16:creationId xmlns:a16="http://schemas.microsoft.com/office/drawing/2014/main" id="{5F961C9D-8E69-4C7C-98E3-823CC99805AF}"/>
                 </a:ext>
               </a:extLst>
             </p:cNvPr>
@@ -13165,7 +13093,7 @@
             <p:cNvPr id="13" name="组合 12">
               <a:extLst>
                 <a:ext uri="{FF2B5EF4-FFF2-40B4-BE49-F238E27FC236}">
-                  <a16:creationId xmlns:a16="http://schemas.microsoft.com/office/drawing/2014/main" xmlns="" id="{15BDFF19-5EB3-45E4-9BC0-F4088CC8D2DE}"/>
+                  <a16:creationId xmlns:a16="http://schemas.microsoft.com/office/drawing/2014/main" id="{15BDFF19-5EB3-45E4-9BC0-F4088CC8D2DE}"/>
                 </a:ext>
               </a:extLst>
             </p:cNvPr>
@@ -13185,7 +13113,7 @@
               <p:cNvPr id="83" name="AutoShape 835">
                 <a:extLst>
                   <a:ext uri="{FF2B5EF4-FFF2-40B4-BE49-F238E27FC236}">
-                    <a16:creationId xmlns:a16="http://schemas.microsoft.com/office/drawing/2014/main" xmlns="" id="{E57FCB42-BC2B-4B2A-9E48-B57C503F22D9}"/>
+                    <a16:creationId xmlns:a16="http://schemas.microsoft.com/office/drawing/2014/main" id="{E57FCB42-BC2B-4B2A-9E48-B57C503F22D9}"/>
                   </a:ext>
                 </a:extLst>
               </p:cNvPr>
@@ -13385,7 +13313,7 @@
               <p:cNvPr id="84" name="AutoShape 836">
                 <a:extLst>
                   <a:ext uri="{FF2B5EF4-FFF2-40B4-BE49-F238E27FC236}">
-                    <a16:creationId xmlns:a16="http://schemas.microsoft.com/office/drawing/2014/main" xmlns="" id="{5F75545F-AA38-48FA-BACC-050D20515DC4}"/>
+                    <a16:creationId xmlns:a16="http://schemas.microsoft.com/office/drawing/2014/main" id="{5F75545F-AA38-48FA-BACC-050D20515DC4}"/>
                   </a:ext>
                 </a:extLst>
               </p:cNvPr>
@@ -13574,7 +13502,7 @@
               <p:cNvPr id="85" name="AutoShape 845">
                 <a:extLst>
                   <a:ext uri="{FF2B5EF4-FFF2-40B4-BE49-F238E27FC236}">
-                    <a16:creationId xmlns:a16="http://schemas.microsoft.com/office/drawing/2014/main" xmlns="" id="{7140F1B0-8EA7-4568-82D5-4106702A92AA}"/>
+                    <a16:creationId xmlns:a16="http://schemas.microsoft.com/office/drawing/2014/main" id="{7140F1B0-8EA7-4568-82D5-4106702A92AA}"/>
                   </a:ext>
                 </a:extLst>
               </p:cNvPr>
@@ -13831,7 +13759,7 @@
             <p:cNvPr id="14" name="Text Box 830">
               <a:extLst>
                 <a:ext uri="{FF2B5EF4-FFF2-40B4-BE49-F238E27FC236}">
-                  <a16:creationId xmlns:a16="http://schemas.microsoft.com/office/drawing/2014/main" xmlns="" id="{CA280C4C-C68E-48D2-90A9-42DC3545D313}"/>
+                  <a16:creationId xmlns:a16="http://schemas.microsoft.com/office/drawing/2014/main" id="{CA280C4C-C68E-48D2-90A9-42DC3545D313}"/>
                 </a:ext>
               </a:extLst>
             </p:cNvPr>
@@ -14045,7 +13973,7 @@
             <p:cNvPr id="15" name="Text Box 830">
               <a:extLst>
                 <a:ext uri="{FF2B5EF4-FFF2-40B4-BE49-F238E27FC236}">
-                  <a16:creationId xmlns:a16="http://schemas.microsoft.com/office/drawing/2014/main" xmlns="" id="{D045C41E-95F0-4954-B0B4-1DE89974A98D}"/>
+                  <a16:creationId xmlns:a16="http://schemas.microsoft.com/office/drawing/2014/main" id="{D045C41E-95F0-4954-B0B4-1DE89974A98D}"/>
                 </a:ext>
               </a:extLst>
             </p:cNvPr>
@@ -14259,7 +14187,7 @@
             <p:cNvPr id="16" name="Oval 318">
               <a:extLst>
                 <a:ext uri="{FF2B5EF4-FFF2-40B4-BE49-F238E27FC236}">
-                  <a16:creationId xmlns:a16="http://schemas.microsoft.com/office/drawing/2014/main" xmlns="" id="{23284B35-ECF3-4937-8B13-9B0C8A7ECCFD}"/>
+                  <a16:creationId xmlns:a16="http://schemas.microsoft.com/office/drawing/2014/main" id="{23284B35-ECF3-4937-8B13-9B0C8A7ECCFD}"/>
                 </a:ext>
               </a:extLst>
             </p:cNvPr>
@@ -14447,7 +14375,7 @@
             <p:cNvPr id="17" name="Group 319">
               <a:extLst>
                 <a:ext uri="{FF2B5EF4-FFF2-40B4-BE49-F238E27FC236}">
-                  <a16:creationId xmlns:a16="http://schemas.microsoft.com/office/drawing/2014/main" xmlns="" id="{567A360C-A84A-436E-B9F2-787F1D38E3FD}"/>
+                  <a16:creationId xmlns:a16="http://schemas.microsoft.com/office/drawing/2014/main" id="{567A360C-A84A-436E-B9F2-787F1D38E3FD}"/>
                 </a:ext>
               </a:extLst>
             </p:cNvPr>
@@ -14469,7 +14397,7 @@
               <p:cNvPr id="69" name="Group 320">
                 <a:extLst>
                   <a:ext uri="{FF2B5EF4-FFF2-40B4-BE49-F238E27FC236}">
-                    <a16:creationId xmlns:a16="http://schemas.microsoft.com/office/drawing/2014/main" xmlns="" id="{C14F8F1A-5C78-4DA6-8F0B-56BABDC4D2A1}"/>
+                    <a16:creationId xmlns:a16="http://schemas.microsoft.com/office/drawing/2014/main" id="{C14F8F1A-5C78-4DA6-8F0B-56BABDC4D2A1}"/>
                   </a:ext>
                 </a:extLst>
               </p:cNvPr>
@@ -14491,7 +14419,7 @@
                 <p:cNvPr id="77" name="Group 321">
                   <a:extLst>
                     <a:ext uri="{FF2B5EF4-FFF2-40B4-BE49-F238E27FC236}">
-                      <a16:creationId xmlns:a16="http://schemas.microsoft.com/office/drawing/2014/main" xmlns="" id="{D9C3A697-D9C6-4514-A0F6-4125D80D1BCF}"/>
+                      <a16:creationId xmlns:a16="http://schemas.microsoft.com/office/drawing/2014/main" id="{D9C3A697-D9C6-4514-A0F6-4125D80D1BCF}"/>
                     </a:ext>
                   </a:extLst>
                 </p:cNvPr>
@@ -14513,7 +14441,7 @@
                   <p:cNvPr id="81" name="AutoShape 322">
                     <a:extLst>
                       <a:ext uri="{FF2B5EF4-FFF2-40B4-BE49-F238E27FC236}">
-                        <a16:creationId xmlns:a16="http://schemas.microsoft.com/office/drawing/2014/main" xmlns="" id="{0CB7896B-74DE-4878-B95F-3B9E2280D180}"/>
+                        <a16:creationId xmlns:a16="http://schemas.microsoft.com/office/drawing/2014/main" id="{0CB7896B-74DE-4878-B95F-3B9E2280D180}"/>
                       </a:ext>
                     </a:extLst>
                   </p:cNvPr>
@@ -14711,7 +14639,7 @@
                   <p:cNvPr id="82" name="AutoShape 323">
                     <a:extLst>
                       <a:ext uri="{FF2B5EF4-FFF2-40B4-BE49-F238E27FC236}">
-                        <a16:creationId xmlns:a16="http://schemas.microsoft.com/office/drawing/2014/main" xmlns="" id="{2E6915B3-A8AF-4A2D-BE93-15595C4AFE0E}"/>
+                        <a16:creationId xmlns:a16="http://schemas.microsoft.com/office/drawing/2014/main" id="{2E6915B3-A8AF-4A2D-BE93-15595C4AFE0E}"/>
                       </a:ext>
                     </a:extLst>
                   </p:cNvPr>
@@ -14910,7 +14838,7 @@
                 <p:cNvPr id="78" name="Group 324">
                   <a:extLst>
                     <a:ext uri="{FF2B5EF4-FFF2-40B4-BE49-F238E27FC236}">
-                      <a16:creationId xmlns:a16="http://schemas.microsoft.com/office/drawing/2014/main" xmlns="" id="{CACCA6A9-50D6-4E72-B829-9718D4ADF707}"/>
+                      <a16:creationId xmlns:a16="http://schemas.microsoft.com/office/drawing/2014/main" id="{CACCA6A9-50D6-4E72-B829-9718D4ADF707}"/>
                     </a:ext>
                   </a:extLst>
                 </p:cNvPr>
@@ -14932,7 +14860,7 @@
                   <p:cNvPr id="79" name="AutoShape 325">
                     <a:extLst>
                       <a:ext uri="{FF2B5EF4-FFF2-40B4-BE49-F238E27FC236}">
-                        <a16:creationId xmlns:a16="http://schemas.microsoft.com/office/drawing/2014/main" xmlns="" id="{C359A64D-4890-48AF-B489-7BDB2EDB3A29}"/>
+                        <a16:creationId xmlns:a16="http://schemas.microsoft.com/office/drawing/2014/main" id="{C359A64D-4890-48AF-B489-7BDB2EDB3A29}"/>
                       </a:ext>
                     </a:extLst>
                   </p:cNvPr>
@@ -15130,7 +15058,7 @@
                   <p:cNvPr id="80" name="AutoShape 326">
                     <a:extLst>
                       <a:ext uri="{FF2B5EF4-FFF2-40B4-BE49-F238E27FC236}">
-                        <a16:creationId xmlns:a16="http://schemas.microsoft.com/office/drawing/2014/main" xmlns="" id="{276474B1-D57A-4087-BAE7-1D225B64A6B3}"/>
+                        <a16:creationId xmlns:a16="http://schemas.microsoft.com/office/drawing/2014/main" id="{276474B1-D57A-4087-BAE7-1D225B64A6B3}"/>
                       </a:ext>
                     </a:extLst>
                   </p:cNvPr>
@@ -15330,7 +15258,7 @@
               <p:cNvPr id="70" name="Group 327">
                 <a:extLst>
                   <a:ext uri="{FF2B5EF4-FFF2-40B4-BE49-F238E27FC236}">
-                    <a16:creationId xmlns:a16="http://schemas.microsoft.com/office/drawing/2014/main" xmlns="" id="{7E1A3C89-1625-43CD-AC3B-A4440C80B204}"/>
+                    <a16:creationId xmlns:a16="http://schemas.microsoft.com/office/drawing/2014/main" id="{7E1A3C89-1625-43CD-AC3B-A4440C80B204}"/>
                   </a:ext>
                 </a:extLst>
               </p:cNvPr>
@@ -15352,7 +15280,7 @@
                 <p:cNvPr id="71" name="Group 328">
                   <a:extLst>
                     <a:ext uri="{FF2B5EF4-FFF2-40B4-BE49-F238E27FC236}">
-                      <a16:creationId xmlns:a16="http://schemas.microsoft.com/office/drawing/2014/main" xmlns="" id="{1E0AA050-E8FC-41DD-A412-8F8C2A262580}"/>
+                      <a16:creationId xmlns:a16="http://schemas.microsoft.com/office/drawing/2014/main" id="{1E0AA050-E8FC-41DD-A412-8F8C2A262580}"/>
                     </a:ext>
                   </a:extLst>
                 </p:cNvPr>
@@ -15374,7 +15302,7 @@
                   <p:cNvPr id="75" name="AutoShape 329">
                     <a:extLst>
                       <a:ext uri="{FF2B5EF4-FFF2-40B4-BE49-F238E27FC236}">
-                        <a16:creationId xmlns:a16="http://schemas.microsoft.com/office/drawing/2014/main" xmlns="" id="{1A317F48-2310-49E9-A5F9-CB7A142B74E0}"/>
+                        <a16:creationId xmlns:a16="http://schemas.microsoft.com/office/drawing/2014/main" id="{1A317F48-2310-49E9-A5F9-CB7A142B74E0}"/>
                       </a:ext>
                     </a:extLst>
                   </p:cNvPr>
@@ -15572,7 +15500,7 @@
                   <p:cNvPr id="76" name="AutoShape 330">
                     <a:extLst>
                       <a:ext uri="{FF2B5EF4-FFF2-40B4-BE49-F238E27FC236}">
-                        <a16:creationId xmlns:a16="http://schemas.microsoft.com/office/drawing/2014/main" xmlns="" id="{17EF7B88-89E0-44AC-931C-5267A04962FD}"/>
+                        <a16:creationId xmlns:a16="http://schemas.microsoft.com/office/drawing/2014/main" id="{17EF7B88-89E0-44AC-931C-5267A04962FD}"/>
                       </a:ext>
                     </a:extLst>
                   </p:cNvPr>
@@ -15771,7 +15699,7 @@
                 <p:cNvPr id="72" name="Group 331">
                   <a:extLst>
                     <a:ext uri="{FF2B5EF4-FFF2-40B4-BE49-F238E27FC236}">
-                      <a16:creationId xmlns:a16="http://schemas.microsoft.com/office/drawing/2014/main" xmlns="" id="{5ECC45E2-EF38-4C92-912F-5804231D4205}"/>
+                      <a16:creationId xmlns:a16="http://schemas.microsoft.com/office/drawing/2014/main" id="{5ECC45E2-EF38-4C92-912F-5804231D4205}"/>
                     </a:ext>
                   </a:extLst>
                 </p:cNvPr>
@@ -15793,7 +15721,7 @@
                   <p:cNvPr id="73" name="AutoShape 332">
                     <a:extLst>
                       <a:ext uri="{FF2B5EF4-FFF2-40B4-BE49-F238E27FC236}">
-                        <a16:creationId xmlns:a16="http://schemas.microsoft.com/office/drawing/2014/main" xmlns="" id="{FCE590D4-3CCC-4D2F-AD21-1AA1ADF41933}"/>
+                        <a16:creationId xmlns:a16="http://schemas.microsoft.com/office/drawing/2014/main" id="{FCE590D4-3CCC-4D2F-AD21-1AA1ADF41933}"/>
                       </a:ext>
                     </a:extLst>
                   </p:cNvPr>
@@ -15991,7 +15919,7 @@
                   <p:cNvPr id="74" name="AutoShape 333">
                     <a:extLst>
                       <a:ext uri="{FF2B5EF4-FFF2-40B4-BE49-F238E27FC236}">
-                        <a16:creationId xmlns:a16="http://schemas.microsoft.com/office/drawing/2014/main" xmlns="" id="{3880C33F-4237-4259-AFEF-E6171CADA049}"/>
+                        <a16:creationId xmlns:a16="http://schemas.microsoft.com/office/drawing/2014/main" id="{3880C33F-4237-4259-AFEF-E6171CADA049}"/>
                       </a:ext>
                     </a:extLst>
                   </p:cNvPr>
@@ -16192,7 +16120,7 @@
             <p:cNvPr id="18" name="Oval 334">
               <a:extLst>
                 <a:ext uri="{FF2B5EF4-FFF2-40B4-BE49-F238E27FC236}">
-                  <a16:creationId xmlns:a16="http://schemas.microsoft.com/office/drawing/2014/main" xmlns="" id="{964A7D67-16DA-4B47-AC9E-E343C3F04968}"/>
+                  <a16:creationId xmlns:a16="http://schemas.microsoft.com/office/drawing/2014/main" id="{964A7D67-16DA-4B47-AC9E-E343C3F04968}"/>
                 </a:ext>
               </a:extLst>
             </p:cNvPr>
@@ -16388,7 +16316,7 @@
             <p:cNvPr id="19" name="Group 357">
               <a:extLst>
                 <a:ext uri="{FF2B5EF4-FFF2-40B4-BE49-F238E27FC236}">
-                  <a16:creationId xmlns:a16="http://schemas.microsoft.com/office/drawing/2014/main" xmlns="" id="{05E2DCBD-7088-4DEF-8DAF-A4551560320D}"/>
+                  <a16:creationId xmlns:a16="http://schemas.microsoft.com/office/drawing/2014/main" id="{05E2DCBD-7088-4DEF-8DAF-A4551560320D}"/>
                 </a:ext>
               </a:extLst>
             </p:cNvPr>
@@ -16410,7 +16338,7 @@
               <p:cNvPr id="65" name="Oval 358">
                 <a:extLst>
                   <a:ext uri="{FF2B5EF4-FFF2-40B4-BE49-F238E27FC236}">
-                    <a16:creationId xmlns:a16="http://schemas.microsoft.com/office/drawing/2014/main" xmlns="" id="{4EFABCEB-9C43-4E0D-9FD8-45A91D95CFE5}"/>
+                    <a16:creationId xmlns:a16="http://schemas.microsoft.com/office/drawing/2014/main" id="{4EFABCEB-9C43-4E0D-9FD8-45A91D95CFE5}"/>
                   </a:ext>
                 </a:extLst>
               </p:cNvPr>
@@ -16602,7 +16530,7 @@
               <p:cNvPr id="66" name="Oval 359">
                 <a:extLst>
                   <a:ext uri="{FF2B5EF4-FFF2-40B4-BE49-F238E27FC236}">
-                    <a16:creationId xmlns:a16="http://schemas.microsoft.com/office/drawing/2014/main" xmlns="" id="{45C84006-7EEF-44E5-8E82-E7FE50024A3A}"/>
+                    <a16:creationId xmlns:a16="http://schemas.microsoft.com/office/drawing/2014/main" id="{45C84006-7EEF-44E5-8E82-E7FE50024A3A}"/>
                   </a:ext>
                 </a:extLst>
               </p:cNvPr>
@@ -16796,7 +16724,7 @@
               <p:cNvPr id="67" name="Oval 360">
                 <a:extLst>
                   <a:ext uri="{FF2B5EF4-FFF2-40B4-BE49-F238E27FC236}">
-                    <a16:creationId xmlns:a16="http://schemas.microsoft.com/office/drawing/2014/main" xmlns="" id="{E0CDC231-15E7-4685-838C-F6786770A459}"/>
+                    <a16:creationId xmlns:a16="http://schemas.microsoft.com/office/drawing/2014/main" id="{E0CDC231-15E7-4685-838C-F6786770A459}"/>
                   </a:ext>
                 </a:extLst>
               </p:cNvPr>
@@ -16990,7 +16918,7 @@
               <p:cNvPr id="68" name="Oval 361">
                 <a:extLst>
                   <a:ext uri="{FF2B5EF4-FFF2-40B4-BE49-F238E27FC236}">
-                    <a16:creationId xmlns:a16="http://schemas.microsoft.com/office/drawing/2014/main" xmlns="" id="{14A7A3F6-36AC-4757-8625-0BBF6AFAC989}"/>
+                    <a16:creationId xmlns:a16="http://schemas.microsoft.com/office/drawing/2014/main" id="{14A7A3F6-36AC-4757-8625-0BBF6AFAC989}"/>
                   </a:ext>
                 </a:extLst>
               </p:cNvPr>
@@ -17185,7 +17113,7 @@
             <p:cNvPr id="20" name="Text Box 373">
               <a:extLst>
                 <a:ext uri="{FF2B5EF4-FFF2-40B4-BE49-F238E27FC236}">
-                  <a16:creationId xmlns:a16="http://schemas.microsoft.com/office/drawing/2014/main" xmlns="" id="{415B59B3-F446-46B8-98D3-68C31CDFDFA1}"/>
+                  <a16:creationId xmlns:a16="http://schemas.microsoft.com/office/drawing/2014/main" id="{415B59B3-F446-46B8-98D3-68C31CDFDFA1}"/>
                 </a:ext>
               </a:extLst>
             </p:cNvPr>
@@ -17449,7 +17377,7 @@
             <p:cNvPr id="21" name="组合 20">
               <a:extLst>
                 <a:ext uri="{FF2B5EF4-FFF2-40B4-BE49-F238E27FC236}">
-                  <a16:creationId xmlns:a16="http://schemas.microsoft.com/office/drawing/2014/main" xmlns="" id="{18047B21-9BCC-4D00-BF9A-E39FB43C36E5}"/>
+                  <a16:creationId xmlns:a16="http://schemas.microsoft.com/office/drawing/2014/main" id="{18047B21-9BCC-4D00-BF9A-E39FB43C36E5}"/>
                 </a:ext>
               </a:extLst>
             </p:cNvPr>
@@ -17469,7 +17397,7 @@
               <p:cNvPr id="62" name="AutoShape 835">
                 <a:extLst>
                   <a:ext uri="{FF2B5EF4-FFF2-40B4-BE49-F238E27FC236}">
-                    <a16:creationId xmlns:a16="http://schemas.microsoft.com/office/drawing/2014/main" xmlns="" id="{51C10BAA-9E5B-4E9B-BDDA-E9A6FC10E700}"/>
+                    <a16:creationId xmlns:a16="http://schemas.microsoft.com/office/drawing/2014/main" id="{51C10BAA-9E5B-4E9B-BDDA-E9A6FC10E700}"/>
                   </a:ext>
                 </a:extLst>
               </p:cNvPr>
@@ -17669,7 +17597,7 @@
               <p:cNvPr id="63" name="AutoShape 836">
                 <a:extLst>
                   <a:ext uri="{FF2B5EF4-FFF2-40B4-BE49-F238E27FC236}">
-                    <a16:creationId xmlns:a16="http://schemas.microsoft.com/office/drawing/2014/main" xmlns="" id="{25EB1BDD-B0CE-458E-9D5C-4D5B1DFBDA3A}"/>
+                    <a16:creationId xmlns:a16="http://schemas.microsoft.com/office/drawing/2014/main" id="{25EB1BDD-B0CE-458E-9D5C-4D5B1DFBDA3A}"/>
                   </a:ext>
                 </a:extLst>
               </p:cNvPr>
@@ -17858,7 +17786,7 @@
               <p:cNvPr id="64" name="AutoShape 845">
                 <a:extLst>
                   <a:ext uri="{FF2B5EF4-FFF2-40B4-BE49-F238E27FC236}">
-                    <a16:creationId xmlns:a16="http://schemas.microsoft.com/office/drawing/2014/main" xmlns="" id="{4512F047-8BF4-41BA-AC70-6688E70F3BB2}"/>
+                    <a16:creationId xmlns:a16="http://schemas.microsoft.com/office/drawing/2014/main" id="{4512F047-8BF4-41BA-AC70-6688E70F3BB2}"/>
                   </a:ext>
                 </a:extLst>
               </p:cNvPr>
@@ -18189,7 +18117,7 @@
             <p:cNvPr id="22" name="组合 21">
               <a:extLst>
                 <a:ext uri="{FF2B5EF4-FFF2-40B4-BE49-F238E27FC236}">
-                  <a16:creationId xmlns:a16="http://schemas.microsoft.com/office/drawing/2014/main" xmlns="" id="{F9BACEE3-2E2B-4120-9173-139E58CB4578}"/>
+                  <a16:creationId xmlns:a16="http://schemas.microsoft.com/office/drawing/2014/main" id="{F9BACEE3-2E2B-4120-9173-139E58CB4578}"/>
                 </a:ext>
               </a:extLst>
             </p:cNvPr>
@@ -18209,7 +18137,7 @@
               <p:cNvPr id="59" name="AutoShape 835">
                 <a:extLst>
                   <a:ext uri="{FF2B5EF4-FFF2-40B4-BE49-F238E27FC236}">
-                    <a16:creationId xmlns:a16="http://schemas.microsoft.com/office/drawing/2014/main" xmlns="" id="{E7F49F5A-314B-40E5-B1F9-0A87900928FF}"/>
+                    <a16:creationId xmlns:a16="http://schemas.microsoft.com/office/drawing/2014/main" id="{E7F49F5A-314B-40E5-B1F9-0A87900928FF}"/>
                   </a:ext>
                 </a:extLst>
               </p:cNvPr>
@@ -18409,7 +18337,7 @@
               <p:cNvPr id="60" name="AutoShape 836">
                 <a:extLst>
                   <a:ext uri="{FF2B5EF4-FFF2-40B4-BE49-F238E27FC236}">
-                    <a16:creationId xmlns:a16="http://schemas.microsoft.com/office/drawing/2014/main" xmlns="" id="{55ADFAD9-8E3E-4332-80E2-DA4A9B7661D5}"/>
+                    <a16:creationId xmlns:a16="http://schemas.microsoft.com/office/drawing/2014/main" id="{55ADFAD9-8E3E-4332-80E2-DA4A9B7661D5}"/>
                   </a:ext>
                 </a:extLst>
               </p:cNvPr>
@@ -18598,7 +18526,7 @@
               <p:cNvPr id="61" name="AutoShape 845">
                 <a:extLst>
                   <a:ext uri="{FF2B5EF4-FFF2-40B4-BE49-F238E27FC236}">
-                    <a16:creationId xmlns:a16="http://schemas.microsoft.com/office/drawing/2014/main" xmlns="" id="{2AA3584F-28D1-40C2-A78C-6CABDBA7DFCF}"/>
+                    <a16:creationId xmlns:a16="http://schemas.microsoft.com/office/drawing/2014/main" id="{2AA3584F-28D1-40C2-A78C-6CABDBA7DFCF}"/>
                   </a:ext>
                 </a:extLst>
               </p:cNvPr>
@@ -18806,7 +18734,7 @@
             <p:cNvPr id="23" name="组合 22">
               <a:extLst>
                 <a:ext uri="{FF2B5EF4-FFF2-40B4-BE49-F238E27FC236}">
-                  <a16:creationId xmlns:a16="http://schemas.microsoft.com/office/drawing/2014/main" xmlns="" id="{30B275DB-FD96-49F8-AA07-6E55EDF30907}"/>
+                  <a16:creationId xmlns:a16="http://schemas.microsoft.com/office/drawing/2014/main" id="{30B275DB-FD96-49F8-AA07-6E55EDF30907}"/>
                 </a:ext>
               </a:extLst>
             </p:cNvPr>
@@ -18826,7 +18754,7 @@
               <p:cNvPr id="56" name="AutoShape 835">
                 <a:extLst>
                   <a:ext uri="{FF2B5EF4-FFF2-40B4-BE49-F238E27FC236}">
-                    <a16:creationId xmlns:a16="http://schemas.microsoft.com/office/drawing/2014/main" xmlns="" id="{CC1E2737-F865-4A09-9D77-E71721F8CAAF}"/>
+                    <a16:creationId xmlns:a16="http://schemas.microsoft.com/office/drawing/2014/main" id="{CC1E2737-F865-4A09-9D77-E71721F8CAAF}"/>
                   </a:ext>
                 </a:extLst>
               </p:cNvPr>
@@ -19026,7 +18954,7 @@
               <p:cNvPr id="57" name="AutoShape 836">
                 <a:extLst>
                   <a:ext uri="{FF2B5EF4-FFF2-40B4-BE49-F238E27FC236}">
-                    <a16:creationId xmlns:a16="http://schemas.microsoft.com/office/drawing/2014/main" xmlns="" id="{DF7452DF-61CC-467A-B922-629725825160}"/>
+                    <a16:creationId xmlns:a16="http://schemas.microsoft.com/office/drawing/2014/main" id="{DF7452DF-61CC-467A-B922-629725825160}"/>
                   </a:ext>
                 </a:extLst>
               </p:cNvPr>
@@ -19215,7 +19143,7 @@
               <p:cNvPr id="58" name="AutoShape 845">
                 <a:extLst>
                   <a:ext uri="{FF2B5EF4-FFF2-40B4-BE49-F238E27FC236}">
-                    <a16:creationId xmlns:a16="http://schemas.microsoft.com/office/drawing/2014/main" xmlns="" id="{5602E959-1447-4CD7-BFF6-3B597F419451}"/>
+                    <a16:creationId xmlns:a16="http://schemas.microsoft.com/office/drawing/2014/main" id="{5602E959-1447-4CD7-BFF6-3B597F419451}"/>
                   </a:ext>
                 </a:extLst>
               </p:cNvPr>
@@ -19504,7 +19432,7 @@
             <p:cNvPr id="24" name="组合 23">
               <a:extLst>
                 <a:ext uri="{FF2B5EF4-FFF2-40B4-BE49-F238E27FC236}">
-                  <a16:creationId xmlns:a16="http://schemas.microsoft.com/office/drawing/2014/main" xmlns="" id="{2B166437-E31D-4F8E-9BF7-C3A567DACA16}"/>
+                  <a16:creationId xmlns:a16="http://schemas.microsoft.com/office/drawing/2014/main" id="{2B166437-E31D-4F8E-9BF7-C3A567DACA16}"/>
                 </a:ext>
               </a:extLst>
             </p:cNvPr>
@@ -19524,7 +19452,7 @@
               <p:cNvPr id="53" name="AutoShape 835">
                 <a:extLst>
                   <a:ext uri="{FF2B5EF4-FFF2-40B4-BE49-F238E27FC236}">
-                    <a16:creationId xmlns:a16="http://schemas.microsoft.com/office/drawing/2014/main" xmlns="" id="{DD7345EB-1557-461F-A3C6-685DD252486E}"/>
+                    <a16:creationId xmlns:a16="http://schemas.microsoft.com/office/drawing/2014/main" id="{DD7345EB-1557-461F-A3C6-685DD252486E}"/>
                   </a:ext>
                 </a:extLst>
               </p:cNvPr>
@@ -19724,7 +19652,7 @@
               <p:cNvPr id="54" name="AutoShape 836">
                 <a:extLst>
                   <a:ext uri="{FF2B5EF4-FFF2-40B4-BE49-F238E27FC236}">
-                    <a16:creationId xmlns:a16="http://schemas.microsoft.com/office/drawing/2014/main" xmlns="" id="{D1207127-ADF8-4F01-A814-EDF4C9B4EEF5}"/>
+                    <a16:creationId xmlns:a16="http://schemas.microsoft.com/office/drawing/2014/main" id="{D1207127-ADF8-4F01-A814-EDF4C9B4EEF5}"/>
                   </a:ext>
                 </a:extLst>
               </p:cNvPr>
@@ -19913,7 +19841,7 @@
               <p:cNvPr id="55" name="AutoShape 845">
                 <a:extLst>
                   <a:ext uri="{FF2B5EF4-FFF2-40B4-BE49-F238E27FC236}">
-                    <a16:creationId xmlns:a16="http://schemas.microsoft.com/office/drawing/2014/main" xmlns="" id="{E46FFF72-D25F-4CD1-A85C-89B7BBA94A0D}"/>
+                    <a16:creationId xmlns:a16="http://schemas.microsoft.com/office/drawing/2014/main" id="{E46FFF72-D25F-4CD1-A85C-89B7BBA94A0D}"/>
                   </a:ext>
                 </a:extLst>
               </p:cNvPr>
@@ -20234,7 +20162,7 @@
             <p:cNvPr id="25" name="Text Box 830">
               <a:extLst>
                 <a:ext uri="{FF2B5EF4-FFF2-40B4-BE49-F238E27FC236}">
-                  <a16:creationId xmlns:a16="http://schemas.microsoft.com/office/drawing/2014/main" xmlns="" id="{4505485D-4F3D-47E3-95F8-617993FE822C}"/>
+                  <a16:creationId xmlns:a16="http://schemas.microsoft.com/office/drawing/2014/main" id="{4505485D-4F3D-47E3-95F8-617993FE822C}"/>
                 </a:ext>
               </a:extLst>
             </p:cNvPr>
@@ -20448,7 +20376,7 @@
             <p:cNvPr id="26" name="Freeform 3">
               <a:extLst>
                 <a:ext uri="{FF2B5EF4-FFF2-40B4-BE49-F238E27FC236}">
-                  <a16:creationId xmlns:a16="http://schemas.microsoft.com/office/drawing/2014/main" xmlns="" id="{A1F4E5AF-AEA9-4B5E-A988-FC284F19A0A1}"/>
+                  <a16:creationId xmlns:a16="http://schemas.microsoft.com/office/drawing/2014/main" id="{A1F4E5AF-AEA9-4B5E-A988-FC284F19A0A1}"/>
                 </a:ext>
               </a:extLst>
             </p:cNvPr>
@@ -20756,7 +20684,7 @@
             <p:cNvPr id="27" name="Freeform 4">
               <a:extLst>
                 <a:ext uri="{FF2B5EF4-FFF2-40B4-BE49-F238E27FC236}">
-                  <a16:creationId xmlns:a16="http://schemas.microsoft.com/office/drawing/2014/main" xmlns="" id="{399E45B9-C521-4584-A788-9E551FCA612A}"/>
+                  <a16:creationId xmlns:a16="http://schemas.microsoft.com/office/drawing/2014/main" id="{399E45B9-C521-4584-A788-9E551FCA612A}"/>
                 </a:ext>
               </a:extLst>
             </p:cNvPr>
@@ -21064,7 +20992,7 @@
             <p:cNvPr id="28" name="Freeform 5">
               <a:extLst>
                 <a:ext uri="{FF2B5EF4-FFF2-40B4-BE49-F238E27FC236}">
-                  <a16:creationId xmlns:a16="http://schemas.microsoft.com/office/drawing/2014/main" xmlns="" id="{89211E56-A522-48CF-A62B-EAECBC415F07}"/>
+                  <a16:creationId xmlns:a16="http://schemas.microsoft.com/office/drawing/2014/main" id="{89211E56-A522-48CF-A62B-EAECBC415F07}"/>
                 </a:ext>
               </a:extLst>
             </p:cNvPr>
@@ -21372,7 +21300,7 @@
             <p:cNvPr id="29" name="Freeform 6">
               <a:extLst>
                 <a:ext uri="{FF2B5EF4-FFF2-40B4-BE49-F238E27FC236}">
-                  <a16:creationId xmlns:a16="http://schemas.microsoft.com/office/drawing/2014/main" xmlns="" id="{0ECA5111-E19B-4AA5-B68C-E1148D9043B1}"/>
+                  <a16:creationId xmlns:a16="http://schemas.microsoft.com/office/drawing/2014/main" id="{0ECA5111-E19B-4AA5-B68C-E1148D9043B1}"/>
                 </a:ext>
               </a:extLst>
             </p:cNvPr>
@@ -21680,7 +21608,7 @@
             <p:cNvPr id="30" name="Group 7">
               <a:extLst>
                 <a:ext uri="{FF2B5EF4-FFF2-40B4-BE49-F238E27FC236}">
-                  <a16:creationId xmlns:a16="http://schemas.microsoft.com/office/drawing/2014/main" xmlns="" id="{776C5A5E-32AB-49F4-906A-7A7EEB80B9DB}"/>
+                  <a16:creationId xmlns:a16="http://schemas.microsoft.com/office/drawing/2014/main" id="{776C5A5E-32AB-49F4-906A-7A7EEB80B9DB}"/>
                 </a:ext>
               </a:extLst>
             </p:cNvPr>
@@ -21702,7 +21630,7 @@
               <p:cNvPr id="50" name="Freeform 8">
                 <a:extLst>
                   <a:ext uri="{FF2B5EF4-FFF2-40B4-BE49-F238E27FC236}">
-                    <a16:creationId xmlns:a16="http://schemas.microsoft.com/office/drawing/2014/main" xmlns="" id="{08441057-3842-4431-9D7A-607A2B30FE39}"/>
+                    <a16:creationId xmlns:a16="http://schemas.microsoft.com/office/drawing/2014/main" id="{08441057-3842-4431-9D7A-607A2B30FE39}"/>
                   </a:ext>
                 </a:extLst>
               </p:cNvPr>
@@ -22045,7 +21973,7 @@
               <p:cNvPr id="51" name="Rectangle 9">
                 <a:extLst>
                   <a:ext uri="{FF2B5EF4-FFF2-40B4-BE49-F238E27FC236}">
-                    <a16:creationId xmlns:a16="http://schemas.microsoft.com/office/drawing/2014/main" xmlns="" id="{E9ADB967-4DED-4CB1-93D4-E5271ED7A2AE}"/>
+                    <a16:creationId xmlns:a16="http://schemas.microsoft.com/office/drawing/2014/main" id="{E9ADB967-4DED-4CB1-93D4-E5271ED7A2AE}"/>
                   </a:ext>
                 </a:extLst>
               </p:cNvPr>
@@ -22223,7 +22151,7 @@
               <p:cNvPr id="52" name="Rectangle 10">
                 <a:extLst>
                   <a:ext uri="{FF2B5EF4-FFF2-40B4-BE49-F238E27FC236}">
-                    <a16:creationId xmlns:a16="http://schemas.microsoft.com/office/drawing/2014/main" xmlns="" id="{A66792FC-1923-4A4D-A325-2B2E6059CE40}"/>
+                    <a16:creationId xmlns:a16="http://schemas.microsoft.com/office/drawing/2014/main" id="{A66792FC-1923-4A4D-A325-2B2E6059CE40}"/>
                   </a:ext>
                 </a:extLst>
               </p:cNvPr>
@@ -22402,7 +22330,7 @@
             <p:cNvPr id="31" name="Group 11">
               <a:extLst>
                 <a:ext uri="{FF2B5EF4-FFF2-40B4-BE49-F238E27FC236}">
-                  <a16:creationId xmlns:a16="http://schemas.microsoft.com/office/drawing/2014/main" xmlns="" id="{79959632-9454-4DD2-A5AA-059B27E60DCC}"/>
+                  <a16:creationId xmlns:a16="http://schemas.microsoft.com/office/drawing/2014/main" id="{79959632-9454-4DD2-A5AA-059B27E60DCC}"/>
                 </a:ext>
               </a:extLst>
             </p:cNvPr>
@@ -22427,7 +22355,7 @@
               <p:cNvPr id="47" name="Freeform 12">
                 <a:extLst>
                   <a:ext uri="{FF2B5EF4-FFF2-40B4-BE49-F238E27FC236}">
-                    <a16:creationId xmlns:a16="http://schemas.microsoft.com/office/drawing/2014/main" xmlns="" id="{11C36084-2F1E-4577-AC75-A15A5FF2F46A}"/>
+                    <a16:creationId xmlns:a16="http://schemas.microsoft.com/office/drawing/2014/main" id="{11C36084-2F1E-4577-AC75-A15A5FF2F46A}"/>
                   </a:ext>
                 </a:extLst>
               </p:cNvPr>
@@ -22839,7 +22767,7 @@
               <p:cNvPr id="48" name="Rectangle 13">
                 <a:extLst>
                   <a:ext uri="{FF2B5EF4-FFF2-40B4-BE49-F238E27FC236}">
-                    <a16:creationId xmlns:a16="http://schemas.microsoft.com/office/drawing/2014/main" xmlns="" id="{BCE6583E-E1E3-4E3C-BE29-8CC3C1981156}"/>
+                    <a16:creationId xmlns:a16="http://schemas.microsoft.com/office/drawing/2014/main" id="{BCE6583E-E1E3-4E3C-BE29-8CC3C1981156}"/>
                   </a:ext>
                 </a:extLst>
               </p:cNvPr>
@@ -23006,7 +22934,7 @@
               <p:cNvPr id="49" name="Rectangle 14">
                 <a:extLst>
                   <a:ext uri="{FF2B5EF4-FFF2-40B4-BE49-F238E27FC236}">
-                    <a16:creationId xmlns:a16="http://schemas.microsoft.com/office/drawing/2014/main" xmlns="" id="{7422B707-F83E-4D8F-A631-3B826939F98F}"/>
+                    <a16:creationId xmlns:a16="http://schemas.microsoft.com/office/drawing/2014/main" id="{7422B707-F83E-4D8F-A631-3B826939F98F}"/>
                   </a:ext>
                 </a:extLst>
               </p:cNvPr>
@@ -23174,7 +23102,7 @@
             <p:cNvPr id="32" name="Group 15">
               <a:extLst>
                 <a:ext uri="{FF2B5EF4-FFF2-40B4-BE49-F238E27FC236}">
-                  <a16:creationId xmlns:a16="http://schemas.microsoft.com/office/drawing/2014/main" xmlns="" id="{8AE887C2-0513-4833-AF1D-4F5804930116}"/>
+                  <a16:creationId xmlns:a16="http://schemas.microsoft.com/office/drawing/2014/main" id="{8AE887C2-0513-4833-AF1D-4F5804930116}"/>
                 </a:ext>
               </a:extLst>
             </p:cNvPr>
@@ -23199,7 +23127,7 @@
               <p:cNvPr id="44" name="Freeform 16">
                 <a:extLst>
                   <a:ext uri="{FF2B5EF4-FFF2-40B4-BE49-F238E27FC236}">
-                    <a16:creationId xmlns:a16="http://schemas.microsoft.com/office/drawing/2014/main" xmlns="" id="{B993EA9E-7D16-4B57-B9B8-DF74C9751EBD}"/>
+                    <a16:creationId xmlns:a16="http://schemas.microsoft.com/office/drawing/2014/main" id="{B993EA9E-7D16-4B57-B9B8-DF74C9751EBD}"/>
                   </a:ext>
                 </a:extLst>
               </p:cNvPr>
@@ -23595,7 +23523,7 @@
               <p:cNvPr id="45" name="Rectangle 17">
                 <a:extLst>
                   <a:ext uri="{FF2B5EF4-FFF2-40B4-BE49-F238E27FC236}">
-                    <a16:creationId xmlns:a16="http://schemas.microsoft.com/office/drawing/2014/main" xmlns="" id="{4B28D258-BEE1-4F90-91FD-B5FF891F64B0}"/>
+                    <a16:creationId xmlns:a16="http://schemas.microsoft.com/office/drawing/2014/main" id="{4B28D258-BEE1-4F90-91FD-B5FF891F64B0}"/>
                   </a:ext>
                 </a:extLst>
               </p:cNvPr>
@@ -23762,7 +23690,7 @@
               <p:cNvPr id="46" name="Rectangle 18">
                 <a:extLst>
                   <a:ext uri="{FF2B5EF4-FFF2-40B4-BE49-F238E27FC236}">
-                    <a16:creationId xmlns:a16="http://schemas.microsoft.com/office/drawing/2014/main" xmlns="" id="{A20F2132-7DCC-4B31-A0F6-A1878F60F8CD}"/>
+                    <a16:creationId xmlns:a16="http://schemas.microsoft.com/office/drawing/2014/main" id="{A20F2132-7DCC-4B31-A0F6-A1878F60F8CD}"/>
                   </a:ext>
                 </a:extLst>
               </p:cNvPr>
@@ -23930,7 +23858,7 @@
             <p:cNvPr id="33" name="Group 19">
               <a:extLst>
                 <a:ext uri="{FF2B5EF4-FFF2-40B4-BE49-F238E27FC236}">
-                  <a16:creationId xmlns:a16="http://schemas.microsoft.com/office/drawing/2014/main" xmlns="" id="{1663FF7C-1F8C-4B35-9F3A-C6DE130B474A}"/>
+                  <a16:creationId xmlns:a16="http://schemas.microsoft.com/office/drawing/2014/main" id="{1663FF7C-1F8C-4B35-9F3A-C6DE130B474A}"/>
                 </a:ext>
               </a:extLst>
             </p:cNvPr>
@@ -23952,7 +23880,7 @@
               <p:cNvPr id="42" name="Freeform 20">
                 <a:extLst>
                   <a:ext uri="{FF2B5EF4-FFF2-40B4-BE49-F238E27FC236}">
-                    <a16:creationId xmlns:a16="http://schemas.microsoft.com/office/drawing/2014/main" xmlns="" id="{898A096B-3E48-4AA1-B26D-525A88A75DB4}"/>
+                    <a16:creationId xmlns:a16="http://schemas.microsoft.com/office/drawing/2014/main" id="{898A096B-3E48-4AA1-B26D-525A88A75DB4}"/>
                   </a:ext>
                 </a:extLst>
               </p:cNvPr>
@@ -24215,7 +24143,7 @@
               <p:cNvPr id="43" name="Freeform 21">
                 <a:extLst>
                   <a:ext uri="{FF2B5EF4-FFF2-40B4-BE49-F238E27FC236}">
-                    <a16:creationId xmlns:a16="http://schemas.microsoft.com/office/drawing/2014/main" xmlns="" id="{A0C59DC8-0F11-41D9-A44A-AF9A953116BA}"/>
+                    <a16:creationId xmlns:a16="http://schemas.microsoft.com/office/drawing/2014/main" id="{A0C59DC8-0F11-41D9-A44A-AF9A953116BA}"/>
                   </a:ext>
                 </a:extLst>
               </p:cNvPr>
@@ -24613,7 +24541,7 @@
             <p:cNvPr id="34" name="Text Box 22">
               <a:extLst>
                 <a:ext uri="{FF2B5EF4-FFF2-40B4-BE49-F238E27FC236}">
-                  <a16:creationId xmlns:a16="http://schemas.microsoft.com/office/drawing/2014/main" xmlns="" id="{518830C9-38C1-4077-8FFB-254C6E8787DA}"/>
+                  <a16:creationId xmlns:a16="http://schemas.microsoft.com/office/drawing/2014/main" id="{518830C9-38C1-4077-8FFB-254C6E8787DA}"/>
                 </a:ext>
               </a:extLst>
             </p:cNvPr>
@@ -24802,7 +24730,7 @@
             <p:cNvPr id="35" name="Text Box 23">
               <a:extLst>
                 <a:ext uri="{FF2B5EF4-FFF2-40B4-BE49-F238E27FC236}">
-                  <a16:creationId xmlns:a16="http://schemas.microsoft.com/office/drawing/2014/main" xmlns="" id="{79566E66-C9AE-461B-A073-EAD49E28CEBB}"/>
+                  <a16:creationId xmlns:a16="http://schemas.microsoft.com/office/drawing/2014/main" id="{79566E66-C9AE-461B-A073-EAD49E28CEBB}"/>
                 </a:ext>
               </a:extLst>
             </p:cNvPr>
@@ -24991,7 +24919,7 @@
             <p:cNvPr id="36" name="Text Box 24">
               <a:extLst>
                 <a:ext uri="{FF2B5EF4-FFF2-40B4-BE49-F238E27FC236}">
-                  <a16:creationId xmlns:a16="http://schemas.microsoft.com/office/drawing/2014/main" xmlns="" id="{3B2FF632-FDDD-40D3-AC1D-98B84BD78BD9}"/>
+                  <a16:creationId xmlns:a16="http://schemas.microsoft.com/office/drawing/2014/main" id="{3B2FF632-FDDD-40D3-AC1D-98B84BD78BD9}"/>
                 </a:ext>
               </a:extLst>
             </p:cNvPr>
@@ -25180,7 +25108,7 @@
             <p:cNvPr id="37" name="Text Box 25">
               <a:extLst>
                 <a:ext uri="{FF2B5EF4-FFF2-40B4-BE49-F238E27FC236}">
-                  <a16:creationId xmlns:a16="http://schemas.microsoft.com/office/drawing/2014/main" xmlns="" id="{28581148-02EF-41AA-BAAE-538B49FAE623}"/>
+                  <a16:creationId xmlns:a16="http://schemas.microsoft.com/office/drawing/2014/main" id="{28581148-02EF-41AA-BAAE-538B49FAE623}"/>
                 </a:ext>
               </a:extLst>
             </p:cNvPr>
@@ -25369,7 +25297,7 @@
             <p:cNvPr id="38" name="Rectangle 26">
               <a:extLst>
                 <a:ext uri="{FF2B5EF4-FFF2-40B4-BE49-F238E27FC236}">
-                  <a16:creationId xmlns:a16="http://schemas.microsoft.com/office/drawing/2014/main" xmlns="" id="{52212239-6423-41AE-9059-EE3003B5A98F}"/>
+                  <a16:creationId xmlns:a16="http://schemas.microsoft.com/office/drawing/2014/main" id="{52212239-6423-41AE-9059-EE3003B5A98F}"/>
                 </a:ext>
               </a:extLst>
             </p:cNvPr>
@@ -25570,7 +25498,7 @@
             <p:cNvPr id="39" name="Rectangle 26">
               <a:extLst>
                 <a:ext uri="{FF2B5EF4-FFF2-40B4-BE49-F238E27FC236}">
-                  <a16:creationId xmlns:a16="http://schemas.microsoft.com/office/drawing/2014/main" xmlns="" id="{98179EA0-B32B-4637-A8F8-144169013346}"/>
+                  <a16:creationId xmlns:a16="http://schemas.microsoft.com/office/drawing/2014/main" id="{98179EA0-B32B-4637-A8F8-144169013346}"/>
                 </a:ext>
               </a:extLst>
             </p:cNvPr>
@@ -25771,7 +25699,7 @@
             <p:cNvPr id="40" name="Rectangle 26">
               <a:extLst>
                 <a:ext uri="{FF2B5EF4-FFF2-40B4-BE49-F238E27FC236}">
-                  <a16:creationId xmlns:a16="http://schemas.microsoft.com/office/drawing/2014/main" xmlns="" id="{40E3A3DB-D615-488C-A3FC-81747E7CD5A5}"/>
+                  <a16:creationId xmlns:a16="http://schemas.microsoft.com/office/drawing/2014/main" id="{40E3A3DB-D615-488C-A3FC-81747E7CD5A5}"/>
                 </a:ext>
               </a:extLst>
             </p:cNvPr>
@@ -25972,7 +25900,7 @@
             <p:cNvPr id="41" name="Rectangle 26">
               <a:extLst>
                 <a:ext uri="{FF2B5EF4-FFF2-40B4-BE49-F238E27FC236}">
-                  <a16:creationId xmlns:a16="http://schemas.microsoft.com/office/drawing/2014/main" xmlns="" id="{6DEA5AA4-4550-4918-9872-8394E445E106}"/>
+                  <a16:creationId xmlns:a16="http://schemas.microsoft.com/office/drawing/2014/main" id="{6DEA5AA4-4550-4918-9872-8394E445E106}"/>
                 </a:ext>
               </a:extLst>
             </p:cNvPr>
@@ -26174,7 +26102,7 @@
           <p:cNvPr id="86" name="文本框 85">
             <a:extLst>
               <a:ext uri="{FF2B5EF4-FFF2-40B4-BE49-F238E27FC236}">
-                <a16:creationId xmlns:a16="http://schemas.microsoft.com/office/drawing/2014/main" xmlns="" id="{67C9DA47-D65D-4332-ADD6-0B284D0702CC}"/>
+                <a16:creationId xmlns:a16="http://schemas.microsoft.com/office/drawing/2014/main" id="{67C9DA47-D65D-4332-ADD6-0B284D0702CC}"/>
               </a:ext>
             </a:extLst>
           </p:cNvPr>
@@ -26223,13 +26151,6 @@
   <p:clrMapOvr>
     <a:masterClrMapping/>
   </p:clrMapOvr>
-  <p:timing>
-    <p:tnLst>
-      <p:par>
-        <p:cTn id="1" dur="indefinite" restart="never" nodeType="tmRoot"/>
-      </p:par>
-    </p:tnLst>
-  </p:timing>
 </p:sld>
 </file>
 
@@ -26255,7 +26176,7 @@
           <p:cNvPr id="3" name="等腰三角形 2">
             <a:extLst>
               <a:ext uri="{FF2B5EF4-FFF2-40B4-BE49-F238E27FC236}">
-                <a16:creationId xmlns:a16="http://schemas.microsoft.com/office/drawing/2014/main" xmlns="" id="{3DC7ED6A-06A7-41B0-9A0C-7537C8167CE5}"/>
+                <a16:creationId xmlns:a16="http://schemas.microsoft.com/office/drawing/2014/main" id="{3DC7ED6A-06A7-41B0-9A0C-7537C8167CE5}"/>
               </a:ext>
             </a:extLst>
           </p:cNvPr>
@@ -26368,7 +26289,7 @@
           <p:cNvPr id="4" name="矩形 3">
             <a:extLst>
               <a:ext uri="{FF2B5EF4-FFF2-40B4-BE49-F238E27FC236}">
-                <a16:creationId xmlns:a16="http://schemas.microsoft.com/office/drawing/2014/main" xmlns="" id="{C9B58E9F-A9A7-463E-B0D5-05F814B42A6C}"/>
+                <a16:creationId xmlns:a16="http://schemas.microsoft.com/office/drawing/2014/main" id="{C9B58E9F-A9A7-463E-B0D5-05F814B42A6C}"/>
               </a:ext>
             </a:extLst>
           </p:cNvPr>
@@ -26451,7 +26372,7 @@
           <p:cNvPr id="7" name="矩形 6">
             <a:extLst>
               <a:ext uri="{FF2B5EF4-FFF2-40B4-BE49-F238E27FC236}">
-                <a16:creationId xmlns:a16="http://schemas.microsoft.com/office/drawing/2014/main" xmlns="" id="{7C1A01B9-106E-4491-8967-33264504D05A}"/>
+                <a16:creationId xmlns:a16="http://schemas.microsoft.com/office/drawing/2014/main" id="{7C1A01B9-106E-4491-8967-33264504D05A}"/>
               </a:ext>
             </a:extLst>
           </p:cNvPr>
@@ -26534,7 +26455,7 @@
           <p:cNvPr id="8" name="矩形 7">
             <a:extLst>
               <a:ext uri="{FF2B5EF4-FFF2-40B4-BE49-F238E27FC236}">
-                <a16:creationId xmlns:a16="http://schemas.microsoft.com/office/drawing/2014/main" xmlns="" id="{27A2F058-9C41-4662-A61F-37C9FDFAC998}"/>
+                <a16:creationId xmlns:a16="http://schemas.microsoft.com/office/drawing/2014/main" id="{27A2F058-9C41-4662-A61F-37C9FDFAC998}"/>
               </a:ext>
             </a:extLst>
           </p:cNvPr>
@@ -26617,7 +26538,7 @@
           <p:cNvPr id="9" name="矩形 8">
             <a:extLst>
               <a:ext uri="{FF2B5EF4-FFF2-40B4-BE49-F238E27FC236}">
-                <a16:creationId xmlns:a16="http://schemas.microsoft.com/office/drawing/2014/main" xmlns="" id="{3461A5CD-E499-4F55-BF7A-E544DCC15E4C}"/>
+                <a16:creationId xmlns:a16="http://schemas.microsoft.com/office/drawing/2014/main" id="{3461A5CD-E499-4F55-BF7A-E544DCC15E4C}"/>
               </a:ext>
             </a:extLst>
           </p:cNvPr>
@@ -26702,7 +26623,7 @@
           <p:cNvPr id="10" name="矩形 9">
             <a:extLst>
               <a:ext uri="{FF2B5EF4-FFF2-40B4-BE49-F238E27FC236}">
-                <a16:creationId xmlns:a16="http://schemas.microsoft.com/office/drawing/2014/main" xmlns="" id="{74C9F637-6B9F-4D20-9F6A-D245F4422F45}"/>
+                <a16:creationId xmlns:a16="http://schemas.microsoft.com/office/drawing/2014/main" id="{74C9F637-6B9F-4D20-9F6A-D245F4422F45}"/>
               </a:ext>
             </a:extLst>
           </p:cNvPr>
@@ -26784,7 +26705,7 @@
           <p:cNvPr id="11" name="矩形 10">
             <a:extLst>
               <a:ext uri="{FF2B5EF4-FFF2-40B4-BE49-F238E27FC236}">
-                <a16:creationId xmlns:a16="http://schemas.microsoft.com/office/drawing/2014/main" xmlns="" id="{C85C60E3-CEF8-455A-B78D-AEC962CDD27C}"/>
+                <a16:creationId xmlns:a16="http://schemas.microsoft.com/office/drawing/2014/main" id="{C85C60E3-CEF8-455A-B78D-AEC962CDD27C}"/>
               </a:ext>
             </a:extLst>
           </p:cNvPr>
@@ -26867,7 +26788,7 @@
           <p:cNvPr id="12" name="矩形 11">
             <a:extLst>
               <a:ext uri="{FF2B5EF4-FFF2-40B4-BE49-F238E27FC236}">
-                <a16:creationId xmlns:a16="http://schemas.microsoft.com/office/drawing/2014/main" xmlns="" id="{0375822B-F710-4E30-9711-1C95C054DF50}"/>
+                <a16:creationId xmlns:a16="http://schemas.microsoft.com/office/drawing/2014/main" id="{0375822B-F710-4E30-9711-1C95C054DF50}"/>
               </a:ext>
             </a:extLst>
           </p:cNvPr>
@@ -26950,7 +26871,7 @@
           <p:cNvPr id="13" name="矩形 12">
             <a:extLst>
               <a:ext uri="{FF2B5EF4-FFF2-40B4-BE49-F238E27FC236}">
-                <a16:creationId xmlns:a16="http://schemas.microsoft.com/office/drawing/2014/main" xmlns="" id="{16F47166-93FA-4D3D-9B2E-D194FBD69548}"/>
+                <a16:creationId xmlns:a16="http://schemas.microsoft.com/office/drawing/2014/main" id="{16F47166-93FA-4D3D-9B2E-D194FBD69548}"/>
               </a:ext>
             </a:extLst>
           </p:cNvPr>
@@ -27033,7 +26954,7 @@
           <p:cNvPr id="14" name="矩形 13">
             <a:extLst>
               <a:ext uri="{FF2B5EF4-FFF2-40B4-BE49-F238E27FC236}">
-                <a16:creationId xmlns:a16="http://schemas.microsoft.com/office/drawing/2014/main" xmlns="" id="{58956DA4-3749-467A-985E-7CCF533899AA}"/>
+                <a16:creationId xmlns:a16="http://schemas.microsoft.com/office/drawing/2014/main" id="{58956DA4-3749-467A-985E-7CCF533899AA}"/>
               </a:ext>
             </a:extLst>
           </p:cNvPr>
@@ -27119,7 +27040,7 @@
           <p:cNvPr id="17" name="矩形 16">
             <a:extLst>
               <a:ext uri="{FF2B5EF4-FFF2-40B4-BE49-F238E27FC236}">
-                <a16:creationId xmlns:a16="http://schemas.microsoft.com/office/drawing/2014/main" xmlns="" id="{36E38DCC-6FDE-4F9D-BDD7-A030ABDF883E}"/>
+                <a16:creationId xmlns:a16="http://schemas.microsoft.com/office/drawing/2014/main" id="{36E38DCC-6FDE-4F9D-BDD7-A030ABDF883E}"/>
               </a:ext>
             </a:extLst>
           </p:cNvPr>
@@ -27201,7 +27122,7 @@
           <p:cNvPr id="15" name="矩形 14">
             <a:extLst>
               <a:ext uri="{FF2B5EF4-FFF2-40B4-BE49-F238E27FC236}">
-                <a16:creationId xmlns:a16="http://schemas.microsoft.com/office/drawing/2014/main" xmlns="" id="{4DC9B95E-A6F3-49A3-B8AF-FA0F5A990CF9}"/>
+                <a16:creationId xmlns:a16="http://schemas.microsoft.com/office/drawing/2014/main" id="{4DC9B95E-A6F3-49A3-B8AF-FA0F5A990CF9}"/>
               </a:ext>
             </a:extLst>
           </p:cNvPr>
@@ -27286,7 +27207,7 @@
           <p:cNvPr id="18" name="矩形 17">
             <a:extLst>
               <a:ext uri="{FF2B5EF4-FFF2-40B4-BE49-F238E27FC236}">
-                <a16:creationId xmlns:a16="http://schemas.microsoft.com/office/drawing/2014/main" xmlns="" id="{57A51AB6-7DDF-4956-83FC-D307E150580F}"/>
+                <a16:creationId xmlns:a16="http://schemas.microsoft.com/office/drawing/2014/main" id="{57A51AB6-7DDF-4956-83FC-D307E150580F}"/>
               </a:ext>
             </a:extLst>
           </p:cNvPr>
@@ -27369,7 +27290,7 @@
           <p:cNvPr id="19" name="矩形 18">
             <a:extLst>
               <a:ext uri="{FF2B5EF4-FFF2-40B4-BE49-F238E27FC236}">
-                <a16:creationId xmlns:a16="http://schemas.microsoft.com/office/drawing/2014/main" xmlns="" id="{6A7A2061-00ED-476E-954F-C301F4B7D309}"/>
+                <a16:creationId xmlns:a16="http://schemas.microsoft.com/office/drawing/2014/main" id="{6A7A2061-00ED-476E-954F-C301F4B7D309}"/>
               </a:ext>
             </a:extLst>
           </p:cNvPr>
@@ -27452,7 +27373,7 @@
           <p:cNvPr id="20" name="矩形 19">
             <a:extLst>
               <a:ext uri="{FF2B5EF4-FFF2-40B4-BE49-F238E27FC236}">
-                <a16:creationId xmlns:a16="http://schemas.microsoft.com/office/drawing/2014/main" xmlns="" id="{18F82677-ACD2-428E-8B2B-B19254D22D1B}"/>
+                <a16:creationId xmlns:a16="http://schemas.microsoft.com/office/drawing/2014/main" id="{18F82677-ACD2-428E-8B2B-B19254D22D1B}"/>
               </a:ext>
             </a:extLst>
           </p:cNvPr>
@@ -27538,7 +27459,7 @@
           <p:cNvPr id="21" name="矩形 20">
             <a:extLst>
               <a:ext uri="{FF2B5EF4-FFF2-40B4-BE49-F238E27FC236}">
-                <a16:creationId xmlns:a16="http://schemas.microsoft.com/office/drawing/2014/main" xmlns="" id="{43B1692D-4FC0-4323-9443-FE25552260D5}"/>
+                <a16:creationId xmlns:a16="http://schemas.microsoft.com/office/drawing/2014/main" id="{43B1692D-4FC0-4323-9443-FE25552260D5}"/>
               </a:ext>
             </a:extLst>
           </p:cNvPr>
@@ -27650,7 +27571,7 @@
           <p:cNvPr id="5" name="组合 4">
             <a:extLst>
               <a:ext uri="{FF2B5EF4-FFF2-40B4-BE49-F238E27FC236}">
-                <a16:creationId xmlns:a16="http://schemas.microsoft.com/office/drawing/2014/main" xmlns="" id="{F26A70F1-3037-4B8A-B834-42B2A9FF663F}"/>
+                <a16:creationId xmlns:a16="http://schemas.microsoft.com/office/drawing/2014/main" id="{F26A70F1-3037-4B8A-B834-42B2A9FF663F}"/>
               </a:ext>
             </a:extLst>
           </p:cNvPr>
@@ -27670,7 +27591,7 @@
             <p:cNvPr id="22" name="矩形 21">
               <a:extLst>
                 <a:ext uri="{FF2B5EF4-FFF2-40B4-BE49-F238E27FC236}">
-                  <a16:creationId xmlns:a16="http://schemas.microsoft.com/office/drawing/2014/main" xmlns="" id="{E99274FB-8962-4D86-9624-D32717F264BD}"/>
+                  <a16:creationId xmlns:a16="http://schemas.microsoft.com/office/drawing/2014/main" id="{E99274FB-8962-4D86-9624-D32717F264BD}"/>
                 </a:ext>
               </a:extLst>
             </p:cNvPr>
@@ -27755,7 +27676,7 @@
             <p:cNvPr id="23" name="矩形 22">
               <a:extLst>
                 <a:ext uri="{FF2B5EF4-FFF2-40B4-BE49-F238E27FC236}">
-                  <a16:creationId xmlns:a16="http://schemas.microsoft.com/office/drawing/2014/main" xmlns="" id="{960EC370-9635-4DAF-8B27-D766889D9E6E}"/>
+                  <a16:creationId xmlns:a16="http://schemas.microsoft.com/office/drawing/2014/main" id="{960EC370-9635-4DAF-8B27-D766889D9E6E}"/>
                 </a:ext>
               </a:extLst>
             </p:cNvPr>
@@ -27837,7 +27758,7 @@
             <p:cNvPr id="24" name="矩形 23">
               <a:extLst>
                 <a:ext uri="{FF2B5EF4-FFF2-40B4-BE49-F238E27FC236}">
-                  <a16:creationId xmlns:a16="http://schemas.microsoft.com/office/drawing/2014/main" xmlns="" id="{CC691D47-F90F-484F-9A5B-C8CAB42BB1E6}"/>
+                  <a16:creationId xmlns:a16="http://schemas.microsoft.com/office/drawing/2014/main" id="{CC691D47-F90F-484F-9A5B-C8CAB42BB1E6}"/>
                 </a:ext>
               </a:extLst>
             </p:cNvPr>
@@ -27920,7 +27841,7 @@
           <p:cNvPr id="28" name="矩形 27">
             <a:extLst>
               <a:ext uri="{FF2B5EF4-FFF2-40B4-BE49-F238E27FC236}">
-                <a16:creationId xmlns:a16="http://schemas.microsoft.com/office/drawing/2014/main" xmlns="" id="{C3228FC7-7517-4F6C-A0FB-D12669DA905A}"/>
+                <a16:creationId xmlns:a16="http://schemas.microsoft.com/office/drawing/2014/main" id="{C3228FC7-7517-4F6C-A0FB-D12669DA905A}"/>
               </a:ext>
             </a:extLst>
           </p:cNvPr>
@@ -28006,7 +27927,7 @@
           <p:cNvPr id="29" name="矩形 28">
             <a:extLst>
               <a:ext uri="{FF2B5EF4-FFF2-40B4-BE49-F238E27FC236}">
-                <a16:creationId xmlns:a16="http://schemas.microsoft.com/office/drawing/2014/main" xmlns="" id="{93B42E65-9712-4D0C-859E-5821F50420B1}"/>
+                <a16:creationId xmlns:a16="http://schemas.microsoft.com/office/drawing/2014/main" id="{93B42E65-9712-4D0C-859E-5821F50420B1}"/>
               </a:ext>
             </a:extLst>
           </p:cNvPr>
@@ -28092,7 +28013,7 @@
           <p:cNvPr id="43" name="组合 42">
             <a:extLst>
               <a:ext uri="{FF2B5EF4-FFF2-40B4-BE49-F238E27FC236}">
-                <a16:creationId xmlns:a16="http://schemas.microsoft.com/office/drawing/2014/main" xmlns="" id="{52A436F5-50D6-4293-A4C6-08DAF2E52359}"/>
+                <a16:creationId xmlns:a16="http://schemas.microsoft.com/office/drawing/2014/main" id="{52A436F5-50D6-4293-A4C6-08DAF2E52359}"/>
               </a:ext>
             </a:extLst>
           </p:cNvPr>
@@ -28112,7 +28033,7 @@
             <p:cNvPr id="30" name="矩形 29">
               <a:extLst>
                 <a:ext uri="{FF2B5EF4-FFF2-40B4-BE49-F238E27FC236}">
-                  <a16:creationId xmlns:a16="http://schemas.microsoft.com/office/drawing/2014/main" xmlns="" id="{1844D071-709E-467D-BA21-106BCFF45091}"/>
+                  <a16:creationId xmlns:a16="http://schemas.microsoft.com/office/drawing/2014/main" id="{1844D071-709E-467D-BA21-106BCFF45091}"/>
                 </a:ext>
               </a:extLst>
             </p:cNvPr>
@@ -28197,7 +28118,7 @@
             <p:cNvPr id="31" name="矩形 30">
               <a:extLst>
                 <a:ext uri="{FF2B5EF4-FFF2-40B4-BE49-F238E27FC236}">
-                  <a16:creationId xmlns:a16="http://schemas.microsoft.com/office/drawing/2014/main" xmlns="" id="{A5710A9F-A876-4D75-AA0D-C83324DE78F9}"/>
+                  <a16:creationId xmlns:a16="http://schemas.microsoft.com/office/drawing/2014/main" id="{A5710A9F-A876-4D75-AA0D-C83324DE78F9}"/>
                 </a:ext>
               </a:extLst>
             </p:cNvPr>
@@ -28280,7 +28201,7 @@
             <p:cNvPr id="32" name="矩形 31">
               <a:extLst>
                 <a:ext uri="{FF2B5EF4-FFF2-40B4-BE49-F238E27FC236}">
-                  <a16:creationId xmlns:a16="http://schemas.microsoft.com/office/drawing/2014/main" xmlns="" id="{7849D0FE-4536-4B5E-B0D3-E63C708A2896}"/>
+                  <a16:creationId xmlns:a16="http://schemas.microsoft.com/office/drawing/2014/main" id="{7849D0FE-4536-4B5E-B0D3-E63C708A2896}"/>
                 </a:ext>
               </a:extLst>
             </p:cNvPr>
@@ -28363,7 +28284,7 @@
             <p:cNvPr id="34" name="矩形 33">
               <a:extLst>
                 <a:ext uri="{FF2B5EF4-FFF2-40B4-BE49-F238E27FC236}">
-                  <a16:creationId xmlns:a16="http://schemas.microsoft.com/office/drawing/2014/main" xmlns="" id="{1A8C6E46-B88E-4D5B-B6AB-1ED7ABECBCD6}"/>
+                  <a16:creationId xmlns:a16="http://schemas.microsoft.com/office/drawing/2014/main" id="{1A8C6E46-B88E-4D5B-B6AB-1ED7ABECBCD6}"/>
                 </a:ext>
               </a:extLst>
             </p:cNvPr>
@@ -28446,7 +28367,7 @@
             <p:cNvPr id="35" name="矩形 34">
               <a:extLst>
                 <a:ext uri="{FF2B5EF4-FFF2-40B4-BE49-F238E27FC236}">
-                  <a16:creationId xmlns:a16="http://schemas.microsoft.com/office/drawing/2014/main" xmlns="" id="{0412E809-5336-4F16-80A0-28CE3570691A}"/>
+                  <a16:creationId xmlns:a16="http://schemas.microsoft.com/office/drawing/2014/main" id="{0412E809-5336-4F16-80A0-28CE3570691A}"/>
                 </a:ext>
               </a:extLst>
             </p:cNvPr>
@@ -28529,7 +28450,7 @@
             <p:cNvPr id="36" name="矩形 35">
               <a:extLst>
                 <a:ext uri="{FF2B5EF4-FFF2-40B4-BE49-F238E27FC236}">
-                  <a16:creationId xmlns:a16="http://schemas.microsoft.com/office/drawing/2014/main" xmlns="" id="{D3EF0379-D946-4DC8-A815-36FCD9C33DA8}"/>
+                  <a16:creationId xmlns:a16="http://schemas.microsoft.com/office/drawing/2014/main" id="{D3EF0379-D946-4DC8-A815-36FCD9C33DA8}"/>
                 </a:ext>
               </a:extLst>
             </p:cNvPr>
@@ -28612,7 +28533,7 @@
             <p:cNvPr id="37" name="矩形 36">
               <a:extLst>
                 <a:ext uri="{FF2B5EF4-FFF2-40B4-BE49-F238E27FC236}">
-                  <a16:creationId xmlns:a16="http://schemas.microsoft.com/office/drawing/2014/main" xmlns="" id="{FD93C837-CA10-4F37-AB74-369FEA3AF6CC}"/>
+                  <a16:creationId xmlns:a16="http://schemas.microsoft.com/office/drawing/2014/main" id="{FD93C837-CA10-4F37-AB74-369FEA3AF6CC}"/>
                 </a:ext>
               </a:extLst>
             </p:cNvPr>
@@ -28696,7 +28617,7 @@
           <p:cNvPr id="25" name="矩形 24">
             <a:extLst>
               <a:ext uri="{FF2B5EF4-FFF2-40B4-BE49-F238E27FC236}">
-                <a16:creationId xmlns:a16="http://schemas.microsoft.com/office/drawing/2014/main" xmlns="" id="{DE8224BE-E431-44A4-A958-5F13F193530B}"/>
+                <a16:creationId xmlns:a16="http://schemas.microsoft.com/office/drawing/2014/main" id="{DE8224BE-E431-44A4-A958-5F13F193530B}"/>
               </a:ext>
             </a:extLst>
           </p:cNvPr>
@@ -28779,7 +28700,7 @@
           <p:cNvPr id="26" name="矩形 25">
             <a:extLst>
               <a:ext uri="{FF2B5EF4-FFF2-40B4-BE49-F238E27FC236}">
-                <a16:creationId xmlns:a16="http://schemas.microsoft.com/office/drawing/2014/main" xmlns="" id="{5CB60702-A2F6-42A6-ADA1-3332FDE8E3C5}"/>
+                <a16:creationId xmlns:a16="http://schemas.microsoft.com/office/drawing/2014/main" id="{5CB60702-A2F6-42A6-ADA1-3332FDE8E3C5}"/>
               </a:ext>
             </a:extLst>
           </p:cNvPr>
@@ -28862,7 +28783,7 @@
           <p:cNvPr id="27" name="矩形 26">
             <a:extLst>
               <a:ext uri="{FF2B5EF4-FFF2-40B4-BE49-F238E27FC236}">
-                <a16:creationId xmlns:a16="http://schemas.microsoft.com/office/drawing/2014/main" xmlns="" id="{C5F83B6D-D6C0-41EB-A5C2-D98DE55C581C}"/>
+                <a16:creationId xmlns:a16="http://schemas.microsoft.com/office/drawing/2014/main" id="{C5F83B6D-D6C0-41EB-A5C2-D98DE55C581C}"/>
               </a:ext>
             </a:extLst>
           </p:cNvPr>
@@ -28945,7 +28866,7 @@
           <p:cNvPr id="16" name="组合 15">
             <a:extLst>
               <a:ext uri="{FF2B5EF4-FFF2-40B4-BE49-F238E27FC236}">
-                <a16:creationId xmlns:a16="http://schemas.microsoft.com/office/drawing/2014/main" xmlns="" id="{3BE7EFFB-A4F9-45B4-9CA1-12BD2A66F772}"/>
+                <a16:creationId xmlns:a16="http://schemas.microsoft.com/office/drawing/2014/main" id="{3BE7EFFB-A4F9-45B4-9CA1-12BD2A66F772}"/>
               </a:ext>
             </a:extLst>
           </p:cNvPr>
@@ -28965,7 +28886,7 @@
             <p:cNvPr id="38" name="矩形 37">
               <a:extLst>
                 <a:ext uri="{FF2B5EF4-FFF2-40B4-BE49-F238E27FC236}">
-                  <a16:creationId xmlns:a16="http://schemas.microsoft.com/office/drawing/2014/main" xmlns="" id="{7E0E385B-C9CB-45EB-957F-6A3ED8281F4E}"/>
+                  <a16:creationId xmlns:a16="http://schemas.microsoft.com/office/drawing/2014/main" id="{7E0E385B-C9CB-45EB-957F-6A3ED8281F4E}"/>
                 </a:ext>
               </a:extLst>
             </p:cNvPr>
@@ -29051,7 +28972,7 @@
             <p:cNvPr id="39" name="矩形 38">
               <a:extLst>
                 <a:ext uri="{FF2B5EF4-FFF2-40B4-BE49-F238E27FC236}">
-                  <a16:creationId xmlns:a16="http://schemas.microsoft.com/office/drawing/2014/main" xmlns="" id="{A09B47C9-CCF7-43F5-8678-7956625AD8FA}"/>
+                  <a16:creationId xmlns:a16="http://schemas.microsoft.com/office/drawing/2014/main" id="{A09B47C9-CCF7-43F5-8678-7956625AD8FA}"/>
                 </a:ext>
               </a:extLst>
             </p:cNvPr>
@@ -29134,7 +29055,7 @@
           <p:cNvPr id="40" name="矩形 39">
             <a:extLst>
               <a:ext uri="{FF2B5EF4-FFF2-40B4-BE49-F238E27FC236}">
-                <a16:creationId xmlns:a16="http://schemas.microsoft.com/office/drawing/2014/main" xmlns="" id="{241FD328-10DF-438B-95F2-134F664D3EC4}"/>
+                <a16:creationId xmlns:a16="http://schemas.microsoft.com/office/drawing/2014/main" id="{241FD328-10DF-438B-95F2-134F664D3EC4}"/>
               </a:ext>
             </a:extLst>
           </p:cNvPr>
@@ -29220,7 +29141,7 @@
           <p:cNvPr id="41" name="矩形 40">
             <a:extLst>
               <a:ext uri="{FF2B5EF4-FFF2-40B4-BE49-F238E27FC236}">
-                <a16:creationId xmlns:a16="http://schemas.microsoft.com/office/drawing/2014/main" xmlns="" id="{ADC64CEE-EE3D-48EE-AE27-701D54A8081E}"/>
+                <a16:creationId xmlns:a16="http://schemas.microsoft.com/office/drawing/2014/main" id="{ADC64CEE-EE3D-48EE-AE27-701D54A8081E}"/>
               </a:ext>
             </a:extLst>
           </p:cNvPr>
@@ -29302,7 +29223,7 @@
           <p:cNvPr id="42" name="矩形 41">
             <a:extLst>
               <a:ext uri="{FF2B5EF4-FFF2-40B4-BE49-F238E27FC236}">
-                <a16:creationId xmlns:a16="http://schemas.microsoft.com/office/drawing/2014/main" xmlns="" id="{7A9CCA0A-C48D-4191-9857-941F99712992}"/>
+                <a16:creationId xmlns:a16="http://schemas.microsoft.com/office/drawing/2014/main" id="{7A9CCA0A-C48D-4191-9857-941F99712992}"/>
               </a:ext>
             </a:extLst>
           </p:cNvPr>
@@ -29384,7 +29305,7 @@
           <p:cNvPr id="44" name="矩形 43">
             <a:extLst>
               <a:ext uri="{FF2B5EF4-FFF2-40B4-BE49-F238E27FC236}">
-                <a16:creationId xmlns:a16="http://schemas.microsoft.com/office/drawing/2014/main" xmlns="" id="{BFC686FC-FAB7-45D9-9FFE-35355606F94C}"/>
+                <a16:creationId xmlns:a16="http://schemas.microsoft.com/office/drawing/2014/main" id="{BFC686FC-FAB7-45D9-9FFE-35355606F94C}"/>
               </a:ext>
             </a:extLst>
           </p:cNvPr>
@@ -29467,7 +29388,7 @@
           <p:cNvPr id="50" name="矩形 49">
             <a:extLst>
               <a:ext uri="{FF2B5EF4-FFF2-40B4-BE49-F238E27FC236}">
-                <a16:creationId xmlns:a16="http://schemas.microsoft.com/office/drawing/2014/main" xmlns="" id="{EECC3270-3E96-4C25-9584-6C567FBE9EDA}"/>
+                <a16:creationId xmlns:a16="http://schemas.microsoft.com/office/drawing/2014/main" id="{EECC3270-3E96-4C25-9584-6C567FBE9EDA}"/>
               </a:ext>
             </a:extLst>
           </p:cNvPr>
@@ -29550,7 +29471,7 @@
           <p:cNvPr id="51" name="矩形 50">
             <a:extLst>
               <a:ext uri="{FF2B5EF4-FFF2-40B4-BE49-F238E27FC236}">
-                <a16:creationId xmlns:a16="http://schemas.microsoft.com/office/drawing/2014/main" xmlns="" id="{A861480D-254B-4B0A-BF45-4CF182372CE4}"/>
+                <a16:creationId xmlns:a16="http://schemas.microsoft.com/office/drawing/2014/main" id="{A861480D-254B-4B0A-BF45-4CF182372CE4}"/>
               </a:ext>
             </a:extLst>
           </p:cNvPr>
@@ -29632,7 +29553,7 @@
           <p:cNvPr id="52" name="矩形 51">
             <a:extLst>
               <a:ext uri="{FF2B5EF4-FFF2-40B4-BE49-F238E27FC236}">
-                <a16:creationId xmlns:a16="http://schemas.microsoft.com/office/drawing/2014/main" xmlns="" id="{9C9EE6E6-7FF5-4769-9B9E-AEB8CC2B73F0}"/>
+                <a16:creationId xmlns:a16="http://schemas.microsoft.com/office/drawing/2014/main" id="{9C9EE6E6-7FF5-4769-9B9E-AEB8CC2B73F0}"/>
               </a:ext>
             </a:extLst>
           </p:cNvPr>
@@ -29714,7 +29635,7 @@
           <p:cNvPr id="47" name="矩形 46">
             <a:extLst>
               <a:ext uri="{FF2B5EF4-FFF2-40B4-BE49-F238E27FC236}">
-                <a16:creationId xmlns:a16="http://schemas.microsoft.com/office/drawing/2014/main" xmlns="" id="{D85F23D5-956C-422D-8EFC-EB16DF8F2CAB}"/>
+                <a16:creationId xmlns:a16="http://schemas.microsoft.com/office/drawing/2014/main" id="{D85F23D5-956C-422D-8EFC-EB16DF8F2CAB}"/>
               </a:ext>
             </a:extLst>
           </p:cNvPr>
@@ -29796,7 +29717,7 @@
           <p:cNvPr id="55" name="矩形 54">
             <a:extLst>
               <a:ext uri="{FF2B5EF4-FFF2-40B4-BE49-F238E27FC236}">
-                <a16:creationId xmlns:a16="http://schemas.microsoft.com/office/drawing/2014/main" xmlns="" id="{9AEC8B53-4DE5-443E-B121-745ACC275669}"/>
+                <a16:creationId xmlns:a16="http://schemas.microsoft.com/office/drawing/2014/main" id="{9AEC8B53-4DE5-443E-B121-745ACC275669}"/>
               </a:ext>
             </a:extLst>
           </p:cNvPr>
@@ -29879,7 +29800,7 @@
           <p:cNvPr id="58" name="矩形 57">
             <a:extLst>
               <a:ext uri="{FF2B5EF4-FFF2-40B4-BE49-F238E27FC236}">
-                <a16:creationId xmlns:a16="http://schemas.microsoft.com/office/drawing/2014/main" xmlns="" id="{DB08246A-FED9-4F7F-929D-C69328CAF093}"/>
+                <a16:creationId xmlns:a16="http://schemas.microsoft.com/office/drawing/2014/main" id="{DB08246A-FED9-4F7F-929D-C69328CAF093}"/>
               </a:ext>
             </a:extLst>
           </p:cNvPr>
@@ -29962,7 +29883,7 @@
           <p:cNvPr id="61" name="矩形 60">
             <a:extLst>
               <a:ext uri="{FF2B5EF4-FFF2-40B4-BE49-F238E27FC236}">
-                <a16:creationId xmlns:a16="http://schemas.microsoft.com/office/drawing/2014/main" xmlns="" id="{BF576FB0-6E39-482B-8A41-ACEF2B514B07}"/>
+                <a16:creationId xmlns:a16="http://schemas.microsoft.com/office/drawing/2014/main" id="{BF576FB0-6E39-482B-8A41-ACEF2B514B07}"/>
               </a:ext>
             </a:extLst>
           </p:cNvPr>
@@ -30048,7 +29969,7 @@
           <p:cNvPr id="2" name="矩形 1">
             <a:extLst>
               <a:ext uri="{FF2B5EF4-FFF2-40B4-BE49-F238E27FC236}">
-                <a16:creationId xmlns:a16="http://schemas.microsoft.com/office/drawing/2014/main" xmlns="" id="{630983EE-C103-4CE8-AC4C-AD1725C15C76}"/>
+                <a16:creationId xmlns:a16="http://schemas.microsoft.com/office/drawing/2014/main" id="{630983EE-C103-4CE8-AC4C-AD1725C15C76}"/>
               </a:ext>
             </a:extLst>
           </p:cNvPr>
@@ -30134,7 +30055,7 @@
           <p:cNvPr id="62" name="箭头: 下 61">
             <a:extLst>
               <a:ext uri="{FF2B5EF4-FFF2-40B4-BE49-F238E27FC236}">
-                <a16:creationId xmlns:a16="http://schemas.microsoft.com/office/drawing/2014/main" xmlns="" id="{E95A4067-EE73-4FB0-89A5-51CF0B1564BB}"/>
+                <a16:creationId xmlns:a16="http://schemas.microsoft.com/office/drawing/2014/main" id="{E95A4067-EE73-4FB0-89A5-51CF0B1564BB}"/>
               </a:ext>
             </a:extLst>
           </p:cNvPr>
@@ -30215,7 +30136,7 @@
           <p:cNvPr id="63" name="箭头: 下 62">
             <a:extLst>
               <a:ext uri="{FF2B5EF4-FFF2-40B4-BE49-F238E27FC236}">
-                <a16:creationId xmlns:a16="http://schemas.microsoft.com/office/drawing/2014/main" xmlns="" id="{06E93634-93B7-4965-9165-56231DD06581}"/>
+                <a16:creationId xmlns:a16="http://schemas.microsoft.com/office/drawing/2014/main" id="{06E93634-93B7-4965-9165-56231DD06581}"/>
               </a:ext>
             </a:extLst>
           </p:cNvPr>
@@ -30296,7 +30217,7 @@
           <p:cNvPr id="64" name="箭头: 下 63">
             <a:extLst>
               <a:ext uri="{FF2B5EF4-FFF2-40B4-BE49-F238E27FC236}">
-                <a16:creationId xmlns:a16="http://schemas.microsoft.com/office/drawing/2014/main" xmlns="" id="{41EA514F-CDB4-4152-B468-A48B7A30A1EC}"/>
+                <a16:creationId xmlns:a16="http://schemas.microsoft.com/office/drawing/2014/main" id="{41EA514F-CDB4-4152-B468-A48B7A30A1EC}"/>
               </a:ext>
             </a:extLst>
           </p:cNvPr>
@@ -30377,7 +30298,7 @@
           <p:cNvPr id="65" name="箭头: 下 64">
             <a:extLst>
               <a:ext uri="{FF2B5EF4-FFF2-40B4-BE49-F238E27FC236}">
-                <a16:creationId xmlns:a16="http://schemas.microsoft.com/office/drawing/2014/main" xmlns="" id="{1F783E23-CBB6-4B78-92FE-71D5AE0FE1E0}"/>
+                <a16:creationId xmlns:a16="http://schemas.microsoft.com/office/drawing/2014/main" id="{1F783E23-CBB6-4B78-92FE-71D5AE0FE1E0}"/>
               </a:ext>
             </a:extLst>
           </p:cNvPr>
@@ -30458,7 +30379,7 @@
           <p:cNvPr id="66" name="箭头: 下 65">
             <a:extLst>
               <a:ext uri="{FF2B5EF4-FFF2-40B4-BE49-F238E27FC236}">
-                <a16:creationId xmlns:a16="http://schemas.microsoft.com/office/drawing/2014/main" xmlns="" id="{7760058E-66F0-4E21-9904-58CB462F83AC}"/>
+                <a16:creationId xmlns:a16="http://schemas.microsoft.com/office/drawing/2014/main" id="{7760058E-66F0-4E21-9904-58CB462F83AC}"/>
               </a:ext>
             </a:extLst>
           </p:cNvPr>
@@ -30539,7 +30460,7 @@
           <p:cNvPr id="67" name="箭头: 下 66">
             <a:extLst>
               <a:ext uri="{FF2B5EF4-FFF2-40B4-BE49-F238E27FC236}">
-                <a16:creationId xmlns:a16="http://schemas.microsoft.com/office/drawing/2014/main" xmlns="" id="{35FDF795-75AB-45B5-BD54-548D211865D6}"/>
+                <a16:creationId xmlns:a16="http://schemas.microsoft.com/office/drawing/2014/main" id="{35FDF795-75AB-45B5-BD54-548D211865D6}"/>
               </a:ext>
             </a:extLst>
           </p:cNvPr>
@@ -30625,13 +30546,6 @@
   <p:clrMapOvr>
     <a:masterClrMapping/>
   </p:clrMapOvr>
-  <p:timing>
-    <p:tnLst>
-      <p:par>
-        <p:cTn id="1" dur="indefinite" restart="never" nodeType="tmRoot"/>
-      </p:par>
-    </p:tnLst>
-  </p:timing>
 </p:sld>
 </file>
 
@@ -30665,7 +30579,7 @@
           <p:cNvPr id="13" name="图片 12">
             <a:extLst>
               <a:ext uri="{FF2B5EF4-FFF2-40B4-BE49-F238E27FC236}">
-                <a16:creationId xmlns:a16="http://schemas.microsoft.com/office/drawing/2014/main" xmlns="" id="{589A1291-7292-4821-AB67-CA965504D9EE}"/>
+                <a16:creationId xmlns:a16="http://schemas.microsoft.com/office/drawing/2014/main" id="{589A1291-7292-4821-AB67-CA965504D9EE}"/>
               </a:ext>
             </a:extLst>
           </p:cNvPr>
@@ -30695,7 +30609,7 @@
           <p:cNvPr id="73" name="矩形 72">
             <a:extLst>
               <a:ext uri="{FF2B5EF4-FFF2-40B4-BE49-F238E27FC236}">
-                <a16:creationId xmlns:a16="http://schemas.microsoft.com/office/drawing/2014/main" xmlns="" id="{EBDD19A9-22D0-4D59-966B-38E1F1295E80}"/>
+                <a16:creationId xmlns:a16="http://schemas.microsoft.com/office/drawing/2014/main" id="{EBDD19A9-22D0-4D59-966B-38E1F1295E80}"/>
               </a:ext>
             </a:extLst>
           </p:cNvPr>
@@ -30757,7 +30671,7 @@
           <p:cNvPr id="72" name="矩形 71">
             <a:extLst>
               <a:ext uri="{FF2B5EF4-FFF2-40B4-BE49-F238E27FC236}">
-                <a16:creationId xmlns:a16="http://schemas.microsoft.com/office/drawing/2014/main" xmlns="" id="{890B8682-90F4-4603-8125-D809BF05DD60}"/>
+                <a16:creationId xmlns:a16="http://schemas.microsoft.com/office/drawing/2014/main" id="{890B8682-90F4-4603-8125-D809BF05DD60}"/>
               </a:ext>
             </a:extLst>
           </p:cNvPr>
@@ -30819,7 +30733,7 @@
           <p:cNvPr id="68" name="矩形 67">
             <a:extLst>
               <a:ext uri="{FF2B5EF4-FFF2-40B4-BE49-F238E27FC236}">
-                <a16:creationId xmlns:a16="http://schemas.microsoft.com/office/drawing/2014/main" xmlns="" id="{14AF8091-B8A2-4EB5-9DD0-B17248E85BB7}"/>
+                <a16:creationId xmlns:a16="http://schemas.microsoft.com/office/drawing/2014/main" id="{14AF8091-B8A2-4EB5-9DD0-B17248E85BB7}"/>
               </a:ext>
             </a:extLst>
           </p:cNvPr>
@@ -30881,7 +30795,7 @@
           <p:cNvPr id="2" name="矩形 1">
             <a:extLst>
               <a:ext uri="{FF2B5EF4-FFF2-40B4-BE49-F238E27FC236}">
-                <a16:creationId xmlns:a16="http://schemas.microsoft.com/office/drawing/2014/main" xmlns="" id="{332E84D8-8024-4FDA-9F4B-BB5A9C0A2254}"/>
+                <a16:creationId xmlns:a16="http://schemas.microsoft.com/office/drawing/2014/main" id="{332E84D8-8024-4FDA-9F4B-BB5A9C0A2254}"/>
               </a:ext>
             </a:extLst>
           </p:cNvPr>
@@ -30943,7 +30857,7 @@
           <p:cNvPr id="7" name="组合 6">
             <a:extLst>
               <a:ext uri="{FF2B5EF4-FFF2-40B4-BE49-F238E27FC236}">
-                <a16:creationId xmlns:a16="http://schemas.microsoft.com/office/drawing/2014/main" xmlns="" id="{6F881B38-20A9-4A12-ADA6-01CCDEB03420}"/>
+                <a16:creationId xmlns:a16="http://schemas.microsoft.com/office/drawing/2014/main" id="{6F881B38-20A9-4A12-ADA6-01CCDEB03420}"/>
               </a:ext>
             </a:extLst>
           </p:cNvPr>
@@ -30963,7 +30877,7 @@
             <p:cNvPr id="6" name="矩形 5">
               <a:extLst>
                 <a:ext uri="{FF2B5EF4-FFF2-40B4-BE49-F238E27FC236}">
-                  <a16:creationId xmlns:a16="http://schemas.microsoft.com/office/drawing/2014/main" xmlns="" id="{A386A15A-5F9B-4BA3-BCC1-585EFFE59218}"/>
+                  <a16:creationId xmlns:a16="http://schemas.microsoft.com/office/drawing/2014/main" id="{A386A15A-5F9B-4BA3-BCC1-585EFFE59218}"/>
                 </a:ext>
               </a:extLst>
             </p:cNvPr>
@@ -31064,7 +30978,7 @@
             <p:cNvPr id="9" name="矩形 8">
               <a:extLst>
                 <a:ext uri="{FF2B5EF4-FFF2-40B4-BE49-F238E27FC236}">
-                  <a16:creationId xmlns:a16="http://schemas.microsoft.com/office/drawing/2014/main" xmlns="" id="{3E99A3C3-F123-4FF2-9033-E191ED5E25AF}"/>
+                  <a16:creationId xmlns:a16="http://schemas.microsoft.com/office/drawing/2014/main" id="{3E99A3C3-F123-4FF2-9033-E191ED5E25AF}"/>
                 </a:ext>
               </a:extLst>
             </p:cNvPr>
@@ -31165,7 +31079,7 @@
             <p:cNvPr id="10" name="矩形 9">
               <a:extLst>
                 <a:ext uri="{FF2B5EF4-FFF2-40B4-BE49-F238E27FC236}">
-                  <a16:creationId xmlns:a16="http://schemas.microsoft.com/office/drawing/2014/main" xmlns="" id="{CD9AAC63-22E6-4C11-BB8F-6C41BE4A0758}"/>
+                  <a16:creationId xmlns:a16="http://schemas.microsoft.com/office/drawing/2014/main" id="{CD9AAC63-22E6-4C11-BB8F-6C41BE4A0758}"/>
                 </a:ext>
               </a:extLst>
             </p:cNvPr>
@@ -31266,7 +31180,7 @@
             <p:cNvPr id="11" name="矩形 10">
               <a:extLst>
                 <a:ext uri="{FF2B5EF4-FFF2-40B4-BE49-F238E27FC236}">
-                  <a16:creationId xmlns:a16="http://schemas.microsoft.com/office/drawing/2014/main" xmlns="" id="{4D705916-CF0A-49BB-9B4D-5440BA68F265}"/>
+                  <a16:creationId xmlns:a16="http://schemas.microsoft.com/office/drawing/2014/main" id="{4D705916-CF0A-49BB-9B4D-5440BA68F265}"/>
                 </a:ext>
               </a:extLst>
             </p:cNvPr>
@@ -31367,7 +31281,7 @@
             <p:cNvPr id="14" name="矩形 13">
               <a:extLst>
                 <a:ext uri="{FF2B5EF4-FFF2-40B4-BE49-F238E27FC236}">
-                  <a16:creationId xmlns:a16="http://schemas.microsoft.com/office/drawing/2014/main" xmlns="" id="{D15F4021-F124-4D68-9E6A-E8503A7AC19E}"/>
+                  <a16:creationId xmlns:a16="http://schemas.microsoft.com/office/drawing/2014/main" id="{D15F4021-F124-4D68-9E6A-E8503A7AC19E}"/>
                 </a:ext>
               </a:extLst>
             </p:cNvPr>
@@ -31468,7 +31382,7 @@
             <p:cNvPr id="15" name="矩形 14">
               <a:extLst>
                 <a:ext uri="{FF2B5EF4-FFF2-40B4-BE49-F238E27FC236}">
-                  <a16:creationId xmlns:a16="http://schemas.microsoft.com/office/drawing/2014/main" xmlns="" id="{88FE7BBA-F54B-4A91-AC28-176130902FD3}"/>
+                  <a16:creationId xmlns:a16="http://schemas.microsoft.com/office/drawing/2014/main" id="{88FE7BBA-F54B-4A91-AC28-176130902FD3}"/>
                 </a:ext>
               </a:extLst>
             </p:cNvPr>
@@ -31569,7 +31483,7 @@
             <p:cNvPr id="16" name="矩形 15">
               <a:extLst>
                 <a:ext uri="{FF2B5EF4-FFF2-40B4-BE49-F238E27FC236}">
-                  <a16:creationId xmlns:a16="http://schemas.microsoft.com/office/drawing/2014/main" xmlns="" id="{F83C6422-21AF-41C9-B264-72A8E479A140}"/>
+                  <a16:creationId xmlns:a16="http://schemas.microsoft.com/office/drawing/2014/main" id="{F83C6422-21AF-41C9-B264-72A8E479A140}"/>
                 </a:ext>
               </a:extLst>
             </p:cNvPr>
@@ -31670,7 +31584,7 @@
             <p:cNvPr id="17" name="矩形 16">
               <a:extLst>
                 <a:ext uri="{FF2B5EF4-FFF2-40B4-BE49-F238E27FC236}">
-                  <a16:creationId xmlns:a16="http://schemas.microsoft.com/office/drawing/2014/main" xmlns="" id="{326BEF46-B50D-4C03-9B17-615263E92CFF}"/>
+                  <a16:creationId xmlns:a16="http://schemas.microsoft.com/office/drawing/2014/main" id="{326BEF46-B50D-4C03-9B17-615263E92CFF}"/>
                 </a:ext>
               </a:extLst>
             </p:cNvPr>
@@ -31771,7 +31685,7 @@
             <p:cNvPr id="18" name="矩形 17">
               <a:extLst>
                 <a:ext uri="{FF2B5EF4-FFF2-40B4-BE49-F238E27FC236}">
-                  <a16:creationId xmlns:a16="http://schemas.microsoft.com/office/drawing/2014/main" xmlns="" id="{C8537B38-DD41-415D-90D4-84FB8BAACB05}"/>
+                  <a16:creationId xmlns:a16="http://schemas.microsoft.com/office/drawing/2014/main" id="{C8537B38-DD41-415D-90D4-84FB8BAACB05}"/>
                 </a:ext>
               </a:extLst>
             </p:cNvPr>
@@ -31870,7 +31784,7 @@
             <p:cNvPr id="19" name="矩形 18">
               <a:extLst>
                 <a:ext uri="{FF2B5EF4-FFF2-40B4-BE49-F238E27FC236}">
-                  <a16:creationId xmlns:a16="http://schemas.microsoft.com/office/drawing/2014/main" xmlns="" id="{6A98D2F5-02CE-4DA3-8822-1A704F782A48}"/>
+                  <a16:creationId xmlns:a16="http://schemas.microsoft.com/office/drawing/2014/main" id="{6A98D2F5-02CE-4DA3-8822-1A704F782A48}"/>
                 </a:ext>
               </a:extLst>
             </p:cNvPr>
@@ -31969,7 +31883,7 @@
             <p:cNvPr id="20" name="矩形 19">
               <a:extLst>
                 <a:ext uri="{FF2B5EF4-FFF2-40B4-BE49-F238E27FC236}">
-                  <a16:creationId xmlns:a16="http://schemas.microsoft.com/office/drawing/2014/main" xmlns="" id="{F5CFB9A8-58EF-4E7E-8DF3-2B8BB92699F5}"/>
+                  <a16:creationId xmlns:a16="http://schemas.microsoft.com/office/drawing/2014/main" id="{F5CFB9A8-58EF-4E7E-8DF3-2B8BB92699F5}"/>
                 </a:ext>
               </a:extLst>
             </p:cNvPr>
@@ -32068,7 +31982,7 @@
             <p:cNvPr id="21" name="矩形 20">
               <a:extLst>
                 <a:ext uri="{FF2B5EF4-FFF2-40B4-BE49-F238E27FC236}">
-                  <a16:creationId xmlns:a16="http://schemas.microsoft.com/office/drawing/2014/main" xmlns="" id="{24B0BFC6-8502-42E7-9129-39ADC878922E}"/>
+                  <a16:creationId xmlns:a16="http://schemas.microsoft.com/office/drawing/2014/main" id="{24B0BFC6-8502-42E7-9129-39ADC878922E}"/>
                 </a:ext>
               </a:extLst>
             </p:cNvPr>
@@ -32167,7 +32081,7 @@
             <p:cNvPr id="22" name="矩形 21">
               <a:extLst>
                 <a:ext uri="{FF2B5EF4-FFF2-40B4-BE49-F238E27FC236}">
-                  <a16:creationId xmlns:a16="http://schemas.microsoft.com/office/drawing/2014/main" xmlns="" id="{86899F1E-1F4B-4F34-BD45-0510D966DE9F}"/>
+                  <a16:creationId xmlns:a16="http://schemas.microsoft.com/office/drawing/2014/main" id="{86899F1E-1F4B-4F34-BD45-0510D966DE9F}"/>
                 </a:ext>
               </a:extLst>
             </p:cNvPr>
@@ -32266,7 +32180,7 @@
             <p:cNvPr id="23" name="矩形 22">
               <a:extLst>
                 <a:ext uri="{FF2B5EF4-FFF2-40B4-BE49-F238E27FC236}">
-                  <a16:creationId xmlns:a16="http://schemas.microsoft.com/office/drawing/2014/main" xmlns="" id="{C7A8EE07-920A-43F5-BCAC-F6CC1BFD1F2F}"/>
+                  <a16:creationId xmlns:a16="http://schemas.microsoft.com/office/drawing/2014/main" id="{C7A8EE07-920A-43F5-BCAC-F6CC1BFD1F2F}"/>
                 </a:ext>
               </a:extLst>
             </p:cNvPr>
@@ -32365,7 +32279,7 @@
             <p:cNvPr id="24" name="矩形 23">
               <a:extLst>
                 <a:ext uri="{FF2B5EF4-FFF2-40B4-BE49-F238E27FC236}">
-                  <a16:creationId xmlns:a16="http://schemas.microsoft.com/office/drawing/2014/main" xmlns="" id="{282F3E45-8569-4442-9B8C-7EF0E0581C3F}"/>
+                  <a16:creationId xmlns:a16="http://schemas.microsoft.com/office/drawing/2014/main" id="{282F3E45-8569-4442-9B8C-7EF0E0581C3F}"/>
                 </a:ext>
               </a:extLst>
             </p:cNvPr>
@@ -32464,7 +32378,7 @@
             <p:cNvPr id="25" name="矩形 24">
               <a:extLst>
                 <a:ext uri="{FF2B5EF4-FFF2-40B4-BE49-F238E27FC236}">
-                  <a16:creationId xmlns:a16="http://schemas.microsoft.com/office/drawing/2014/main" xmlns="" id="{21516026-1E3F-4382-AC3C-DB864A6CBB50}"/>
+                  <a16:creationId xmlns:a16="http://schemas.microsoft.com/office/drawing/2014/main" id="{21516026-1E3F-4382-AC3C-DB864A6CBB50}"/>
                 </a:ext>
               </a:extLst>
             </p:cNvPr>
@@ -32563,7 +32477,7 @@
             <p:cNvPr id="28" name="矩形 27">
               <a:extLst>
                 <a:ext uri="{FF2B5EF4-FFF2-40B4-BE49-F238E27FC236}">
-                  <a16:creationId xmlns:a16="http://schemas.microsoft.com/office/drawing/2014/main" xmlns="" id="{196379CB-00F0-489A-A80E-F3B0C8FDAE8F}"/>
+                  <a16:creationId xmlns:a16="http://schemas.microsoft.com/office/drawing/2014/main" id="{196379CB-00F0-489A-A80E-F3B0C8FDAE8F}"/>
                 </a:ext>
               </a:extLst>
             </p:cNvPr>
@@ -32646,7 +32560,7 @@
             <p:cNvPr id="29" name="矩形 28">
               <a:extLst>
                 <a:ext uri="{FF2B5EF4-FFF2-40B4-BE49-F238E27FC236}">
-                  <a16:creationId xmlns:a16="http://schemas.microsoft.com/office/drawing/2014/main" xmlns="" id="{54279F63-E7C3-4BDA-B066-9C0DB8739456}"/>
+                  <a16:creationId xmlns:a16="http://schemas.microsoft.com/office/drawing/2014/main" id="{54279F63-E7C3-4BDA-B066-9C0DB8739456}"/>
                 </a:ext>
               </a:extLst>
             </p:cNvPr>
@@ -32760,7 +32674,7 @@
           <p:cNvPr id="33" name="矩形 32">
             <a:extLst>
               <a:ext uri="{FF2B5EF4-FFF2-40B4-BE49-F238E27FC236}">
-                <a16:creationId xmlns:a16="http://schemas.microsoft.com/office/drawing/2014/main" xmlns="" id="{6AFA309D-5C50-43D1-A596-E0BC2C25253B}"/>
+                <a16:creationId xmlns:a16="http://schemas.microsoft.com/office/drawing/2014/main" id="{6AFA309D-5C50-43D1-A596-E0BC2C25253B}"/>
               </a:ext>
             </a:extLst>
           </p:cNvPr>
@@ -32846,7 +32760,7 @@
           <p:cNvPr id="34" name="矩形 33">
             <a:extLst>
               <a:ext uri="{FF2B5EF4-FFF2-40B4-BE49-F238E27FC236}">
-                <a16:creationId xmlns:a16="http://schemas.microsoft.com/office/drawing/2014/main" xmlns="" id="{793D7C60-D499-4CA6-8B24-FC786F1FA834}"/>
+                <a16:creationId xmlns:a16="http://schemas.microsoft.com/office/drawing/2014/main" id="{793D7C60-D499-4CA6-8B24-FC786F1FA834}"/>
               </a:ext>
             </a:extLst>
           </p:cNvPr>
@@ -32932,7 +32846,7 @@
           <p:cNvPr id="35" name="矩形 34">
             <a:extLst>
               <a:ext uri="{FF2B5EF4-FFF2-40B4-BE49-F238E27FC236}">
-                <a16:creationId xmlns:a16="http://schemas.microsoft.com/office/drawing/2014/main" xmlns="" id="{B85E290B-7822-4126-9B39-FA7BDEA6BF92}"/>
+                <a16:creationId xmlns:a16="http://schemas.microsoft.com/office/drawing/2014/main" id="{B85E290B-7822-4126-9B39-FA7BDEA6BF92}"/>
               </a:ext>
             </a:extLst>
           </p:cNvPr>
@@ -33015,7 +32929,7 @@
           <p:cNvPr id="12" name="组合 11">
             <a:extLst>
               <a:ext uri="{FF2B5EF4-FFF2-40B4-BE49-F238E27FC236}">
-                <a16:creationId xmlns:a16="http://schemas.microsoft.com/office/drawing/2014/main" xmlns="" id="{11E52334-A762-4898-A2CD-408F608525FB}"/>
+                <a16:creationId xmlns:a16="http://schemas.microsoft.com/office/drawing/2014/main" id="{11E52334-A762-4898-A2CD-408F608525FB}"/>
               </a:ext>
             </a:extLst>
           </p:cNvPr>
@@ -33035,7 +32949,7 @@
             <p:cNvPr id="36" name="矩形 35">
               <a:extLst>
                 <a:ext uri="{FF2B5EF4-FFF2-40B4-BE49-F238E27FC236}">
-                  <a16:creationId xmlns:a16="http://schemas.microsoft.com/office/drawing/2014/main" xmlns="" id="{D0CFF07E-5FE0-4E34-AB64-D9C61A327168}"/>
+                  <a16:creationId xmlns:a16="http://schemas.microsoft.com/office/drawing/2014/main" id="{D0CFF07E-5FE0-4E34-AB64-D9C61A327168}"/>
                 </a:ext>
               </a:extLst>
             </p:cNvPr>
@@ -33119,7 +33033,7 @@
             <p:cNvPr id="37" name="矩形 36">
               <a:extLst>
                 <a:ext uri="{FF2B5EF4-FFF2-40B4-BE49-F238E27FC236}">
-                  <a16:creationId xmlns:a16="http://schemas.microsoft.com/office/drawing/2014/main" xmlns="" id="{D212F51E-FD9B-4AF1-A56B-CDC07454E2D4}"/>
+                  <a16:creationId xmlns:a16="http://schemas.microsoft.com/office/drawing/2014/main" id="{D212F51E-FD9B-4AF1-A56B-CDC07454E2D4}"/>
                 </a:ext>
               </a:extLst>
             </p:cNvPr>
@@ -33203,7 +33117,7 @@
             <p:cNvPr id="38" name="矩形 37">
               <a:extLst>
                 <a:ext uri="{FF2B5EF4-FFF2-40B4-BE49-F238E27FC236}">
-                  <a16:creationId xmlns:a16="http://schemas.microsoft.com/office/drawing/2014/main" xmlns="" id="{C15E0F28-9B4D-4811-95C4-ED83F229A91F}"/>
+                  <a16:creationId xmlns:a16="http://schemas.microsoft.com/office/drawing/2014/main" id="{C15E0F28-9B4D-4811-95C4-ED83F229A91F}"/>
                 </a:ext>
               </a:extLst>
             </p:cNvPr>
@@ -33287,7 +33201,7 @@
             <p:cNvPr id="39" name="矩形 38">
               <a:extLst>
                 <a:ext uri="{FF2B5EF4-FFF2-40B4-BE49-F238E27FC236}">
-                  <a16:creationId xmlns:a16="http://schemas.microsoft.com/office/drawing/2014/main" xmlns="" id="{5D724567-2938-4B28-A303-2EA3B89A3D7E}"/>
+                  <a16:creationId xmlns:a16="http://schemas.microsoft.com/office/drawing/2014/main" id="{5D724567-2938-4B28-A303-2EA3B89A3D7E}"/>
                 </a:ext>
               </a:extLst>
             </p:cNvPr>
@@ -33371,7 +33285,7 @@
             <p:cNvPr id="40" name="矩形 39">
               <a:extLst>
                 <a:ext uri="{FF2B5EF4-FFF2-40B4-BE49-F238E27FC236}">
-                  <a16:creationId xmlns:a16="http://schemas.microsoft.com/office/drawing/2014/main" xmlns="" id="{1103C64E-9B1A-48B1-9C20-DD71CDCDF1B9}"/>
+                  <a16:creationId xmlns:a16="http://schemas.microsoft.com/office/drawing/2014/main" id="{1103C64E-9B1A-48B1-9C20-DD71CDCDF1B9}"/>
                 </a:ext>
               </a:extLst>
             </p:cNvPr>
@@ -33453,7 +33367,7 @@
             <p:cNvPr id="54" name="矩形 53">
               <a:extLst>
                 <a:ext uri="{FF2B5EF4-FFF2-40B4-BE49-F238E27FC236}">
-                  <a16:creationId xmlns:a16="http://schemas.microsoft.com/office/drawing/2014/main" xmlns="" id="{9D49C5B3-B9B9-4E5D-96E7-BCA6AC81BBD2}"/>
+                  <a16:creationId xmlns:a16="http://schemas.microsoft.com/office/drawing/2014/main" id="{9D49C5B3-B9B9-4E5D-96E7-BCA6AC81BBD2}"/>
                 </a:ext>
               </a:extLst>
             </p:cNvPr>
@@ -33536,7 +33450,7 @@
           <p:cNvPr id="8" name="组合 7">
             <a:extLst>
               <a:ext uri="{FF2B5EF4-FFF2-40B4-BE49-F238E27FC236}">
-                <a16:creationId xmlns:a16="http://schemas.microsoft.com/office/drawing/2014/main" xmlns="" id="{066A7DC7-8D21-45BC-B7FD-E06750333025}"/>
+                <a16:creationId xmlns:a16="http://schemas.microsoft.com/office/drawing/2014/main" id="{066A7DC7-8D21-45BC-B7FD-E06750333025}"/>
               </a:ext>
             </a:extLst>
           </p:cNvPr>
@@ -33556,7 +33470,7 @@
             <p:cNvPr id="50" name="矩形 49">
               <a:extLst>
                 <a:ext uri="{FF2B5EF4-FFF2-40B4-BE49-F238E27FC236}">
-                  <a16:creationId xmlns:a16="http://schemas.microsoft.com/office/drawing/2014/main" xmlns="" id="{19DB6B6F-F31D-4143-82A2-7BB87881649C}"/>
+                  <a16:creationId xmlns:a16="http://schemas.microsoft.com/office/drawing/2014/main" id="{19DB6B6F-F31D-4143-82A2-7BB87881649C}"/>
                 </a:ext>
               </a:extLst>
             </p:cNvPr>
@@ -33643,7 +33557,7 @@
             <p:cNvPr id="51" name="矩形 50">
               <a:extLst>
                 <a:ext uri="{FF2B5EF4-FFF2-40B4-BE49-F238E27FC236}">
-                  <a16:creationId xmlns:a16="http://schemas.microsoft.com/office/drawing/2014/main" xmlns="" id="{9BE59EDA-E5F6-4718-BF39-4526AA0545DB}"/>
+                  <a16:creationId xmlns:a16="http://schemas.microsoft.com/office/drawing/2014/main" id="{9BE59EDA-E5F6-4718-BF39-4526AA0545DB}"/>
                 </a:ext>
               </a:extLst>
             </p:cNvPr>
@@ -33730,7 +33644,7 @@
             <p:cNvPr id="52" name="矩形 51">
               <a:extLst>
                 <a:ext uri="{FF2B5EF4-FFF2-40B4-BE49-F238E27FC236}">
-                  <a16:creationId xmlns:a16="http://schemas.microsoft.com/office/drawing/2014/main" xmlns="" id="{2FFE4EB1-04FA-4138-8284-584701BFC934}"/>
+                  <a16:creationId xmlns:a16="http://schemas.microsoft.com/office/drawing/2014/main" id="{2FFE4EB1-04FA-4138-8284-584701BFC934}"/>
                 </a:ext>
               </a:extLst>
             </p:cNvPr>
@@ -33817,7 +33731,7 @@
             <p:cNvPr id="53" name="矩形 52">
               <a:extLst>
                 <a:ext uri="{FF2B5EF4-FFF2-40B4-BE49-F238E27FC236}">
-                  <a16:creationId xmlns:a16="http://schemas.microsoft.com/office/drawing/2014/main" xmlns="" id="{0F2672D2-E46D-4DE8-BDF8-403D94E531A1}"/>
+                  <a16:creationId xmlns:a16="http://schemas.microsoft.com/office/drawing/2014/main" id="{0F2672D2-E46D-4DE8-BDF8-403D94E531A1}"/>
                 </a:ext>
               </a:extLst>
             </p:cNvPr>
@@ -33904,7 +33818,7 @@
             <p:cNvPr id="56" name="矩形 55">
               <a:extLst>
                 <a:ext uri="{FF2B5EF4-FFF2-40B4-BE49-F238E27FC236}">
-                  <a16:creationId xmlns:a16="http://schemas.microsoft.com/office/drawing/2014/main" xmlns="" id="{198F0C3A-2D5A-4521-AAF3-94572EFBBAF7}"/>
+                  <a16:creationId xmlns:a16="http://schemas.microsoft.com/office/drawing/2014/main" id="{198F0C3A-2D5A-4521-AAF3-94572EFBBAF7}"/>
                 </a:ext>
               </a:extLst>
             </p:cNvPr>
@@ -33986,7 +33900,7 @@
             <p:cNvPr id="57" name="矩形 56">
               <a:extLst>
                 <a:ext uri="{FF2B5EF4-FFF2-40B4-BE49-F238E27FC236}">
-                  <a16:creationId xmlns:a16="http://schemas.microsoft.com/office/drawing/2014/main" xmlns="" id="{3B8C4DDA-1C04-4560-963B-97BA875063CA}"/>
+                  <a16:creationId xmlns:a16="http://schemas.microsoft.com/office/drawing/2014/main" id="{3B8C4DDA-1C04-4560-963B-97BA875063CA}"/>
                 </a:ext>
               </a:extLst>
             </p:cNvPr>
@@ -34071,7 +33985,7 @@
           <p:cNvPr id="58" name="箭头: 左右 57">
             <a:extLst>
               <a:ext uri="{FF2B5EF4-FFF2-40B4-BE49-F238E27FC236}">
-                <a16:creationId xmlns:a16="http://schemas.microsoft.com/office/drawing/2014/main" xmlns="" id="{E12A61E6-97AC-4252-911A-1786487757FB}"/>
+                <a16:creationId xmlns:a16="http://schemas.microsoft.com/office/drawing/2014/main" id="{E12A61E6-97AC-4252-911A-1786487757FB}"/>
               </a:ext>
             </a:extLst>
           </p:cNvPr>
@@ -34137,7 +34051,7 @@
           <p:cNvPr id="60" name="矩形: 圆角 59">
             <a:extLst>
               <a:ext uri="{FF2B5EF4-FFF2-40B4-BE49-F238E27FC236}">
-                <a16:creationId xmlns:a16="http://schemas.microsoft.com/office/drawing/2014/main" xmlns="" id="{242420FC-8F1C-4D49-806E-D2CA3921F524}"/>
+                <a16:creationId xmlns:a16="http://schemas.microsoft.com/office/drawing/2014/main" id="{242420FC-8F1C-4D49-806E-D2CA3921F524}"/>
               </a:ext>
             </a:extLst>
           </p:cNvPr>
@@ -34219,7 +34133,7 @@
           <p:cNvPr id="61" name="矩形: 圆角 60">
             <a:extLst>
               <a:ext uri="{FF2B5EF4-FFF2-40B4-BE49-F238E27FC236}">
-                <a16:creationId xmlns:a16="http://schemas.microsoft.com/office/drawing/2014/main" xmlns="" id="{EEB465BB-8003-4C17-935F-DEBE452F2531}"/>
+                <a16:creationId xmlns:a16="http://schemas.microsoft.com/office/drawing/2014/main" id="{EEB465BB-8003-4C17-935F-DEBE452F2531}"/>
               </a:ext>
             </a:extLst>
           </p:cNvPr>
@@ -34301,7 +34215,7 @@
           <p:cNvPr id="65" name="矩形 64">
             <a:extLst>
               <a:ext uri="{FF2B5EF4-FFF2-40B4-BE49-F238E27FC236}">
-                <a16:creationId xmlns:a16="http://schemas.microsoft.com/office/drawing/2014/main" xmlns="" id="{C8ED226B-CBBB-45AA-933D-795C8BE25F21}"/>
+                <a16:creationId xmlns:a16="http://schemas.microsoft.com/office/drawing/2014/main" id="{C8ED226B-CBBB-45AA-933D-795C8BE25F21}"/>
               </a:ext>
             </a:extLst>
           </p:cNvPr>
@@ -34384,7 +34298,7 @@
           <p:cNvPr id="83" name="箭头: 上下 82">
             <a:extLst>
               <a:ext uri="{FF2B5EF4-FFF2-40B4-BE49-F238E27FC236}">
-                <a16:creationId xmlns:a16="http://schemas.microsoft.com/office/drawing/2014/main" xmlns="" id="{BE3C3C08-06A8-4A64-853C-EAAEE5B5D00E}"/>
+                <a16:creationId xmlns:a16="http://schemas.microsoft.com/office/drawing/2014/main" id="{BE3C3C08-06A8-4A64-853C-EAAEE5B5D00E}"/>
               </a:ext>
             </a:extLst>
           </p:cNvPr>
@@ -34450,7 +34364,7 @@
           <p:cNvPr id="84" name="箭头: 上下 83">
             <a:extLst>
               <a:ext uri="{FF2B5EF4-FFF2-40B4-BE49-F238E27FC236}">
-                <a16:creationId xmlns:a16="http://schemas.microsoft.com/office/drawing/2014/main" xmlns="" id="{433B7CFF-6C38-4619-969D-FAC3BC1FB363}"/>
+                <a16:creationId xmlns:a16="http://schemas.microsoft.com/office/drawing/2014/main" id="{433B7CFF-6C38-4619-969D-FAC3BC1FB363}"/>
               </a:ext>
             </a:extLst>
           </p:cNvPr>
@@ -34516,7 +34430,7 @@
           <p:cNvPr id="85" name="箭头: 上下 84">
             <a:extLst>
               <a:ext uri="{FF2B5EF4-FFF2-40B4-BE49-F238E27FC236}">
-                <a16:creationId xmlns:a16="http://schemas.microsoft.com/office/drawing/2014/main" xmlns="" id="{B46BA1C0-39FB-484B-BC30-FE1B6D573F06}"/>
+                <a16:creationId xmlns:a16="http://schemas.microsoft.com/office/drawing/2014/main" id="{B46BA1C0-39FB-484B-BC30-FE1B6D573F06}"/>
               </a:ext>
             </a:extLst>
           </p:cNvPr>
@@ -34582,7 +34496,7 @@
           <p:cNvPr id="75" name="矩形 74">
             <a:extLst>
               <a:ext uri="{FF2B5EF4-FFF2-40B4-BE49-F238E27FC236}">
-                <a16:creationId xmlns:a16="http://schemas.microsoft.com/office/drawing/2014/main" xmlns="" id="{B8BA2738-1808-479B-8E56-A3990B7510C2}"/>
+                <a16:creationId xmlns:a16="http://schemas.microsoft.com/office/drawing/2014/main" id="{B8BA2738-1808-479B-8E56-A3990B7510C2}"/>
               </a:ext>
             </a:extLst>
           </p:cNvPr>
@@ -34668,7 +34582,7 @@
           <p:cNvPr id="74" name="矩形: 圆角 73">
             <a:extLst>
               <a:ext uri="{FF2B5EF4-FFF2-40B4-BE49-F238E27FC236}">
-                <a16:creationId xmlns:a16="http://schemas.microsoft.com/office/drawing/2014/main" xmlns="" id="{26D18594-C856-4746-9360-83B792CDA9AE}"/>
+                <a16:creationId xmlns:a16="http://schemas.microsoft.com/office/drawing/2014/main" id="{26D18594-C856-4746-9360-83B792CDA9AE}"/>
               </a:ext>
             </a:extLst>
           </p:cNvPr>
@@ -34750,7 +34664,7 @@
           <p:cNvPr id="90" name="矩形 89">
             <a:extLst>
               <a:ext uri="{FF2B5EF4-FFF2-40B4-BE49-F238E27FC236}">
-                <a16:creationId xmlns:a16="http://schemas.microsoft.com/office/drawing/2014/main" xmlns="" id="{F8D1CC00-C921-4BBE-A496-8F8C7C70284A}"/>
+                <a16:creationId xmlns:a16="http://schemas.microsoft.com/office/drawing/2014/main" id="{F8D1CC00-C921-4BBE-A496-8F8C7C70284A}"/>
               </a:ext>
             </a:extLst>
           </p:cNvPr>
@@ -34843,7 +34757,7 @@
           <p:cNvPr id="91" name="矩形 90">
             <a:extLst>
               <a:ext uri="{FF2B5EF4-FFF2-40B4-BE49-F238E27FC236}">
-                <a16:creationId xmlns:a16="http://schemas.microsoft.com/office/drawing/2014/main" xmlns="" id="{8C6FD714-178A-45C0-BB19-979C8AAD87BA}"/>
+                <a16:creationId xmlns:a16="http://schemas.microsoft.com/office/drawing/2014/main" id="{8C6FD714-178A-45C0-BB19-979C8AAD87BA}"/>
               </a:ext>
             </a:extLst>
           </p:cNvPr>
@@ -34936,7 +34850,7 @@
           <p:cNvPr id="100" name="流程图: 手动操作 99">
             <a:extLst>
               <a:ext uri="{FF2B5EF4-FFF2-40B4-BE49-F238E27FC236}">
-                <a16:creationId xmlns:a16="http://schemas.microsoft.com/office/drawing/2014/main" xmlns="" id="{9F366F83-CC1A-47DF-A252-2D88068EC3AE}"/>
+                <a16:creationId xmlns:a16="http://schemas.microsoft.com/office/drawing/2014/main" id="{9F366F83-CC1A-47DF-A252-2D88068EC3AE}"/>
               </a:ext>
             </a:extLst>
           </p:cNvPr>
@@ -35127,7 +35041,7 @@
           <p:cNvPr id="108" name="箭头: 上 107">
             <a:extLst>
               <a:ext uri="{FF2B5EF4-FFF2-40B4-BE49-F238E27FC236}">
-                <a16:creationId xmlns:a16="http://schemas.microsoft.com/office/drawing/2014/main" xmlns="" id="{C048A211-5DC8-4022-B240-5CCCA0345EDD}"/>
+                <a16:creationId xmlns:a16="http://schemas.microsoft.com/office/drawing/2014/main" id="{C048A211-5DC8-4022-B240-5CCCA0345EDD}"/>
               </a:ext>
             </a:extLst>
           </p:cNvPr>
@@ -35193,7 +35107,7 @@
           <p:cNvPr id="109" name="箭头: 下 108">
             <a:extLst>
               <a:ext uri="{FF2B5EF4-FFF2-40B4-BE49-F238E27FC236}">
-                <a16:creationId xmlns:a16="http://schemas.microsoft.com/office/drawing/2014/main" xmlns="" id="{D5F2E52A-0302-44B1-8BD6-F58759535053}"/>
+                <a16:creationId xmlns:a16="http://schemas.microsoft.com/office/drawing/2014/main" id="{D5F2E52A-0302-44B1-8BD6-F58759535053}"/>
               </a:ext>
             </a:extLst>
           </p:cNvPr>
@@ -35259,7 +35173,7 @@
           <p:cNvPr id="113" name="箭头: 左右 112">
             <a:extLst>
               <a:ext uri="{FF2B5EF4-FFF2-40B4-BE49-F238E27FC236}">
-                <a16:creationId xmlns:a16="http://schemas.microsoft.com/office/drawing/2014/main" xmlns="" id="{EABF82FD-4EF2-4AAD-A3DA-F423F4CB0634}"/>
+                <a16:creationId xmlns:a16="http://schemas.microsoft.com/office/drawing/2014/main" id="{EABF82FD-4EF2-4AAD-A3DA-F423F4CB0634}"/>
               </a:ext>
             </a:extLst>
           </p:cNvPr>
@@ -35325,7 +35239,7 @@
           <p:cNvPr id="115" name="矩形 114">
             <a:extLst>
               <a:ext uri="{FF2B5EF4-FFF2-40B4-BE49-F238E27FC236}">
-                <a16:creationId xmlns:a16="http://schemas.microsoft.com/office/drawing/2014/main" xmlns="" id="{D02B037E-AA53-4657-A98D-39E5D25299C3}"/>
+                <a16:creationId xmlns:a16="http://schemas.microsoft.com/office/drawing/2014/main" id="{D02B037E-AA53-4657-A98D-39E5D25299C3}"/>
               </a:ext>
             </a:extLst>
           </p:cNvPr>
@@ -35410,7 +35324,7 @@
           <p:cNvPr id="120" name="矩形: 圆角 119">
             <a:extLst>
               <a:ext uri="{FF2B5EF4-FFF2-40B4-BE49-F238E27FC236}">
-                <a16:creationId xmlns:a16="http://schemas.microsoft.com/office/drawing/2014/main" xmlns="" id="{5312EA20-2938-427C-BE63-AC328CD53EED}"/>
+                <a16:creationId xmlns:a16="http://schemas.microsoft.com/office/drawing/2014/main" id="{5312EA20-2938-427C-BE63-AC328CD53EED}"/>
               </a:ext>
             </a:extLst>
           </p:cNvPr>
@@ -35492,7 +35406,7 @@
           <p:cNvPr id="121" name="矩形 120">
             <a:extLst>
               <a:ext uri="{FF2B5EF4-FFF2-40B4-BE49-F238E27FC236}">
-                <a16:creationId xmlns:a16="http://schemas.microsoft.com/office/drawing/2014/main" xmlns="" id="{BC726E8D-D7DA-4E14-8CA4-036550EF5BBC}"/>
+                <a16:creationId xmlns:a16="http://schemas.microsoft.com/office/drawing/2014/main" id="{BC726E8D-D7DA-4E14-8CA4-036550EF5BBC}"/>
               </a:ext>
             </a:extLst>
           </p:cNvPr>
@@ -35587,7 +35501,7 @@
           <p:cNvPr id="66" name="矩形: 圆角 65">
             <a:extLst>
               <a:ext uri="{FF2B5EF4-FFF2-40B4-BE49-F238E27FC236}">
-                <a16:creationId xmlns:a16="http://schemas.microsoft.com/office/drawing/2014/main" xmlns="" id="{8553148D-D0BA-4B9E-9A86-C9BDAD45590D}"/>
+                <a16:creationId xmlns:a16="http://schemas.microsoft.com/office/drawing/2014/main" id="{8553148D-D0BA-4B9E-9A86-C9BDAD45590D}"/>
               </a:ext>
             </a:extLst>
           </p:cNvPr>
@@ -35669,7 +35583,7 @@
           <p:cNvPr id="3" name="箭头: 左 2">
             <a:extLst>
               <a:ext uri="{FF2B5EF4-FFF2-40B4-BE49-F238E27FC236}">
-                <a16:creationId xmlns:a16="http://schemas.microsoft.com/office/drawing/2014/main" xmlns="" id="{112087F4-E8B4-4846-A7F1-63BEE705214B}"/>
+                <a16:creationId xmlns:a16="http://schemas.microsoft.com/office/drawing/2014/main" id="{112087F4-E8B4-4846-A7F1-63BEE705214B}"/>
               </a:ext>
             </a:extLst>
           </p:cNvPr>
@@ -35735,7 +35649,7 @@
           <p:cNvPr id="4" name="箭头: 右 3">
             <a:extLst>
               <a:ext uri="{FF2B5EF4-FFF2-40B4-BE49-F238E27FC236}">
-                <a16:creationId xmlns:a16="http://schemas.microsoft.com/office/drawing/2014/main" xmlns="" id="{33708D42-4791-43B6-9374-379EAB75506A}"/>
+                <a16:creationId xmlns:a16="http://schemas.microsoft.com/office/drawing/2014/main" id="{33708D42-4791-43B6-9374-379EAB75506A}"/>
               </a:ext>
             </a:extLst>
           </p:cNvPr>
@@ -35801,7 +35715,7 @@
           <p:cNvPr id="67" name="箭头: 左右 66">
             <a:extLst>
               <a:ext uri="{FF2B5EF4-FFF2-40B4-BE49-F238E27FC236}">
-                <a16:creationId xmlns:a16="http://schemas.microsoft.com/office/drawing/2014/main" xmlns="" id="{3360D2D1-9468-4313-BF6F-54579157A362}"/>
+                <a16:creationId xmlns:a16="http://schemas.microsoft.com/office/drawing/2014/main" id="{3360D2D1-9468-4313-BF6F-54579157A362}"/>
               </a:ext>
             </a:extLst>
           </p:cNvPr>
@@ -35867,7 +35781,7 @@
           <p:cNvPr id="64" name="箭头: 左右 63">
             <a:extLst>
               <a:ext uri="{FF2B5EF4-FFF2-40B4-BE49-F238E27FC236}">
-                <a16:creationId xmlns:a16="http://schemas.microsoft.com/office/drawing/2014/main" xmlns="" id="{C1C8CEA3-416D-4621-9894-6C1AC101986C}"/>
+                <a16:creationId xmlns:a16="http://schemas.microsoft.com/office/drawing/2014/main" id="{C1C8CEA3-416D-4621-9894-6C1AC101986C}"/>
               </a:ext>
             </a:extLst>
           </p:cNvPr>
@@ -35933,7 +35847,7 @@
           <p:cNvPr id="122" name="箭头: 左右 121">
             <a:extLst>
               <a:ext uri="{FF2B5EF4-FFF2-40B4-BE49-F238E27FC236}">
-                <a16:creationId xmlns:a16="http://schemas.microsoft.com/office/drawing/2014/main" xmlns="" id="{56F305C2-687C-441C-A590-B8A47304B8E3}"/>
+                <a16:creationId xmlns:a16="http://schemas.microsoft.com/office/drawing/2014/main" id="{56F305C2-687C-441C-A590-B8A47304B8E3}"/>
               </a:ext>
             </a:extLst>
           </p:cNvPr>
@@ -35999,7 +35913,7 @@
           <p:cNvPr id="27" name="文本框 26">
             <a:extLst>
               <a:ext uri="{FF2B5EF4-FFF2-40B4-BE49-F238E27FC236}">
-                <a16:creationId xmlns:a16="http://schemas.microsoft.com/office/drawing/2014/main" xmlns="" id="{2454892D-403B-414E-9BBE-65384A46D4E0}"/>
+                <a16:creationId xmlns:a16="http://schemas.microsoft.com/office/drawing/2014/main" id="{2454892D-403B-414E-9BBE-65384A46D4E0}"/>
               </a:ext>
             </a:extLst>
           </p:cNvPr>
@@ -36040,7 +35954,7 @@
           <p:cNvPr id="30" name="图片 29">
             <a:extLst>
               <a:ext uri="{FF2B5EF4-FFF2-40B4-BE49-F238E27FC236}">
-                <a16:creationId xmlns:a16="http://schemas.microsoft.com/office/drawing/2014/main" xmlns="" id="{7E78692B-2C8A-4BB0-97D4-195545053F22}"/>
+                <a16:creationId xmlns:a16="http://schemas.microsoft.com/office/drawing/2014/main" id="{7E78692B-2C8A-4BB0-97D4-195545053F22}"/>
               </a:ext>
             </a:extLst>
           </p:cNvPr>
@@ -36075,13 +35989,6 @@
   <p:clrMapOvr>
     <a:masterClrMapping/>
   </p:clrMapOvr>
-  <p:timing>
-    <p:tnLst>
-      <p:par>
-        <p:cTn id="1" dur="indefinite" restart="never" nodeType="tmRoot"/>
-      </p:par>
-    </p:tnLst>
-  </p:timing>
 </p:sld>
 </file>
 
@@ -36107,7 +36014,7 @@
           <p:cNvPr id="9" name="图片 8">
             <a:extLst>
               <a:ext uri="{FF2B5EF4-FFF2-40B4-BE49-F238E27FC236}">
-                <a16:creationId xmlns:a16="http://schemas.microsoft.com/office/drawing/2014/main" xmlns="" id="{7510A3A7-C851-43D3-98A8-FFE191361C36}"/>
+                <a16:creationId xmlns:a16="http://schemas.microsoft.com/office/drawing/2014/main" id="{7510A3A7-C851-43D3-98A8-FFE191361C36}"/>
               </a:ext>
             </a:extLst>
           </p:cNvPr>
@@ -36137,7 +36044,7 @@
           <p:cNvPr id="8" name="图片 7">
             <a:extLst>
               <a:ext uri="{FF2B5EF4-FFF2-40B4-BE49-F238E27FC236}">
-                <a16:creationId xmlns:a16="http://schemas.microsoft.com/office/drawing/2014/main" xmlns="" id="{F3492AC4-256E-4133-956C-DCFFA33C79AF}"/>
+                <a16:creationId xmlns:a16="http://schemas.microsoft.com/office/drawing/2014/main" id="{F3492AC4-256E-4133-956C-DCFFA33C79AF}"/>
               </a:ext>
             </a:extLst>
           </p:cNvPr>
@@ -36167,7 +36074,7 @@
           <p:cNvPr id="11" name="文本框 10">
             <a:extLst>
               <a:ext uri="{FF2B5EF4-FFF2-40B4-BE49-F238E27FC236}">
-                <a16:creationId xmlns:a16="http://schemas.microsoft.com/office/drawing/2014/main" xmlns="" id="{B350BA85-0A2C-4CFF-8C0D-D2424F8A53C3}"/>
+                <a16:creationId xmlns:a16="http://schemas.microsoft.com/office/drawing/2014/main" id="{B350BA85-0A2C-4CFF-8C0D-D2424F8A53C3}"/>
               </a:ext>
             </a:extLst>
           </p:cNvPr>
@@ -36220,13 +36127,6 @@
   <p:clrMapOvr>
     <a:masterClrMapping/>
   </p:clrMapOvr>
-  <p:timing>
-    <p:tnLst>
-      <p:par>
-        <p:cTn id="1" dur="indefinite" restart="never" nodeType="tmRoot"/>
-      </p:par>
-    </p:tnLst>
-  </p:timing>
 </p:sld>
 </file>
 
@@ -36252,7 +36152,7 @@
           <p:cNvPr id="2" name="图片 1">
             <a:extLst>
               <a:ext uri="{FF2B5EF4-FFF2-40B4-BE49-F238E27FC236}">
-                <a16:creationId xmlns:a16="http://schemas.microsoft.com/office/drawing/2014/main" xmlns="" id="{354EA7B9-00CD-4D91-B75D-57F06411A398}"/>
+                <a16:creationId xmlns:a16="http://schemas.microsoft.com/office/drawing/2014/main" id="{354EA7B9-00CD-4D91-B75D-57F06411A398}"/>
               </a:ext>
             </a:extLst>
           </p:cNvPr>
@@ -36282,7 +36182,7 @@
           <p:cNvPr id="8" name="文本框 7">
             <a:extLst>
               <a:ext uri="{FF2B5EF4-FFF2-40B4-BE49-F238E27FC236}">
-                <a16:creationId xmlns:a16="http://schemas.microsoft.com/office/drawing/2014/main" xmlns="" id="{AE878B1C-A392-4CD5-82F4-C2AD9EF58FAF}"/>
+                <a16:creationId xmlns:a16="http://schemas.microsoft.com/office/drawing/2014/main" id="{AE878B1C-A392-4CD5-82F4-C2AD9EF58FAF}"/>
               </a:ext>
             </a:extLst>
           </p:cNvPr>
@@ -36335,13 +36235,6 @@
   <p:clrMapOvr>
     <a:masterClrMapping/>
   </p:clrMapOvr>
-  <p:timing>
-    <p:tnLst>
-      <p:par>
-        <p:cTn id="1" dur="indefinite" restart="never" nodeType="tmRoot"/>
-      </p:par>
-    </p:tnLst>
-  </p:timing>
 </p:sld>
 </file>
 
@@ -36367,7 +36260,7 @@
           <p:cNvPr id="112" name="矩形 111">
             <a:extLst>
               <a:ext uri="{FF2B5EF4-FFF2-40B4-BE49-F238E27FC236}">
-                <a16:creationId xmlns:a16="http://schemas.microsoft.com/office/drawing/2014/main" xmlns="" id="{D5872090-0FEB-4A5C-9D1A-DD68435F326D}"/>
+                <a16:creationId xmlns:a16="http://schemas.microsoft.com/office/drawing/2014/main" id="{D5872090-0FEB-4A5C-9D1A-DD68435F326D}"/>
               </a:ext>
             </a:extLst>
           </p:cNvPr>
@@ -36433,7 +36326,7 @@
           <p:cNvPr id="2" name="椭圆 1">
             <a:extLst>
               <a:ext uri="{FF2B5EF4-FFF2-40B4-BE49-F238E27FC236}">
-                <a16:creationId xmlns:a16="http://schemas.microsoft.com/office/drawing/2014/main" xmlns="" id="{6A656E47-5B0C-4CF1-92EA-E4E09B264CCA}"/>
+                <a16:creationId xmlns:a16="http://schemas.microsoft.com/office/drawing/2014/main" id="{6A656E47-5B0C-4CF1-92EA-E4E09B264CCA}"/>
               </a:ext>
             </a:extLst>
           </p:cNvPr>
@@ -36537,7 +36430,7 @@
           <p:cNvPr id="4" name="椭圆 3">
             <a:extLst>
               <a:ext uri="{FF2B5EF4-FFF2-40B4-BE49-F238E27FC236}">
-                <a16:creationId xmlns:a16="http://schemas.microsoft.com/office/drawing/2014/main" xmlns="" id="{1F77B260-C5E6-4E23-9599-517898A67507}"/>
+                <a16:creationId xmlns:a16="http://schemas.microsoft.com/office/drawing/2014/main" id="{1F77B260-C5E6-4E23-9599-517898A67507}"/>
               </a:ext>
             </a:extLst>
           </p:cNvPr>
@@ -36621,7 +36514,7 @@
           <p:cNvPr id="5" name="椭圆 4">
             <a:extLst>
               <a:ext uri="{FF2B5EF4-FFF2-40B4-BE49-F238E27FC236}">
-                <a16:creationId xmlns:a16="http://schemas.microsoft.com/office/drawing/2014/main" xmlns="" id="{7E82AA21-2B84-4D8D-BA6A-0A6BC41E8504}"/>
+                <a16:creationId xmlns:a16="http://schemas.microsoft.com/office/drawing/2014/main" id="{7E82AA21-2B84-4D8D-BA6A-0A6BC41E8504}"/>
               </a:ext>
             </a:extLst>
           </p:cNvPr>
@@ -36705,7 +36598,7 @@
           <p:cNvPr id="7" name="矩形 6">
             <a:extLst>
               <a:ext uri="{FF2B5EF4-FFF2-40B4-BE49-F238E27FC236}">
-                <a16:creationId xmlns:a16="http://schemas.microsoft.com/office/drawing/2014/main" xmlns="" id="{F27771C5-1B84-4236-A01C-F81AB8856998}"/>
+                <a16:creationId xmlns:a16="http://schemas.microsoft.com/office/drawing/2014/main" id="{F27771C5-1B84-4236-A01C-F81AB8856998}"/>
               </a:ext>
             </a:extLst>
           </p:cNvPr>
@@ -36787,7 +36680,7 @@
           <p:cNvPr id="11" name="直接箭头连接符 10">
             <a:extLst>
               <a:ext uri="{FF2B5EF4-FFF2-40B4-BE49-F238E27FC236}">
-                <a16:creationId xmlns:a16="http://schemas.microsoft.com/office/drawing/2014/main" xmlns="" id="{7037FCB7-40C2-4AB0-B274-F153968ADFA4}"/>
+                <a16:creationId xmlns:a16="http://schemas.microsoft.com/office/drawing/2014/main" id="{7037FCB7-40C2-4AB0-B274-F153968ADFA4}"/>
               </a:ext>
             </a:extLst>
           </p:cNvPr>
@@ -36831,7 +36724,7 @@
           <p:cNvPr id="12" name="直接箭头连接符 11">
             <a:extLst>
               <a:ext uri="{FF2B5EF4-FFF2-40B4-BE49-F238E27FC236}">
-                <a16:creationId xmlns:a16="http://schemas.microsoft.com/office/drawing/2014/main" xmlns="" id="{B8617612-73EE-4A55-AF58-D99DCFF986FA}"/>
+                <a16:creationId xmlns:a16="http://schemas.microsoft.com/office/drawing/2014/main" id="{B8617612-73EE-4A55-AF58-D99DCFF986FA}"/>
               </a:ext>
             </a:extLst>
           </p:cNvPr>
@@ -36873,7 +36766,7 @@
           <p:cNvPr id="13" name="直接箭头连接符 12">
             <a:extLst>
               <a:ext uri="{FF2B5EF4-FFF2-40B4-BE49-F238E27FC236}">
-                <a16:creationId xmlns:a16="http://schemas.microsoft.com/office/drawing/2014/main" xmlns="" id="{DD44F6A9-3FD4-4A8E-BD50-DCBAC1B99142}"/>
+                <a16:creationId xmlns:a16="http://schemas.microsoft.com/office/drawing/2014/main" id="{DD44F6A9-3FD4-4A8E-BD50-DCBAC1B99142}"/>
               </a:ext>
             </a:extLst>
           </p:cNvPr>
@@ -36917,7 +36810,7 @@
           <p:cNvPr id="14" name="直接箭头连接符 13">
             <a:extLst>
               <a:ext uri="{FF2B5EF4-FFF2-40B4-BE49-F238E27FC236}">
-                <a16:creationId xmlns:a16="http://schemas.microsoft.com/office/drawing/2014/main" xmlns="" id="{6A8CD398-EB9E-4B43-8288-926C2E2FDA86}"/>
+                <a16:creationId xmlns:a16="http://schemas.microsoft.com/office/drawing/2014/main" id="{6A8CD398-EB9E-4B43-8288-926C2E2FDA86}"/>
               </a:ext>
             </a:extLst>
           </p:cNvPr>
@@ -36961,7 +36854,7 @@
           <p:cNvPr id="18" name="文本框 17">
             <a:extLst>
               <a:ext uri="{FF2B5EF4-FFF2-40B4-BE49-F238E27FC236}">
-                <a16:creationId xmlns:a16="http://schemas.microsoft.com/office/drawing/2014/main" xmlns="" id="{9F34F090-76F7-47B7-AF5D-C07F166725D8}"/>
+                <a16:creationId xmlns:a16="http://schemas.microsoft.com/office/drawing/2014/main" id="{9F34F090-76F7-47B7-AF5D-C07F166725D8}"/>
               </a:ext>
             </a:extLst>
           </p:cNvPr>
@@ -37013,7 +36906,7 @@
           <p:cNvPr id="22" name="矩形: 圆角 21">
             <a:extLst>
               <a:ext uri="{FF2B5EF4-FFF2-40B4-BE49-F238E27FC236}">
-                <a16:creationId xmlns:a16="http://schemas.microsoft.com/office/drawing/2014/main" xmlns="" id="{52B5B1CC-C0D7-4DDB-893B-B203B5D24CC0}"/>
+                <a16:creationId xmlns:a16="http://schemas.microsoft.com/office/drawing/2014/main" id="{52B5B1CC-C0D7-4DDB-893B-B203B5D24CC0}"/>
               </a:ext>
             </a:extLst>
           </p:cNvPr>
@@ -37101,7 +36994,7 @@
           <p:cNvPr id="25" name="直接箭头连接符 24">
             <a:extLst>
               <a:ext uri="{FF2B5EF4-FFF2-40B4-BE49-F238E27FC236}">
-                <a16:creationId xmlns:a16="http://schemas.microsoft.com/office/drawing/2014/main" xmlns="" id="{8566303C-29E3-47C0-A0EC-3DE9E232CB61}"/>
+                <a16:creationId xmlns:a16="http://schemas.microsoft.com/office/drawing/2014/main" id="{8566303C-29E3-47C0-A0EC-3DE9E232CB61}"/>
               </a:ext>
             </a:extLst>
           </p:cNvPr>
@@ -37145,7 +37038,7 @@
           <p:cNvPr id="28" name="矩形 27">
             <a:extLst>
               <a:ext uri="{FF2B5EF4-FFF2-40B4-BE49-F238E27FC236}">
-                <a16:creationId xmlns:a16="http://schemas.microsoft.com/office/drawing/2014/main" xmlns="" id="{AD1A91F7-8226-4169-9B6A-850913931BC1}"/>
+                <a16:creationId xmlns:a16="http://schemas.microsoft.com/office/drawing/2014/main" id="{AD1A91F7-8226-4169-9B6A-850913931BC1}"/>
               </a:ext>
             </a:extLst>
           </p:cNvPr>
@@ -37236,7 +37129,7 @@
           <p:cNvPr id="43" name="直接箭头连接符 42">
             <a:extLst>
               <a:ext uri="{FF2B5EF4-FFF2-40B4-BE49-F238E27FC236}">
-                <a16:creationId xmlns:a16="http://schemas.microsoft.com/office/drawing/2014/main" xmlns="" id="{8686E443-0152-46EA-B2D8-56CB53D0912B}"/>
+                <a16:creationId xmlns:a16="http://schemas.microsoft.com/office/drawing/2014/main" id="{8686E443-0152-46EA-B2D8-56CB53D0912B}"/>
               </a:ext>
             </a:extLst>
           </p:cNvPr>
@@ -37280,7 +37173,7 @@
           <p:cNvPr id="45" name="文本框 44">
             <a:extLst>
               <a:ext uri="{FF2B5EF4-FFF2-40B4-BE49-F238E27FC236}">
-                <a16:creationId xmlns:a16="http://schemas.microsoft.com/office/drawing/2014/main" xmlns="" id="{ABA734B0-C165-4DC4-8DF6-DAA07F65493D}"/>
+                <a16:creationId xmlns:a16="http://schemas.microsoft.com/office/drawing/2014/main" id="{ABA734B0-C165-4DC4-8DF6-DAA07F65493D}"/>
               </a:ext>
             </a:extLst>
           </p:cNvPr>
@@ -37331,7 +37224,7 @@
           <p:cNvPr id="46" name="文本框 45">
             <a:extLst>
               <a:ext uri="{FF2B5EF4-FFF2-40B4-BE49-F238E27FC236}">
-                <a16:creationId xmlns:a16="http://schemas.microsoft.com/office/drawing/2014/main" xmlns="" id="{9D0C226D-49D1-4B90-B9E7-64DFCD2E3CF1}"/>
+                <a16:creationId xmlns:a16="http://schemas.microsoft.com/office/drawing/2014/main" id="{9D0C226D-49D1-4B90-B9E7-64DFCD2E3CF1}"/>
               </a:ext>
             </a:extLst>
           </p:cNvPr>
@@ -37382,7 +37275,7 @@
           <p:cNvPr id="48" name="矩形 47">
             <a:extLst>
               <a:ext uri="{FF2B5EF4-FFF2-40B4-BE49-F238E27FC236}">
-                <a16:creationId xmlns:a16="http://schemas.microsoft.com/office/drawing/2014/main" xmlns="" id="{44FDAC1E-4DA3-4A22-A124-599307B0CE44}"/>
+                <a16:creationId xmlns:a16="http://schemas.microsoft.com/office/drawing/2014/main" id="{44FDAC1E-4DA3-4A22-A124-599307B0CE44}"/>
               </a:ext>
             </a:extLst>
           </p:cNvPr>
@@ -37465,19 +37358,6 @@
               </a:rPr>
               <a:t>预警</a:t>
             </a:r>
-            <a:r>
-              <a:rPr lang="en-US" altLang="zh-CN" sz="1000" dirty="0">
-                <a:solidFill>
-                  <a:schemeClr val="tx1">
-                    <a:lumMod val="95000"/>
-                    <a:lumOff val="5000"/>
-                  </a:schemeClr>
-                </a:solidFill>
-                <a:latin typeface="微软雅黑" panose="020B0503020204020204" pitchFamily="34" charset="-122"/>
-                <a:ea typeface="微软雅黑" panose="020B0503020204020204" pitchFamily="34" charset="-122"/>
-              </a:rPr>
-              <a:t/>
-            </a:r>
             <a:br>
               <a:rPr lang="en-US" altLang="zh-CN" sz="1000" dirty="0">
                 <a:solidFill>
@@ -37511,7 +37391,7 @@
           <p:cNvPr id="54" name="流程图: 磁盘 53">
             <a:extLst>
               <a:ext uri="{FF2B5EF4-FFF2-40B4-BE49-F238E27FC236}">
-                <a16:creationId xmlns:a16="http://schemas.microsoft.com/office/drawing/2014/main" xmlns="" id="{C697787F-B82A-4049-A9EA-0AE5AEF6A8F4}"/>
+                <a16:creationId xmlns:a16="http://schemas.microsoft.com/office/drawing/2014/main" id="{C697787F-B82A-4049-A9EA-0AE5AEF6A8F4}"/>
               </a:ext>
             </a:extLst>
           </p:cNvPr>
@@ -37616,7 +37496,7 @@
           <p:cNvPr id="55" name="流程图: 磁盘 54">
             <a:extLst>
               <a:ext uri="{FF2B5EF4-FFF2-40B4-BE49-F238E27FC236}">
-                <a16:creationId xmlns:a16="http://schemas.microsoft.com/office/drawing/2014/main" xmlns="" id="{B9E88CFC-70F7-4B23-B7E9-F804B42F78A0}"/>
+                <a16:creationId xmlns:a16="http://schemas.microsoft.com/office/drawing/2014/main" id="{B9E88CFC-70F7-4B23-B7E9-F804B42F78A0}"/>
               </a:ext>
             </a:extLst>
           </p:cNvPr>
@@ -37721,7 +37601,7 @@
           <p:cNvPr id="64" name="流程图: 磁盘 63">
             <a:extLst>
               <a:ext uri="{FF2B5EF4-FFF2-40B4-BE49-F238E27FC236}">
-                <a16:creationId xmlns:a16="http://schemas.microsoft.com/office/drawing/2014/main" xmlns="" id="{7DED223A-C852-4F7C-83BD-34C3FA61B9EB}"/>
+                <a16:creationId xmlns:a16="http://schemas.microsoft.com/office/drawing/2014/main" id="{7DED223A-C852-4F7C-83BD-34C3FA61B9EB}"/>
               </a:ext>
             </a:extLst>
           </p:cNvPr>
@@ -37826,7 +37706,7 @@
           <p:cNvPr id="65" name="矩形 64">
             <a:extLst>
               <a:ext uri="{FF2B5EF4-FFF2-40B4-BE49-F238E27FC236}">
-                <a16:creationId xmlns:a16="http://schemas.microsoft.com/office/drawing/2014/main" xmlns="" id="{66CB2C96-093C-494F-A75B-F48D43DEFC43}"/>
+                <a16:creationId xmlns:a16="http://schemas.microsoft.com/office/drawing/2014/main" id="{66CB2C96-093C-494F-A75B-F48D43DEFC43}"/>
               </a:ext>
             </a:extLst>
           </p:cNvPr>
@@ -37908,7 +37788,7 @@
           <p:cNvPr id="67" name="直接箭头连接符 66">
             <a:extLst>
               <a:ext uri="{FF2B5EF4-FFF2-40B4-BE49-F238E27FC236}">
-                <a16:creationId xmlns:a16="http://schemas.microsoft.com/office/drawing/2014/main" xmlns="" id="{1EFEDA9B-B0F4-45CD-9722-8C793D87D46B}"/>
+                <a16:creationId xmlns:a16="http://schemas.microsoft.com/office/drawing/2014/main" id="{1EFEDA9B-B0F4-45CD-9722-8C793D87D46B}"/>
               </a:ext>
             </a:extLst>
           </p:cNvPr>
@@ -37955,7 +37835,7 @@
           <p:cNvPr id="69" name="矩形 68">
             <a:extLst>
               <a:ext uri="{FF2B5EF4-FFF2-40B4-BE49-F238E27FC236}">
-                <a16:creationId xmlns:a16="http://schemas.microsoft.com/office/drawing/2014/main" xmlns="" id="{101D1F6E-401B-4C1B-BB44-1B42C546D3EC}"/>
+                <a16:creationId xmlns:a16="http://schemas.microsoft.com/office/drawing/2014/main" id="{101D1F6E-401B-4C1B-BB44-1B42C546D3EC}"/>
               </a:ext>
             </a:extLst>
           </p:cNvPr>
@@ -38072,7 +37952,7 @@
           <p:cNvPr id="70" name="矩形 69">
             <a:extLst>
               <a:ext uri="{FF2B5EF4-FFF2-40B4-BE49-F238E27FC236}">
-                <a16:creationId xmlns:a16="http://schemas.microsoft.com/office/drawing/2014/main" xmlns="" id="{A961325B-C39D-4A9D-A669-EC5CA1DC728A}"/>
+                <a16:creationId xmlns:a16="http://schemas.microsoft.com/office/drawing/2014/main" id="{A961325B-C39D-4A9D-A669-EC5CA1DC728A}"/>
               </a:ext>
             </a:extLst>
           </p:cNvPr>
@@ -38154,7 +38034,7 @@
           <p:cNvPr id="74" name="文本框 73">
             <a:extLst>
               <a:ext uri="{FF2B5EF4-FFF2-40B4-BE49-F238E27FC236}">
-                <a16:creationId xmlns:a16="http://schemas.microsoft.com/office/drawing/2014/main" xmlns="" id="{1BE74985-1908-4B4A-9DF5-C5A308242E20}"/>
+                <a16:creationId xmlns:a16="http://schemas.microsoft.com/office/drawing/2014/main" id="{1BE74985-1908-4B4A-9DF5-C5A308242E20}"/>
               </a:ext>
             </a:extLst>
           </p:cNvPr>
@@ -38218,7 +38098,7 @@
           <p:cNvPr id="75" name="文本框 74">
             <a:extLst>
               <a:ext uri="{FF2B5EF4-FFF2-40B4-BE49-F238E27FC236}">
-                <a16:creationId xmlns:a16="http://schemas.microsoft.com/office/drawing/2014/main" xmlns="" id="{9FA9C9C6-986E-43F3-BF58-C7D5B8FD1D98}"/>
+                <a16:creationId xmlns:a16="http://schemas.microsoft.com/office/drawing/2014/main" id="{9FA9C9C6-986E-43F3-BF58-C7D5B8FD1D98}"/>
               </a:ext>
             </a:extLst>
           </p:cNvPr>
@@ -38282,7 +38162,7 @@
           <p:cNvPr id="79" name="文本框 78">
             <a:extLst>
               <a:ext uri="{FF2B5EF4-FFF2-40B4-BE49-F238E27FC236}">
-                <a16:creationId xmlns:a16="http://schemas.microsoft.com/office/drawing/2014/main" xmlns="" id="{90879291-CAFB-471A-AECB-137936CD8E2A}"/>
+                <a16:creationId xmlns:a16="http://schemas.microsoft.com/office/drawing/2014/main" id="{90879291-CAFB-471A-AECB-137936CD8E2A}"/>
               </a:ext>
             </a:extLst>
           </p:cNvPr>
@@ -38351,7 +38231,7 @@
           <p:cNvPr id="80" name="矩形 79">
             <a:extLst>
               <a:ext uri="{FF2B5EF4-FFF2-40B4-BE49-F238E27FC236}">
-                <a16:creationId xmlns:a16="http://schemas.microsoft.com/office/drawing/2014/main" xmlns="" id="{2EF9596E-D3BC-4966-9AA8-5A26A84F44BE}"/>
+                <a16:creationId xmlns:a16="http://schemas.microsoft.com/office/drawing/2014/main" id="{2EF9596E-D3BC-4966-9AA8-5A26A84F44BE}"/>
               </a:ext>
             </a:extLst>
           </p:cNvPr>
@@ -38444,7 +38324,7 @@
           <p:cNvPr id="81" name="直接箭头连接符 80">
             <a:extLst>
               <a:ext uri="{FF2B5EF4-FFF2-40B4-BE49-F238E27FC236}">
-                <a16:creationId xmlns:a16="http://schemas.microsoft.com/office/drawing/2014/main" xmlns="" id="{AC984A70-9125-453D-8BF2-8A8EE919C93A}"/>
+                <a16:creationId xmlns:a16="http://schemas.microsoft.com/office/drawing/2014/main" id="{AC984A70-9125-453D-8BF2-8A8EE919C93A}"/>
               </a:ext>
             </a:extLst>
           </p:cNvPr>
@@ -38491,7 +38371,7 @@
           <p:cNvPr id="83" name="直接箭头连接符 82">
             <a:extLst>
               <a:ext uri="{FF2B5EF4-FFF2-40B4-BE49-F238E27FC236}">
-                <a16:creationId xmlns:a16="http://schemas.microsoft.com/office/drawing/2014/main" xmlns="" id="{CAE32E8A-F9DD-421E-ACF3-C6D44B6FE9F1}"/>
+                <a16:creationId xmlns:a16="http://schemas.microsoft.com/office/drawing/2014/main" id="{CAE32E8A-F9DD-421E-ACF3-C6D44B6FE9F1}"/>
               </a:ext>
             </a:extLst>
           </p:cNvPr>
@@ -38538,7 +38418,7 @@
           <p:cNvPr id="84" name="直接箭头连接符 83">
             <a:extLst>
               <a:ext uri="{FF2B5EF4-FFF2-40B4-BE49-F238E27FC236}">
-                <a16:creationId xmlns:a16="http://schemas.microsoft.com/office/drawing/2014/main" xmlns="" id="{D66E8F0B-2845-47FC-903E-F4BF5CBD7E63}"/>
+                <a16:creationId xmlns:a16="http://schemas.microsoft.com/office/drawing/2014/main" id="{D66E8F0B-2845-47FC-903E-F4BF5CBD7E63}"/>
               </a:ext>
             </a:extLst>
           </p:cNvPr>
@@ -38585,7 +38465,7 @@
           <p:cNvPr id="85" name="矩形 84">
             <a:extLst>
               <a:ext uri="{FF2B5EF4-FFF2-40B4-BE49-F238E27FC236}">
-                <a16:creationId xmlns:a16="http://schemas.microsoft.com/office/drawing/2014/main" xmlns="" id="{3EF3EA31-4269-4437-BBE4-152BF8ECF027}"/>
+                <a16:creationId xmlns:a16="http://schemas.microsoft.com/office/drawing/2014/main" id="{3EF3EA31-4269-4437-BBE4-152BF8ECF027}"/>
               </a:ext>
             </a:extLst>
           </p:cNvPr>
@@ -38676,7 +38556,7 @@
           <p:cNvPr id="86" name="矩形 85">
             <a:extLst>
               <a:ext uri="{FF2B5EF4-FFF2-40B4-BE49-F238E27FC236}">
-                <a16:creationId xmlns:a16="http://schemas.microsoft.com/office/drawing/2014/main" xmlns="" id="{0C3AA0C6-5F6E-4953-9714-A298ACF1827B}"/>
+                <a16:creationId xmlns:a16="http://schemas.microsoft.com/office/drawing/2014/main" id="{0C3AA0C6-5F6E-4953-9714-A298ACF1827B}"/>
               </a:ext>
             </a:extLst>
           </p:cNvPr>
@@ -38767,7 +38647,7 @@
           <p:cNvPr id="89" name="椭圆 88">
             <a:extLst>
               <a:ext uri="{FF2B5EF4-FFF2-40B4-BE49-F238E27FC236}">
-                <a16:creationId xmlns:a16="http://schemas.microsoft.com/office/drawing/2014/main" xmlns="" id="{BA18401B-1558-4DCF-BBB9-87C166F6F81C}"/>
+                <a16:creationId xmlns:a16="http://schemas.microsoft.com/office/drawing/2014/main" id="{BA18401B-1558-4DCF-BBB9-87C166F6F81C}"/>
               </a:ext>
             </a:extLst>
           </p:cNvPr>
@@ -38851,7 +38731,7 @@
           <p:cNvPr id="104" name="文本框 103">
             <a:extLst>
               <a:ext uri="{FF2B5EF4-FFF2-40B4-BE49-F238E27FC236}">
-                <a16:creationId xmlns:a16="http://schemas.microsoft.com/office/drawing/2014/main" xmlns="" id="{2C75D098-CF4B-4544-86F3-BA3D1CCDB52F}"/>
+                <a16:creationId xmlns:a16="http://schemas.microsoft.com/office/drawing/2014/main" id="{2C75D098-CF4B-4544-86F3-BA3D1CCDB52F}"/>
               </a:ext>
             </a:extLst>
           </p:cNvPr>
@@ -38897,7 +38777,7 @@
           <p:cNvPr id="105" name="文本框 104">
             <a:extLst>
               <a:ext uri="{FF2B5EF4-FFF2-40B4-BE49-F238E27FC236}">
-                <a16:creationId xmlns:a16="http://schemas.microsoft.com/office/drawing/2014/main" xmlns="" id="{BFB67D13-D4E3-4EC1-831B-C717768EEAB5}"/>
+                <a16:creationId xmlns:a16="http://schemas.microsoft.com/office/drawing/2014/main" id="{BFB67D13-D4E3-4EC1-831B-C717768EEAB5}"/>
               </a:ext>
             </a:extLst>
           </p:cNvPr>
@@ -38943,7 +38823,7 @@
           <p:cNvPr id="118" name="文本框 117">
             <a:extLst>
               <a:ext uri="{FF2B5EF4-FFF2-40B4-BE49-F238E27FC236}">
-                <a16:creationId xmlns:a16="http://schemas.microsoft.com/office/drawing/2014/main" xmlns="" id="{1BF4EF80-61CE-4308-8D88-CBDCC15D55E5}"/>
+                <a16:creationId xmlns:a16="http://schemas.microsoft.com/office/drawing/2014/main" id="{1BF4EF80-61CE-4308-8D88-CBDCC15D55E5}"/>
               </a:ext>
             </a:extLst>
           </p:cNvPr>
@@ -38987,7 +38867,7 @@
           <p:cNvPr id="124" name="文本框 123">
             <a:extLst>
               <a:ext uri="{FF2B5EF4-FFF2-40B4-BE49-F238E27FC236}">
-                <a16:creationId xmlns:a16="http://schemas.microsoft.com/office/drawing/2014/main" xmlns="" id="{DB5095C2-FE02-472C-BB20-CAF2AB19B7E0}"/>
+                <a16:creationId xmlns:a16="http://schemas.microsoft.com/office/drawing/2014/main" id="{DB5095C2-FE02-472C-BB20-CAF2AB19B7E0}"/>
               </a:ext>
             </a:extLst>
           </p:cNvPr>
@@ -39033,7 +38913,7 @@
           <p:cNvPr id="125" name="文本框 124">
             <a:extLst>
               <a:ext uri="{FF2B5EF4-FFF2-40B4-BE49-F238E27FC236}">
-                <a16:creationId xmlns:a16="http://schemas.microsoft.com/office/drawing/2014/main" xmlns="" id="{EAD118E6-9001-4784-B94A-DD75ADC53669}"/>
+                <a16:creationId xmlns:a16="http://schemas.microsoft.com/office/drawing/2014/main" id="{EAD118E6-9001-4784-B94A-DD75ADC53669}"/>
               </a:ext>
             </a:extLst>
           </p:cNvPr>
@@ -39079,7 +38959,7 @@
           <p:cNvPr id="126" name="文本框 125">
             <a:extLst>
               <a:ext uri="{FF2B5EF4-FFF2-40B4-BE49-F238E27FC236}">
-                <a16:creationId xmlns:a16="http://schemas.microsoft.com/office/drawing/2014/main" xmlns="" id="{890E7271-2C2C-4A99-BD23-D232F24D8930}"/>
+                <a16:creationId xmlns:a16="http://schemas.microsoft.com/office/drawing/2014/main" id="{890E7271-2C2C-4A99-BD23-D232F24D8930}"/>
               </a:ext>
             </a:extLst>
           </p:cNvPr>
@@ -39125,7 +39005,7 @@
           <p:cNvPr id="127" name="文本框 126">
             <a:extLst>
               <a:ext uri="{FF2B5EF4-FFF2-40B4-BE49-F238E27FC236}">
-                <a16:creationId xmlns:a16="http://schemas.microsoft.com/office/drawing/2014/main" xmlns="" id="{F5F59C99-5FDB-45D5-A522-88D55AF495CC}"/>
+                <a16:creationId xmlns:a16="http://schemas.microsoft.com/office/drawing/2014/main" id="{F5F59C99-5FDB-45D5-A522-88D55AF495CC}"/>
               </a:ext>
             </a:extLst>
           </p:cNvPr>
@@ -39171,7 +39051,7 @@
           <p:cNvPr id="128" name="文本框 127">
             <a:extLst>
               <a:ext uri="{FF2B5EF4-FFF2-40B4-BE49-F238E27FC236}">
-                <a16:creationId xmlns:a16="http://schemas.microsoft.com/office/drawing/2014/main" xmlns="" id="{403C508F-29F1-43AB-80BE-2B7079FA1A6E}"/>
+                <a16:creationId xmlns:a16="http://schemas.microsoft.com/office/drawing/2014/main" id="{403C508F-29F1-43AB-80BE-2B7079FA1A6E}"/>
               </a:ext>
             </a:extLst>
           </p:cNvPr>
@@ -39217,7 +39097,7 @@
           <p:cNvPr id="129" name="文本框 128">
             <a:extLst>
               <a:ext uri="{FF2B5EF4-FFF2-40B4-BE49-F238E27FC236}">
-                <a16:creationId xmlns:a16="http://schemas.microsoft.com/office/drawing/2014/main" xmlns="" id="{729FCDD8-944C-40D5-A3FE-B9BEEC8A33B5}"/>
+                <a16:creationId xmlns:a16="http://schemas.microsoft.com/office/drawing/2014/main" id="{729FCDD8-944C-40D5-A3FE-B9BEEC8A33B5}"/>
               </a:ext>
             </a:extLst>
           </p:cNvPr>
@@ -39263,7 +39143,7 @@
           <p:cNvPr id="130" name="文本框 129">
             <a:extLst>
               <a:ext uri="{FF2B5EF4-FFF2-40B4-BE49-F238E27FC236}">
-                <a16:creationId xmlns:a16="http://schemas.microsoft.com/office/drawing/2014/main" xmlns="" id="{FA9DC28F-FF72-44C7-9E15-6840128801ED}"/>
+                <a16:creationId xmlns:a16="http://schemas.microsoft.com/office/drawing/2014/main" id="{FA9DC28F-FF72-44C7-9E15-6840128801ED}"/>
               </a:ext>
             </a:extLst>
           </p:cNvPr>
@@ -39309,7 +39189,7 @@
           <p:cNvPr id="131" name="文本框 130">
             <a:extLst>
               <a:ext uri="{FF2B5EF4-FFF2-40B4-BE49-F238E27FC236}">
-                <a16:creationId xmlns:a16="http://schemas.microsoft.com/office/drawing/2014/main" xmlns="" id="{9B354637-06BC-4F42-B01A-F0C11C655CF0}"/>
+                <a16:creationId xmlns:a16="http://schemas.microsoft.com/office/drawing/2014/main" id="{9B354637-06BC-4F42-B01A-F0C11C655CF0}"/>
               </a:ext>
             </a:extLst>
           </p:cNvPr>
@@ -39355,7 +39235,7 @@
           <p:cNvPr id="139" name="椭圆 138">
             <a:extLst>
               <a:ext uri="{FF2B5EF4-FFF2-40B4-BE49-F238E27FC236}">
-                <a16:creationId xmlns:a16="http://schemas.microsoft.com/office/drawing/2014/main" xmlns="" id="{E8FAAEFE-39C7-49AA-949C-3A9A9FAFC4D2}"/>
+                <a16:creationId xmlns:a16="http://schemas.microsoft.com/office/drawing/2014/main" id="{E8FAAEFE-39C7-49AA-949C-3A9A9FAFC4D2}"/>
               </a:ext>
             </a:extLst>
           </p:cNvPr>
@@ -39443,7 +39323,7 @@
           <p:cNvPr id="68" name="矩形 67">
             <a:extLst>
               <a:ext uri="{FF2B5EF4-FFF2-40B4-BE49-F238E27FC236}">
-                <a16:creationId xmlns:a16="http://schemas.microsoft.com/office/drawing/2014/main" xmlns="" id="{DEB85272-3ACB-4DBD-B1AD-60CBDFC9D583}"/>
+                <a16:creationId xmlns:a16="http://schemas.microsoft.com/office/drawing/2014/main" id="{DEB85272-3ACB-4DBD-B1AD-60CBDFC9D583}"/>
               </a:ext>
             </a:extLst>
           </p:cNvPr>
@@ -39560,7 +39440,7 @@
           <p:cNvPr id="82" name="直接箭头连接符 81">
             <a:extLst>
               <a:ext uri="{FF2B5EF4-FFF2-40B4-BE49-F238E27FC236}">
-                <a16:creationId xmlns:a16="http://schemas.microsoft.com/office/drawing/2014/main" xmlns="" id="{8C577175-DD3A-4AA8-A17C-D6CDD3424CAB}"/>
+                <a16:creationId xmlns:a16="http://schemas.microsoft.com/office/drawing/2014/main" id="{8C577175-DD3A-4AA8-A17C-D6CDD3424CAB}"/>
               </a:ext>
             </a:extLst>
           </p:cNvPr>
@@ -39607,7 +39487,7 @@
           <p:cNvPr id="87" name="直接箭头连接符 86">
             <a:extLst>
               <a:ext uri="{FF2B5EF4-FFF2-40B4-BE49-F238E27FC236}">
-                <a16:creationId xmlns:a16="http://schemas.microsoft.com/office/drawing/2014/main" xmlns="" id="{91F59492-A527-4F51-BAC8-E41D67D52790}"/>
+                <a16:creationId xmlns:a16="http://schemas.microsoft.com/office/drawing/2014/main" id="{91F59492-A527-4F51-BAC8-E41D67D52790}"/>
               </a:ext>
             </a:extLst>
           </p:cNvPr>
@@ -39654,7 +39534,7 @@
           <p:cNvPr id="88" name="直接箭头连接符 87">
             <a:extLst>
               <a:ext uri="{FF2B5EF4-FFF2-40B4-BE49-F238E27FC236}">
-                <a16:creationId xmlns:a16="http://schemas.microsoft.com/office/drawing/2014/main" xmlns="" id="{93D9D77F-6708-44D2-8B90-BB245FB45C46}"/>
+                <a16:creationId xmlns:a16="http://schemas.microsoft.com/office/drawing/2014/main" id="{93D9D77F-6708-44D2-8B90-BB245FB45C46}"/>
               </a:ext>
             </a:extLst>
           </p:cNvPr>
@@ -39701,7 +39581,7 @@
           <p:cNvPr id="97" name="直接箭头连接符 96">
             <a:extLst>
               <a:ext uri="{FF2B5EF4-FFF2-40B4-BE49-F238E27FC236}">
-                <a16:creationId xmlns:a16="http://schemas.microsoft.com/office/drawing/2014/main" xmlns="" id="{5506F021-3081-4566-8A78-AEE352BED628}"/>
+                <a16:creationId xmlns:a16="http://schemas.microsoft.com/office/drawing/2014/main" id="{5506F021-3081-4566-8A78-AEE352BED628}"/>
               </a:ext>
             </a:extLst>
           </p:cNvPr>
@@ -39745,7 +39625,7 @@
           <p:cNvPr id="100" name="直接箭头连接符 99">
             <a:extLst>
               <a:ext uri="{FF2B5EF4-FFF2-40B4-BE49-F238E27FC236}">
-                <a16:creationId xmlns:a16="http://schemas.microsoft.com/office/drawing/2014/main" xmlns="" id="{A7CBBF73-0828-40B4-B09E-1DAF33341C64}"/>
+                <a16:creationId xmlns:a16="http://schemas.microsoft.com/office/drawing/2014/main" id="{A7CBBF73-0828-40B4-B09E-1DAF33341C64}"/>
               </a:ext>
             </a:extLst>
           </p:cNvPr>
@@ -39792,7 +39672,7 @@
           <p:cNvPr id="102" name="直接箭头连接符 101">
             <a:extLst>
               <a:ext uri="{FF2B5EF4-FFF2-40B4-BE49-F238E27FC236}">
-                <a16:creationId xmlns:a16="http://schemas.microsoft.com/office/drawing/2014/main" xmlns="" id="{FEB6D76B-89F0-4342-92D7-94444C79E232}"/>
+                <a16:creationId xmlns:a16="http://schemas.microsoft.com/office/drawing/2014/main" id="{FEB6D76B-89F0-4342-92D7-94444C79E232}"/>
               </a:ext>
             </a:extLst>
           </p:cNvPr>
@@ -39839,7 +39719,7 @@
           <p:cNvPr id="103" name="直接箭头连接符 102">
             <a:extLst>
               <a:ext uri="{FF2B5EF4-FFF2-40B4-BE49-F238E27FC236}">
-                <a16:creationId xmlns:a16="http://schemas.microsoft.com/office/drawing/2014/main" xmlns="" id="{15DCB3E3-E56C-46DB-AFE5-AAC9E615477E}"/>
+                <a16:creationId xmlns:a16="http://schemas.microsoft.com/office/drawing/2014/main" id="{15DCB3E3-E56C-46DB-AFE5-AAC9E615477E}"/>
               </a:ext>
             </a:extLst>
           </p:cNvPr>
@@ -39886,7 +39766,7 @@
           <p:cNvPr id="107" name="矩形 106">
             <a:extLst>
               <a:ext uri="{FF2B5EF4-FFF2-40B4-BE49-F238E27FC236}">
-                <a16:creationId xmlns:a16="http://schemas.microsoft.com/office/drawing/2014/main" xmlns="" id="{A50D03D5-0C4C-4356-8D9A-A4208C9493E8}"/>
+                <a16:creationId xmlns:a16="http://schemas.microsoft.com/office/drawing/2014/main" id="{A50D03D5-0C4C-4356-8D9A-A4208C9493E8}"/>
               </a:ext>
             </a:extLst>
           </p:cNvPr>
@@ -39988,7 +39868,7 @@
           <p:cNvPr id="35" name="直接箭头连接符 34">
             <a:extLst>
               <a:ext uri="{FF2B5EF4-FFF2-40B4-BE49-F238E27FC236}">
-                <a16:creationId xmlns:a16="http://schemas.microsoft.com/office/drawing/2014/main" xmlns="" id="{82AE59A8-ECC7-401F-8112-216C16602C2D}"/>
+                <a16:creationId xmlns:a16="http://schemas.microsoft.com/office/drawing/2014/main" id="{82AE59A8-ECC7-401F-8112-216C16602C2D}"/>
               </a:ext>
             </a:extLst>
           </p:cNvPr>
@@ -40038,7 +39918,7 @@
           <p:cNvPr id="108" name="直接箭头连接符 107">
             <a:extLst>
               <a:ext uri="{FF2B5EF4-FFF2-40B4-BE49-F238E27FC236}">
-                <a16:creationId xmlns:a16="http://schemas.microsoft.com/office/drawing/2014/main" xmlns="" id="{D9839D2E-A4E3-4F98-BD78-A1BE4AD857A4}"/>
+                <a16:creationId xmlns:a16="http://schemas.microsoft.com/office/drawing/2014/main" id="{D9839D2E-A4E3-4F98-BD78-A1BE4AD857A4}"/>
               </a:ext>
             </a:extLst>
           </p:cNvPr>
@@ -40088,7 +39968,7 @@
           <p:cNvPr id="109" name="直接箭头连接符 108">
             <a:extLst>
               <a:ext uri="{FF2B5EF4-FFF2-40B4-BE49-F238E27FC236}">
-                <a16:creationId xmlns:a16="http://schemas.microsoft.com/office/drawing/2014/main" xmlns="" id="{8E4D7F82-0B50-4276-BE41-A204C4683DAD}"/>
+                <a16:creationId xmlns:a16="http://schemas.microsoft.com/office/drawing/2014/main" id="{8E4D7F82-0B50-4276-BE41-A204C4683DAD}"/>
               </a:ext>
             </a:extLst>
           </p:cNvPr>
@@ -40138,7 +40018,7 @@
           <p:cNvPr id="110" name="直接箭头连接符 109">
             <a:extLst>
               <a:ext uri="{FF2B5EF4-FFF2-40B4-BE49-F238E27FC236}">
-                <a16:creationId xmlns:a16="http://schemas.microsoft.com/office/drawing/2014/main" xmlns="" id="{8D5A2235-88D8-4F84-95F1-A32E659AE6E0}"/>
+                <a16:creationId xmlns:a16="http://schemas.microsoft.com/office/drawing/2014/main" id="{8D5A2235-88D8-4F84-95F1-A32E659AE6E0}"/>
               </a:ext>
             </a:extLst>
           </p:cNvPr>
@@ -40188,7 +40068,7 @@
           <p:cNvPr id="111" name="直接箭头连接符 110">
             <a:extLst>
               <a:ext uri="{FF2B5EF4-FFF2-40B4-BE49-F238E27FC236}">
-                <a16:creationId xmlns:a16="http://schemas.microsoft.com/office/drawing/2014/main" xmlns="" id="{7682A1B4-DCCB-48BE-AA34-545FE7E057E6}"/>
+                <a16:creationId xmlns:a16="http://schemas.microsoft.com/office/drawing/2014/main" id="{7682A1B4-DCCB-48BE-AA34-545FE7E057E6}"/>
               </a:ext>
             </a:extLst>
           </p:cNvPr>
@@ -40232,7 +40112,7 @@
           <p:cNvPr id="114" name="直接箭头连接符 113">
             <a:extLst>
               <a:ext uri="{FF2B5EF4-FFF2-40B4-BE49-F238E27FC236}">
-                <a16:creationId xmlns:a16="http://schemas.microsoft.com/office/drawing/2014/main" xmlns="" id="{F653BDF9-B0A4-48D1-B4C5-5C0056C200B2}"/>
+                <a16:creationId xmlns:a16="http://schemas.microsoft.com/office/drawing/2014/main" id="{F653BDF9-B0A4-48D1-B4C5-5C0056C200B2}"/>
               </a:ext>
             </a:extLst>
           </p:cNvPr>
@@ -40276,7 +40156,7 @@
           <p:cNvPr id="115" name="直接箭头连接符 114">
             <a:extLst>
               <a:ext uri="{FF2B5EF4-FFF2-40B4-BE49-F238E27FC236}">
-                <a16:creationId xmlns:a16="http://schemas.microsoft.com/office/drawing/2014/main" xmlns="" id="{36E8FAD3-447F-475F-8EE5-B9F08925BCE0}"/>
+                <a16:creationId xmlns:a16="http://schemas.microsoft.com/office/drawing/2014/main" id="{36E8FAD3-447F-475F-8EE5-B9F08925BCE0}"/>
               </a:ext>
             </a:extLst>
           </p:cNvPr>
@@ -40323,7 +40203,7 @@
           <p:cNvPr id="116" name="直接箭头连接符 115">
             <a:extLst>
               <a:ext uri="{FF2B5EF4-FFF2-40B4-BE49-F238E27FC236}">
-                <a16:creationId xmlns:a16="http://schemas.microsoft.com/office/drawing/2014/main" xmlns="" id="{F20BDF8D-7EFE-40B3-8741-4B7B7E51BBF1}"/>
+                <a16:creationId xmlns:a16="http://schemas.microsoft.com/office/drawing/2014/main" id="{F20BDF8D-7EFE-40B3-8741-4B7B7E51BBF1}"/>
               </a:ext>
             </a:extLst>
           </p:cNvPr>
@@ -40367,7 +40247,7 @@
           <p:cNvPr id="117" name="直接箭头连接符 116">
             <a:extLst>
               <a:ext uri="{FF2B5EF4-FFF2-40B4-BE49-F238E27FC236}">
-                <a16:creationId xmlns:a16="http://schemas.microsoft.com/office/drawing/2014/main" xmlns="" id="{1AB2F32A-F946-4889-A33D-4E7FB6B0DE16}"/>
+                <a16:creationId xmlns:a16="http://schemas.microsoft.com/office/drawing/2014/main" id="{1AB2F32A-F946-4889-A33D-4E7FB6B0DE16}"/>
               </a:ext>
             </a:extLst>
           </p:cNvPr>
@@ -40411,7 +40291,7 @@
           <p:cNvPr id="19" name="直接箭头连接符 18">
             <a:extLst>
               <a:ext uri="{FF2B5EF4-FFF2-40B4-BE49-F238E27FC236}">
-                <a16:creationId xmlns:a16="http://schemas.microsoft.com/office/drawing/2014/main" xmlns="" id="{C42ED25C-590E-4425-9A87-B52C7DE5851D}"/>
+                <a16:creationId xmlns:a16="http://schemas.microsoft.com/office/drawing/2014/main" id="{C42ED25C-590E-4425-9A87-B52C7DE5851D}"/>
               </a:ext>
             </a:extLst>
           </p:cNvPr>
@@ -40455,7 +40335,7 @@
           <p:cNvPr id="56" name="图形 55" descr="便携式计算机">
             <a:extLst>
               <a:ext uri="{FF2B5EF4-FFF2-40B4-BE49-F238E27FC236}">
-                <a16:creationId xmlns:a16="http://schemas.microsoft.com/office/drawing/2014/main" xmlns="" id="{CF966D99-0514-4058-8F25-08685C208DF8}"/>
+                <a16:creationId xmlns:a16="http://schemas.microsoft.com/office/drawing/2014/main" id="{CF966D99-0514-4058-8F25-08685C208DF8}"/>
               </a:ext>
             </a:extLst>
           </p:cNvPr>
@@ -40471,7 +40351,7 @@
                 <a14:useLocalDpi xmlns:a14="http://schemas.microsoft.com/office/drawing/2010/main" val="0"/>
               </a:ext>
               <a:ext uri="{96DAC541-7B7A-43D3-8B79-37D633B846F1}">
-                <asvg:svgBlip xmlns:asvg="http://schemas.microsoft.com/office/drawing/2016/SVG/main" xmlns="" r:embed="rId3"/>
+                <asvg:svgBlip xmlns:asvg="http://schemas.microsoft.com/office/drawing/2016/SVG/main" r:embed="rId3"/>
               </a:ext>
             </a:extLst>
           </a:blip>
@@ -40494,7 +40374,7 @@
           <p:cNvPr id="120" name="文本框 119">
             <a:extLst>
               <a:ext uri="{FF2B5EF4-FFF2-40B4-BE49-F238E27FC236}">
-                <a16:creationId xmlns:a16="http://schemas.microsoft.com/office/drawing/2014/main" xmlns="" id="{4EFB6849-11EE-4586-9061-1FC133727FD4}"/>
+                <a16:creationId xmlns:a16="http://schemas.microsoft.com/office/drawing/2014/main" id="{4EFB6849-11EE-4586-9061-1FC133727FD4}"/>
               </a:ext>
             </a:extLst>
           </p:cNvPr>
@@ -40532,7 +40412,7 @@
           <p:cNvPr id="132" name="文本框 131">
             <a:extLst>
               <a:ext uri="{FF2B5EF4-FFF2-40B4-BE49-F238E27FC236}">
-                <a16:creationId xmlns:a16="http://schemas.microsoft.com/office/drawing/2014/main" xmlns="" id="{F9CD960C-1D57-42B0-A74D-D9A28539292C}"/>
+                <a16:creationId xmlns:a16="http://schemas.microsoft.com/office/drawing/2014/main" id="{F9CD960C-1D57-42B0-A74D-D9A28539292C}"/>
               </a:ext>
             </a:extLst>
           </p:cNvPr>
@@ -40570,7 +40450,7 @@
           <p:cNvPr id="71" name="图形 70" descr="戏院">
             <a:extLst>
               <a:ext uri="{FF2B5EF4-FFF2-40B4-BE49-F238E27FC236}">
-                <a16:creationId xmlns:a16="http://schemas.microsoft.com/office/drawing/2014/main" xmlns="" id="{D663D043-370E-47D2-BA0C-E3A0E982A2F1}"/>
+                <a16:creationId xmlns:a16="http://schemas.microsoft.com/office/drawing/2014/main" id="{D663D043-370E-47D2-BA0C-E3A0E982A2F1}"/>
               </a:ext>
             </a:extLst>
           </p:cNvPr>
@@ -40586,7 +40466,7 @@
                 <a14:useLocalDpi xmlns:a14="http://schemas.microsoft.com/office/drawing/2010/main" val="0"/>
               </a:ext>
               <a:ext uri="{96DAC541-7B7A-43D3-8B79-37D633B846F1}">
-                <asvg:svgBlip xmlns:asvg="http://schemas.microsoft.com/office/drawing/2016/SVG/main" xmlns="" r:embed="rId5"/>
+                <asvg:svgBlip xmlns:asvg="http://schemas.microsoft.com/office/drawing/2016/SVG/main" r:embed="rId5"/>
               </a:ext>
             </a:extLst>
           </a:blip>
@@ -40609,7 +40489,7 @@
           <p:cNvPr id="133" name="文本框 132">
             <a:extLst>
               <a:ext uri="{FF2B5EF4-FFF2-40B4-BE49-F238E27FC236}">
-                <a16:creationId xmlns:a16="http://schemas.microsoft.com/office/drawing/2014/main" xmlns="" id="{3D6830DA-663D-4D28-AA79-B86242160F97}"/>
+                <a16:creationId xmlns:a16="http://schemas.microsoft.com/office/drawing/2014/main" id="{3D6830DA-663D-4D28-AA79-B86242160F97}"/>
               </a:ext>
             </a:extLst>
           </p:cNvPr>
@@ -40647,7 +40527,7 @@
           <p:cNvPr id="73" name="图形 72" descr="铃">
             <a:extLst>
               <a:ext uri="{FF2B5EF4-FFF2-40B4-BE49-F238E27FC236}">
-                <a16:creationId xmlns:a16="http://schemas.microsoft.com/office/drawing/2014/main" xmlns="" id="{38C22AB5-F8AD-43CB-8909-359E80938CCC}"/>
+                <a16:creationId xmlns:a16="http://schemas.microsoft.com/office/drawing/2014/main" id="{38C22AB5-F8AD-43CB-8909-359E80938CCC}"/>
               </a:ext>
             </a:extLst>
           </p:cNvPr>
@@ -40663,7 +40543,7 @@
                 <a14:useLocalDpi xmlns:a14="http://schemas.microsoft.com/office/drawing/2010/main" val="0"/>
               </a:ext>
               <a:ext uri="{96DAC541-7B7A-43D3-8B79-37D633B846F1}">
-                <asvg:svgBlip xmlns:asvg="http://schemas.microsoft.com/office/drawing/2016/SVG/main" xmlns="" r:embed="rId7"/>
+                <asvg:svgBlip xmlns:asvg="http://schemas.microsoft.com/office/drawing/2016/SVG/main" r:embed="rId7"/>
               </a:ext>
             </a:extLst>
           </a:blip>
@@ -40686,7 +40566,7 @@
           <p:cNvPr id="122" name="图形 121" descr="计算机">
             <a:extLst>
               <a:ext uri="{FF2B5EF4-FFF2-40B4-BE49-F238E27FC236}">
-                <a16:creationId xmlns:a16="http://schemas.microsoft.com/office/drawing/2014/main" xmlns="" id="{3DDD6EA6-BF97-4E71-989D-D80A75B6F646}"/>
+                <a16:creationId xmlns:a16="http://schemas.microsoft.com/office/drawing/2014/main" id="{3DDD6EA6-BF97-4E71-989D-D80A75B6F646}"/>
               </a:ext>
             </a:extLst>
           </p:cNvPr>
@@ -40702,7 +40582,7 @@
                 <a14:useLocalDpi xmlns:a14="http://schemas.microsoft.com/office/drawing/2010/main" val="0"/>
               </a:ext>
               <a:ext uri="{96DAC541-7B7A-43D3-8B79-37D633B846F1}">
-                <asvg:svgBlip xmlns:asvg="http://schemas.microsoft.com/office/drawing/2016/SVG/main" xmlns="" r:embed="rId9"/>
+                <asvg:svgBlip xmlns:asvg="http://schemas.microsoft.com/office/drawing/2016/SVG/main" r:embed="rId9"/>
               </a:ext>
             </a:extLst>
           </a:blip>
@@ -40725,7 +40605,7 @@
           <p:cNvPr id="135" name="文本框 134">
             <a:extLst>
               <a:ext uri="{FF2B5EF4-FFF2-40B4-BE49-F238E27FC236}">
-                <a16:creationId xmlns:a16="http://schemas.microsoft.com/office/drawing/2014/main" xmlns="" id="{5489B002-2A38-451C-9CCC-947200DFDDBB}"/>
+                <a16:creationId xmlns:a16="http://schemas.microsoft.com/office/drawing/2014/main" id="{5489B002-2A38-451C-9CCC-947200DFDDBB}"/>
               </a:ext>
             </a:extLst>
           </p:cNvPr>
@@ -40763,7 +40643,7 @@
           <p:cNvPr id="134" name="图形 133" descr="电子邮件">
             <a:extLst>
               <a:ext uri="{FF2B5EF4-FFF2-40B4-BE49-F238E27FC236}">
-                <a16:creationId xmlns:a16="http://schemas.microsoft.com/office/drawing/2014/main" xmlns="" id="{9F75DA02-DAC6-4799-A496-5C715EB45004}"/>
+                <a16:creationId xmlns:a16="http://schemas.microsoft.com/office/drawing/2014/main" id="{9F75DA02-DAC6-4799-A496-5C715EB45004}"/>
               </a:ext>
             </a:extLst>
           </p:cNvPr>
@@ -40779,7 +40659,7 @@
                 <a14:useLocalDpi xmlns:a14="http://schemas.microsoft.com/office/drawing/2010/main" val="0"/>
               </a:ext>
               <a:ext uri="{96DAC541-7B7A-43D3-8B79-37D633B846F1}">
-                <asvg:svgBlip xmlns:asvg="http://schemas.microsoft.com/office/drawing/2016/SVG/main" xmlns="" r:embed="rId11"/>
+                <asvg:svgBlip xmlns:asvg="http://schemas.microsoft.com/office/drawing/2016/SVG/main" r:embed="rId11"/>
               </a:ext>
             </a:extLst>
           </a:blip>
@@ -40802,7 +40682,7 @@
           <p:cNvPr id="138" name="文本框 137">
             <a:extLst>
               <a:ext uri="{FF2B5EF4-FFF2-40B4-BE49-F238E27FC236}">
-                <a16:creationId xmlns:a16="http://schemas.microsoft.com/office/drawing/2014/main" xmlns="" id="{243F5C78-1E1A-48F8-A9F0-1BF1DFD57C9F}"/>
+                <a16:creationId xmlns:a16="http://schemas.microsoft.com/office/drawing/2014/main" id="{243F5C78-1E1A-48F8-A9F0-1BF1DFD57C9F}"/>
               </a:ext>
             </a:extLst>
           </p:cNvPr>
@@ -40840,7 +40720,7 @@
           <p:cNvPr id="148" name="图形 147" descr="显示器">
             <a:extLst>
               <a:ext uri="{FF2B5EF4-FFF2-40B4-BE49-F238E27FC236}">
-                <a16:creationId xmlns:a16="http://schemas.microsoft.com/office/drawing/2014/main" xmlns="" id="{9E929DEE-1A88-43FB-9696-F2E767FE3EE0}"/>
+                <a16:creationId xmlns:a16="http://schemas.microsoft.com/office/drawing/2014/main" id="{9E929DEE-1A88-43FB-9696-F2E767FE3EE0}"/>
               </a:ext>
             </a:extLst>
           </p:cNvPr>
@@ -40856,7 +40736,7 @@
                 <a14:useLocalDpi xmlns:a14="http://schemas.microsoft.com/office/drawing/2010/main" val="0"/>
               </a:ext>
               <a:ext uri="{96DAC541-7B7A-43D3-8B79-37D633B846F1}">
-                <asvg:svgBlip xmlns:asvg="http://schemas.microsoft.com/office/drawing/2016/SVG/main" xmlns="" r:embed="rId13"/>
+                <asvg:svgBlip xmlns:asvg="http://schemas.microsoft.com/office/drawing/2016/SVG/main" r:embed="rId13"/>
               </a:ext>
             </a:extLst>
           </a:blip>
@@ -40879,7 +40759,7 @@
           <p:cNvPr id="149" name="文本框 148">
             <a:extLst>
               <a:ext uri="{FF2B5EF4-FFF2-40B4-BE49-F238E27FC236}">
-                <a16:creationId xmlns:a16="http://schemas.microsoft.com/office/drawing/2014/main" xmlns="" id="{99ACC9C1-AB16-409D-8213-1127C98E3633}"/>
+                <a16:creationId xmlns:a16="http://schemas.microsoft.com/office/drawing/2014/main" id="{99ACC9C1-AB16-409D-8213-1127C98E3633}"/>
               </a:ext>
             </a:extLst>
           </p:cNvPr>
@@ -40917,7 +40797,7 @@
           <p:cNvPr id="153" name="图形 152" descr="显示器">
             <a:extLst>
               <a:ext uri="{FF2B5EF4-FFF2-40B4-BE49-F238E27FC236}">
-                <a16:creationId xmlns:a16="http://schemas.microsoft.com/office/drawing/2014/main" xmlns="" id="{794358B0-338C-4268-A381-4C7149CF6C8B}"/>
+                <a16:creationId xmlns:a16="http://schemas.microsoft.com/office/drawing/2014/main" id="{794358B0-338C-4268-A381-4C7149CF6C8B}"/>
               </a:ext>
             </a:extLst>
           </p:cNvPr>
@@ -40933,7 +40813,7 @@
                 <a14:useLocalDpi xmlns:a14="http://schemas.microsoft.com/office/drawing/2010/main" val="0"/>
               </a:ext>
               <a:ext uri="{96DAC541-7B7A-43D3-8B79-37D633B846F1}">
-                <asvg:svgBlip xmlns:asvg="http://schemas.microsoft.com/office/drawing/2016/SVG/main" xmlns="" r:embed="rId13"/>
+                <asvg:svgBlip xmlns:asvg="http://schemas.microsoft.com/office/drawing/2016/SVG/main" r:embed="rId13"/>
               </a:ext>
             </a:extLst>
           </a:blip>
@@ -40956,7 +40836,7 @@
           <p:cNvPr id="154" name="文本框 153">
             <a:extLst>
               <a:ext uri="{FF2B5EF4-FFF2-40B4-BE49-F238E27FC236}">
-                <a16:creationId xmlns:a16="http://schemas.microsoft.com/office/drawing/2014/main" xmlns="" id="{8049C244-4033-47B8-97A9-ABFAEFCEFD98}"/>
+                <a16:creationId xmlns:a16="http://schemas.microsoft.com/office/drawing/2014/main" id="{8049C244-4033-47B8-97A9-ABFAEFCEFD98}"/>
               </a:ext>
             </a:extLst>
           </p:cNvPr>
@@ -40994,7 +40874,7 @@
           <p:cNvPr id="157" name="图形 156" descr="显示器">
             <a:extLst>
               <a:ext uri="{FF2B5EF4-FFF2-40B4-BE49-F238E27FC236}">
-                <a16:creationId xmlns:a16="http://schemas.microsoft.com/office/drawing/2014/main" xmlns="" id="{70BD1DC0-49EC-44FC-B356-373FB6378799}"/>
+                <a16:creationId xmlns:a16="http://schemas.microsoft.com/office/drawing/2014/main" id="{70BD1DC0-49EC-44FC-B356-373FB6378799}"/>
               </a:ext>
             </a:extLst>
           </p:cNvPr>
@@ -41010,7 +40890,7 @@
                 <a14:useLocalDpi xmlns:a14="http://schemas.microsoft.com/office/drawing/2010/main" val="0"/>
               </a:ext>
               <a:ext uri="{96DAC541-7B7A-43D3-8B79-37D633B846F1}">
-                <asvg:svgBlip xmlns:asvg="http://schemas.microsoft.com/office/drawing/2016/SVG/main" xmlns="" r:embed="rId13"/>
+                <asvg:svgBlip xmlns:asvg="http://schemas.microsoft.com/office/drawing/2016/SVG/main" r:embed="rId13"/>
               </a:ext>
             </a:extLst>
           </a:blip>
@@ -41033,7 +40913,7 @@
           <p:cNvPr id="158" name="文本框 157">
             <a:extLst>
               <a:ext uri="{FF2B5EF4-FFF2-40B4-BE49-F238E27FC236}">
-                <a16:creationId xmlns:a16="http://schemas.microsoft.com/office/drawing/2014/main" xmlns="" id="{B0D032E6-E537-4407-AF8E-E7DE3765C44C}"/>
+                <a16:creationId xmlns:a16="http://schemas.microsoft.com/office/drawing/2014/main" id="{B0D032E6-E537-4407-AF8E-E7DE3765C44C}"/>
               </a:ext>
             </a:extLst>
           </p:cNvPr>
@@ -41071,7 +40951,7 @@
           <p:cNvPr id="168" name="直接箭头连接符 167">
             <a:extLst>
               <a:ext uri="{FF2B5EF4-FFF2-40B4-BE49-F238E27FC236}">
-                <a16:creationId xmlns:a16="http://schemas.microsoft.com/office/drawing/2014/main" xmlns="" id="{BCBD419A-C1AB-4B74-9439-E1113BFEEA88}"/>
+                <a16:creationId xmlns:a16="http://schemas.microsoft.com/office/drawing/2014/main" id="{BCBD419A-C1AB-4B74-9439-E1113BFEEA88}"/>
               </a:ext>
             </a:extLst>
           </p:cNvPr>
@@ -41118,7 +40998,7 @@
           <p:cNvPr id="170" name="直接箭头连接符 169">
             <a:extLst>
               <a:ext uri="{FF2B5EF4-FFF2-40B4-BE49-F238E27FC236}">
-                <a16:creationId xmlns:a16="http://schemas.microsoft.com/office/drawing/2014/main" xmlns="" id="{065B764D-94B4-485D-B070-E4E4D56E4CC9}"/>
+                <a16:creationId xmlns:a16="http://schemas.microsoft.com/office/drawing/2014/main" id="{065B764D-94B4-485D-B070-E4E4D56E4CC9}"/>
               </a:ext>
             </a:extLst>
           </p:cNvPr>
@@ -41165,7 +41045,7 @@
           <p:cNvPr id="171" name="直接箭头连接符 170">
             <a:extLst>
               <a:ext uri="{FF2B5EF4-FFF2-40B4-BE49-F238E27FC236}">
-                <a16:creationId xmlns:a16="http://schemas.microsoft.com/office/drawing/2014/main" xmlns="" id="{4210D2A5-6043-4800-9346-B80492E23282}"/>
+                <a16:creationId xmlns:a16="http://schemas.microsoft.com/office/drawing/2014/main" id="{4210D2A5-6043-4800-9346-B80492E23282}"/>
               </a:ext>
             </a:extLst>
           </p:cNvPr>
@@ -41218,13 +41098,6 @@
   <p:clrMapOvr>
     <a:masterClrMapping/>
   </p:clrMapOvr>
-  <p:timing>
-    <p:tnLst>
-      <p:par>
-        <p:cTn id="1" dur="indefinite" restart="never" nodeType="tmRoot"/>
-      </p:par>
-    </p:tnLst>
-  </p:timing>
 </p:sld>
 </file>
 
